--- a/mysite5 board 시퀀스다이어그램.pptx
+++ b/mysite5 board 시퀀스다이어그램.pptx
@@ -6550,57 +6550,6 @@
       </p:grpSp>
       <p:sp>
         <p:nvSpPr>
-          <p:cNvPr id="57" name="TextBox 56">
-            <a:extLst>
-              <a:ext uri="{FF2B5EF4-FFF2-40B4-BE49-F238E27FC236}">
-                <a16:creationId xmlns:a16="http://schemas.microsoft.com/office/drawing/2014/main" id="{177B3951-9596-4560-B838-A810A88B1ABE}"/>
-              </a:ext>
-            </a:extLst>
-          </p:cNvPr>
-          <p:cNvSpPr txBox="1"/>
-          <p:nvPr/>
-        </p:nvSpPr>
-        <p:spPr bwMode="auto">
-          <a:xfrm>
-            <a:off x="28038968" y="5350651"/>
-            <a:ext cx="1230128" cy="338554"/>
-          </a:xfrm>
-          <a:prstGeom prst="rect">
-            <a:avLst/>
-          </a:prstGeom>
-          <a:noFill/>
-        </p:spPr>
-        <p:txBody>
-          <a:bodyPr wrap="square">
-            <a:spAutoFit/>
-          </a:bodyPr>
-          <a:lstStyle/>
-          <a:p>
-            <a:pPr eaLnBrk="1" latinLnBrk="1" hangingPunct="1">
-              <a:defRPr/>
-            </a:pPr>
-            <a:r>
-              <a:rPr lang="en-US" altLang="ko-KR" sz="1600" b="1" dirty="0" err="1" smtClean="0">
-                <a:latin typeface="+mn-ea"/>
-              </a:rPr>
-              <a:t>Board</a:t>
-            </a:r>
-            <a:r>
-              <a:rPr lang="en-US" altLang="ko-KR" sz="1600" b="1" dirty="0" err="1" smtClean="0">
-                <a:latin typeface="+mn-ea"/>
-                <a:ea typeface="+mn-ea"/>
-              </a:rPr>
-              <a:t>List</a:t>
-            </a:r>
-            <a:endParaRPr lang="ko-KR" altLang="en-US" sz="1200" b="1" dirty="0">
-              <a:latin typeface="+mn-ea"/>
-              <a:ea typeface="+mn-ea"/>
-            </a:endParaRPr>
-          </a:p>
-        </p:txBody>
-      </p:sp>
-      <p:sp>
-        <p:nvSpPr>
           <p:cNvPr id="59" name="TextBox 58">
             <a:extLst>
               <a:ext uri="{FF2B5EF4-FFF2-40B4-BE49-F238E27FC236}">
@@ -7889,10 +7838,6 @@
             </a:p>
             <a:p>
               <a:pPr algn="ctr"/>
-              <a:r>
-                <a:rPr lang="en-US" altLang="ko-KR" dirty="0" err="1" smtClean="0"/>
-                <a:t>Redirect:list</a:t>
-              </a:r>
               <a:endParaRPr lang="ko-KR" altLang="en-US" dirty="0"/>
             </a:p>
           </p:txBody>
@@ -8313,7 +8258,7 @@
                 <a:rPr lang="en-US" altLang="ko-KR" b="1" dirty="0" smtClean="0">
                   <a:latin typeface="+mn-ea"/>
                 </a:rPr>
-                <a:t>guest</a:t>
+                <a:t>board</a:t>
               </a:r>
               <a:r>
                 <a:rPr lang="en-US" altLang="ko-KR" b="1" dirty="0" smtClean="0">
@@ -8733,7 +8678,7 @@
           </p:nvSpPr>
           <p:spPr bwMode="auto">
             <a:xfrm>
-              <a:off x="7034644" y="25805662"/>
+              <a:off x="10462819" y="25491546"/>
               <a:ext cx="2954779" cy="646331"/>
             </a:xfrm>
             <a:prstGeom prst="rect">
@@ -10570,7 +10515,7 @@
         </p:nvSpPr>
         <p:spPr bwMode="auto">
           <a:xfrm>
-            <a:off x="8031977" y="25279648"/>
+            <a:off x="8745229" y="24928068"/>
             <a:ext cx="2954779" cy="307777"/>
           </a:xfrm>
           <a:prstGeom prst="rect">
@@ -10862,6 +10807,201 @@
               <a:t>BoardVo</a:t>
             </a:r>
             <a:endParaRPr lang="ko-KR" altLang="en-US" sz="1200" b="1" dirty="0">
+              <a:latin typeface="+mn-ea"/>
+              <a:ea typeface="+mn-ea"/>
+            </a:endParaRPr>
+          </a:p>
+        </p:txBody>
+      </p:sp>
+      <p:sp>
+        <p:nvSpPr>
+          <p:cNvPr id="185" name="TextBox 184">
+            <a:extLst>
+              <a:ext uri="{FF2B5EF4-FFF2-40B4-BE49-F238E27FC236}">
+                <a16:creationId xmlns:a16="http://schemas.microsoft.com/office/drawing/2014/main" id="{792ACAF0-3636-405A-8793-68B72E51E5CA}"/>
+              </a:ext>
+            </a:extLst>
+          </p:cNvPr>
+          <p:cNvSpPr txBox="1"/>
+          <p:nvPr/>
+        </p:nvSpPr>
+        <p:spPr bwMode="auto">
+          <a:xfrm>
+            <a:off x="29669085" y="4151478"/>
+            <a:ext cx="3761283" cy="338554"/>
+          </a:xfrm>
+          <a:prstGeom prst="rect">
+            <a:avLst/>
+          </a:prstGeom>
+          <a:noFill/>
+        </p:spPr>
+        <p:txBody>
+          <a:bodyPr wrap="square">
+            <a:spAutoFit/>
+          </a:bodyPr>
+          <a:lstStyle/>
+          <a:p>
+            <a:pPr eaLnBrk="1" latinLnBrk="1" hangingPunct="1">
+              <a:defRPr/>
+            </a:pPr>
+            <a:r>
+              <a:rPr lang="en-US" altLang="ko-KR" sz="1600" b="1" dirty="0" err="1" smtClean="0">
+                <a:latin typeface="+mn-ea"/>
+              </a:rPr>
+              <a:t>resultType</a:t>
+            </a:r>
+            <a:r>
+              <a:rPr lang="en-US" altLang="ko-KR" sz="1600" b="1" dirty="0" smtClean="0">
+                <a:latin typeface="+mn-ea"/>
+              </a:rPr>
+              <a:t>:</a:t>
+            </a:r>
+            <a:r>
+              <a:rPr lang="en-US" altLang="ko-KR" sz="1600" b="1" dirty="0" smtClean="0">
+                <a:latin typeface="+mn-ea"/>
+              </a:rPr>
+              <a:t> </a:t>
+            </a:r>
+            <a:r>
+              <a:rPr lang="en-US" altLang="ko-KR" sz="1600" b="1" dirty="0" err="1" smtClean="0">
+                <a:latin typeface="+mn-ea"/>
+              </a:rPr>
+              <a:t>BoardVo</a:t>
+            </a:r>
+            <a:endParaRPr lang="ko-KR" altLang="en-US" sz="1200" b="1" dirty="0">
+              <a:latin typeface="+mn-ea"/>
+              <a:ea typeface="+mn-ea"/>
+            </a:endParaRPr>
+          </a:p>
+        </p:txBody>
+      </p:sp>
+      <p:sp>
+        <p:nvSpPr>
+          <p:cNvPr id="186" name="TextBox 185">
+            <a:extLst>
+              <a:ext uri="{FF2B5EF4-FFF2-40B4-BE49-F238E27FC236}">
+                <a16:creationId xmlns:a16="http://schemas.microsoft.com/office/drawing/2014/main" id="{177B3951-9596-4560-B838-A810A88B1ABE}"/>
+              </a:ext>
+            </a:extLst>
+          </p:cNvPr>
+          <p:cNvSpPr txBox="1"/>
+          <p:nvPr/>
+        </p:nvSpPr>
+        <p:spPr bwMode="auto">
+          <a:xfrm>
+            <a:off x="19014461" y="10456252"/>
+            <a:ext cx="1230128" cy="338554"/>
+          </a:xfrm>
+          <a:prstGeom prst="rect">
+            <a:avLst/>
+          </a:prstGeom>
+          <a:noFill/>
+        </p:spPr>
+        <p:txBody>
+          <a:bodyPr wrap="square">
+            <a:spAutoFit/>
+          </a:bodyPr>
+          <a:lstStyle/>
+          <a:p>
+            <a:pPr eaLnBrk="1" latinLnBrk="1" hangingPunct="1">
+              <a:defRPr/>
+            </a:pPr>
+            <a:r>
+              <a:rPr lang="en-US" altLang="ko-KR" sz="1600" b="1" dirty="0" smtClean="0">
+                <a:latin typeface="+mn-ea"/>
+              </a:rPr>
+              <a:t>void</a:t>
+            </a:r>
+            <a:endParaRPr lang="ko-KR" altLang="en-US" sz="1200" b="1" dirty="0">
+              <a:latin typeface="+mn-ea"/>
+              <a:ea typeface="+mn-ea"/>
+            </a:endParaRPr>
+          </a:p>
+        </p:txBody>
+      </p:sp>
+      <p:sp>
+        <p:nvSpPr>
+          <p:cNvPr id="187" name="TextBox 186">
+            <a:extLst>
+              <a:ext uri="{FF2B5EF4-FFF2-40B4-BE49-F238E27FC236}">
+                <a16:creationId xmlns:a16="http://schemas.microsoft.com/office/drawing/2014/main" id="{177B3951-9596-4560-B838-A810A88B1ABE}"/>
+              </a:ext>
+            </a:extLst>
+          </p:cNvPr>
+          <p:cNvSpPr txBox="1"/>
+          <p:nvPr/>
+        </p:nvSpPr>
+        <p:spPr bwMode="auto">
+          <a:xfrm>
+            <a:off x="14262469" y="10572264"/>
+            <a:ext cx="1230128" cy="338554"/>
+          </a:xfrm>
+          <a:prstGeom prst="rect">
+            <a:avLst/>
+          </a:prstGeom>
+          <a:noFill/>
+        </p:spPr>
+        <p:txBody>
+          <a:bodyPr wrap="square">
+            <a:spAutoFit/>
+          </a:bodyPr>
+          <a:lstStyle/>
+          <a:p>
+            <a:pPr eaLnBrk="1" latinLnBrk="1" hangingPunct="1">
+              <a:defRPr/>
+            </a:pPr>
+            <a:r>
+              <a:rPr lang="en-US" altLang="ko-KR" sz="1600" b="1" dirty="0" smtClean="0">
+                <a:latin typeface="+mn-ea"/>
+              </a:rPr>
+              <a:t>void</a:t>
+            </a:r>
+            <a:endParaRPr lang="ko-KR" altLang="en-US" sz="1200" b="1" dirty="0">
+              <a:latin typeface="+mn-ea"/>
+              <a:ea typeface="+mn-ea"/>
+            </a:endParaRPr>
+          </a:p>
+        </p:txBody>
+      </p:sp>
+      <p:sp>
+        <p:nvSpPr>
+          <p:cNvPr id="188" name="TextBox 187">
+            <a:extLst>
+              <a:ext uri="{FF2B5EF4-FFF2-40B4-BE49-F238E27FC236}">
+                <a16:creationId xmlns:a16="http://schemas.microsoft.com/office/drawing/2014/main" id="{D37C9736-96A0-465F-BEBE-55215F91370C}"/>
+              </a:ext>
+            </a:extLst>
+          </p:cNvPr>
+          <p:cNvSpPr txBox="1"/>
+          <p:nvPr/>
+        </p:nvSpPr>
+        <p:spPr bwMode="auto">
+          <a:xfrm>
+            <a:off x="7859099" y="19692219"/>
+            <a:ext cx="2954779" cy="307777"/>
+          </a:xfrm>
+          <a:prstGeom prst="rect">
+            <a:avLst/>
+          </a:prstGeom>
+          <a:noFill/>
+        </p:spPr>
+        <p:txBody>
+          <a:bodyPr wrap="square">
+            <a:spAutoFit/>
+          </a:bodyPr>
+          <a:lstStyle/>
+          <a:p>
+            <a:pPr eaLnBrk="1" latinLnBrk="1" hangingPunct="1">
+              <a:defRPr/>
+            </a:pPr>
+            <a:r>
+              <a:rPr lang="en-US" altLang="ko-KR" sz="1400" b="1" dirty="0" err="1" smtClean="0">
+                <a:latin typeface="+mn-ea"/>
+                <a:ea typeface="+mn-ea"/>
+              </a:rPr>
+              <a:t>writeForm.jsp</a:t>
+            </a:r>
+            <a:endParaRPr lang="ko-KR" altLang="en-US" sz="1400" b="1" dirty="0">
               <a:latin typeface="+mn-ea"/>
               <a:ea typeface="+mn-ea"/>
             </a:endParaRPr>
@@ -12712,7 +12852,7 @@
         </p:nvSpPr>
         <p:spPr>
           <a:xfrm>
-            <a:off x="15195163" y="1559677"/>
+            <a:off x="15007854" y="1721754"/>
             <a:ext cx="3605316" cy="27195883"/>
           </a:xfrm>
           <a:prstGeom prst="rect">
@@ -13039,9 +13179,9 @@
         <p:grpSpPr>
           <a:xfrm>
             <a:off x="1782651" y="4113897"/>
-            <a:ext cx="30277016" cy="5557856"/>
+            <a:ext cx="30277016" cy="3113259"/>
             <a:chOff x="601665" y="2770706"/>
-            <a:chExt cx="30277016" cy="5557856"/>
+            <a:chExt cx="30277016" cy="3113259"/>
           </a:xfrm>
         </p:grpSpPr>
         <p:cxnSp>
@@ -13395,10 +13535,10 @@
           </p:nvGrpSpPr>
           <p:grpSpPr>
             <a:xfrm>
-              <a:off x="13690299" y="3551879"/>
-              <a:ext cx="1817308" cy="413728"/>
-              <a:chOff x="11757511" y="11859420"/>
-              <a:chExt cx="2733276" cy="179260"/>
+              <a:off x="12221316" y="3551872"/>
+              <a:ext cx="3286293" cy="2142497"/>
+              <a:chOff x="9548122" y="11859420"/>
+              <a:chExt cx="4942665" cy="928301"/>
             </a:xfrm>
           </p:grpSpPr>
           <p:cxnSp>
@@ -13463,6 +13603,94 @@
               <a:xfrm flipH="1">
                 <a:off x="11757511" y="12038680"/>
                 <a:ext cx="2710518" cy="0"/>
+              </a:xfrm>
+              <a:prstGeom prst="straightConnector1">
+                <a:avLst/>
+              </a:prstGeom>
+              <a:ln w="38100">
+                <a:solidFill>
+                  <a:srgbClr val="0070C0"/>
+                </a:solidFill>
+                <a:tailEnd type="arrow"/>
+              </a:ln>
+            </p:spPr>
+            <p:style>
+              <a:lnRef idx="1">
+                <a:schemeClr val="accent1"/>
+              </a:lnRef>
+              <a:fillRef idx="0">
+                <a:schemeClr val="accent1"/>
+              </a:fillRef>
+              <a:effectRef idx="0">
+                <a:schemeClr val="accent1"/>
+              </a:effectRef>
+              <a:fontRef idx="minor">
+                <a:schemeClr val="tx1"/>
+              </a:fontRef>
+            </p:style>
+          </p:cxnSp>
+          <p:cxnSp>
+            <p:nvCxnSpPr>
+              <p:cNvPr id="132" name="직선 화살표 연결선 131">
+                <a:extLst>
+                  <a:ext uri="{FF2B5EF4-FFF2-40B4-BE49-F238E27FC236}">
+                    <a16:creationId xmlns:a16="http://schemas.microsoft.com/office/drawing/2014/main" id="{0062DF77-D1C0-401E-A1DC-48AC597E083F}"/>
+                  </a:ext>
+                </a:extLst>
+              </p:cNvPr>
+              <p:cNvCxnSpPr>
+                <a:cxnSpLocks/>
+              </p:cNvCxnSpPr>
+              <p:nvPr/>
+            </p:nvCxnSpPr>
+            <p:spPr bwMode="auto">
+              <a:xfrm>
+                <a:off x="9865754" y="12006626"/>
+                <a:ext cx="3952910" cy="754364"/>
+              </a:xfrm>
+              <a:prstGeom prst="straightConnector1">
+                <a:avLst/>
+              </a:prstGeom>
+              <a:ln w="38100">
+                <a:solidFill>
+                  <a:srgbClr val="C00000"/>
+                </a:solidFill>
+                <a:tailEnd type="arrow"/>
+              </a:ln>
+            </p:spPr>
+            <p:style>
+              <a:lnRef idx="1">
+                <a:schemeClr val="accent1"/>
+              </a:lnRef>
+              <a:fillRef idx="0">
+                <a:schemeClr val="accent1"/>
+              </a:fillRef>
+              <a:effectRef idx="0">
+                <a:schemeClr val="accent1"/>
+              </a:effectRef>
+              <a:fontRef idx="minor">
+                <a:schemeClr val="tx1"/>
+              </a:fontRef>
+            </p:style>
+          </p:cxnSp>
+          <p:cxnSp>
+            <p:nvCxnSpPr>
+              <p:cNvPr id="133" name="직선 화살표 연결선 132">
+                <a:extLst>
+                  <a:ext uri="{FF2B5EF4-FFF2-40B4-BE49-F238E27FC236}">
+                    <a16:creationId xmlns:a16="http://schemas.microsoft.com/office/drawing/2014/main" id="{AAC455D6-D106-49CB-B764-96CF87FE48D7}"/>
+                  </a:ext>
+                </a:extLst>
+              </p:cNvPr>
+              <p:cNvCxnSpPr>
+                <a:cxnSpLocks/>
+              </p:cNvCxnSpPr>
+              <p:nvPr/>
+            </p:nvCxnSpPr>
+            <p:spPr bwMode="auto">
+              <a:xfrm flipH="1" flipV="1">
+                <a:off x="9548122" y="12093084"/>
+                <a:ext cx="4130395" cy="694637"/>
               </a:xfrm>
               <a:prstGeom prst="straightConnector1">
                 <a:avLst/>
@@ -13588,7 +13816,7 @@
                 <a:rPr lang="en-US" altLang="ko-KR" b="1" dirty="0" err="1" smtClean="0">
                   <a:latin typeface="+mn-ea"/>
                 </a:rPr>
-                <a:t>selectPost</a:t>
+                <a:t>selectOne</a:t>
               </a:r>
               <a:r>
                 <a:rPr lang="en-US" altLang="ko-KR" b="1" dirty="0" smtClean="0">
@@ -13690,10 +13918,10 @@
           </p:nvGrpSpPr>
           <p:grpSpPr>
             <a:xfrm>
-              <a:off x="26061146" y="3583629"/>
-              <a:ext cx="2441653" cy="308004"/>
+              <a:off x="26061146" y="3583620"/>
+              <a:ext cx="2441653" cy="1926110"/>
               <a:chOff x="11757511" y="11859420"/>
-              <a:chExt cx="2733276" cy="179260"/>
+              <a:chExt cx="2733276" cy="1121007"/>
             </a:xfrm>
           </p:grpSpPr>
           <p:cxnSp>
@@ -13784,6 +14012,94 @@
               </a:fontRef>
             </p:style>
           </p:cxnSp>
+          <p:cxnSp>
+            <p:nvCxnSpPr>
+              <p:cNvPr id="186" name="직선 화살표 연결선 185">
+                <a:extLst>
+                  <a:ext uri="{FF2B5EF4-FFF2-40B4-BE49-F238E27FC236}">
+                    <a16:creationId xmlns:a16="http://schemas.microsoft.com/office/drawing/2014/main" id="{83802BDB-0CA0-4AC7-AC20-39D4A5249E58}"/>
+                  </a:ext>
+                </a:extLst>
+              </p:cNvPr>
+              <p:cNvCxnSpPr>
+                <a:cxnSpLocks/>
+              </p:cNvCxnSpPr>
+              <p:nvPr/>
+            </p:nvCxnSpPr>
+            <p:spPr bwMode="auto">
+              <a:xfrm>
+                <a:off x="12338171" y="12753653"/>
+                <a:ext cx="1549197" cy="7313"/>
+              </a:xfrm>
+              <a:prstGeom prst="straightConnector1">
+                <a:avLst/>
+              </a:prstGeom>
+              <a:ln w="38100">
+                <a:solidFill>
+                  <a:srgbClr val="C00000"/>
+                </a:solidFill>
+                <a:tailEnd type="arrow"/>
+              </a:ln>
+            </p:spPr>
+            <p:style>
+              <a:lnRef idx="1">
+                <a:schemeClr val="accent1"/>
+              </a:lnRef>
+              <a:fillRef idx="0">
+                <a:schemeClr val="accent1"/>
+              </a:fillRef>
+              <a:effectRef idx="0">
+                <a:schemeClr val="accent1"/>
+              </a:effectRef>
+              <a:fontRef idx="minor">
+                <a:schemeClr val="tx1"/>
+              </a:fontRef>
+            </p:style>
+          </p:cxnSp>
+          <p:cxnSp>
+            <p:nvCxnSpPr>
+              <p:cNvPr id="187" name="직선 화살표 연결선 186">
+                <a:extLst>
+                  <a:ext uri="{FF2B5EF4-FFF2-40B4-BE49-F238E27FC236}">
+                    <a16:creationId xmlns:a16="http://schemas.microsoft.com/office/drawing/2014/main" id="{F15DD213-33CA-447A-83A4-EC2E24845F14}"/>
+                  </a:ext>
+                </a:extLst>
+              </p:cNvPr>
+              <p:cNvCxnSpPr>
+                <a:cxnSpLocks/>
+              </p:cNvCxnSpPr>
+              <p:nvPr/>
+            </p:nvCxnSpPr>
+            <p:spPr bwMode="auto">
+              <a:xfrm flipH="1" flipV="1">
+                <a:off x="12353295" y="12971245"/>
+                <a:ext cx="1498826" cy="9182"/>
+              </a:xfrm>
+              <a:prstGeom prst="straightConnector1">
+                <a:avLst/>
+              </a:prstGeom>
+              <a:ln w="38100">
+                <a:solidFill>
+                  <a:srgbClr val="0070C0"/>
+                </a:solidFill>
+                <a:tailEnd type="arrow"/>
+              </a:ln>
+            </p:spPr>
+            <p:style>
+              <a:lnRef idx="1">
+                <a:schemeClr val="accent1"/>
+              </a:lnRef>
+              <a:fillRef idx="0">
+                <a:schemeClr val="accent1"/>
+              </a:fillRef>
+              <a:effectRef idx="0">
+                <a:schemeClr val="accent1"/>
+              </a:effectRef>
+              <a:fontRef idx="minor">
+                <a:schemeClr val="tx1"/>
+              </a:fontRef>
+            </p:style>
+          </p:cxnSp>
         </p:grpSp>
         <p:grpSp>
           <p:nvGrpSpPr>
@@ -13799,10 +14115,10 @@
           </p:nvGrpSpPr>
           <p:grpSpPr>
             <a:xfrm>
-              <a:off x="21042700" y="3545530"/>
-              <a:ext cx="2014186" cy="231371"/>
+              <a:off x="21042699" y="3545536"/>
+              <a:ext cx="2048622" cy="2071356"/>
               <a:chOff x="11615866" y="11859420"/>
-              <a:chExt cx="2874921" cy="179260"/>
+              <a:chExt cx="2924073" cy="1604830"/>
             </a:xfrm>
           </p:grpSpPr>
           <p:cxnSp>
@@ -13866,6 +14182,94 @@
             <p:spPr bwMode="auto">
               <a:xfrm flipH="1">
                 <a:off x="12779879" y="12038680"/>
+                <a:ext cx="1688152" cy="0"/>
+              </a:xfrm>
+              <a:prstGeom prst="straightConnector1">
+                <a:avLst/>
+              </a:prstGeom>
+              <a:ln w="38100">
+                <a:solidFill>
+                  <a:srgbClr val="0070C0"/>
+                </a:solidFill>
+                <a:tailEnd type="arrow"/>
+              </a:ln>
+            </p:spPr>
+            <p:style>
+              <a:lnRef idx="1">
+                <a:schemeClr val="accent1"/>
+              </a:lnRef>
+              <a:fillRef idx="0">
+                <a:schemeClr val="accent1"/>
+              </a:fillRef>
+              <a:effectRef idx="0">
+                <a:schemeClr val="accent1"/>
+              </a:effectRef>
+              <a:fontRef idx="minor">
+                <a:schemeClr val="tx1"/>
+              </a:fontRef>
+            </p:style>
+          </p:cxnSp>
+          <p:cxnSp>
+            <p:nvCxnSpPr>
+              <p:cNvPr id="157" name="직선 화살표 연결선 156">
+                <a:extLst>
+                  <a:ext uri="{FF2B5EF4-FFF2-40B4-BE49-F238E27FC236}">
+                    <a16:creationId xmlns:a16="http://schemas.microsoft.com/office/drawing/2014/main" id="{8C86AF7C-9EE1-4FBD-9A03-5B0207F49A21}"/>
+                  </a:ext>
+                </a:extLst>
+              </p:cNvPr>
+              <p:cNvCxnSpPr>
+                <a:cxnSpLocks/>
+              </p:cNvCxnSpPr>
+              <p:nvPr/>
+            </p:nvCxnSpPr>
+            <p:spPr bwMode="auto">
+              <a:xfrm flipV="1">
+                <a:off x="11665018" y="13175584"/>
+                <a:ext cx="2874921" cy="29518"/>
+              </a:xfrm>
+              <a:prstGeom prst="straightConnector1">
+                <a:avLst/>
+              </a:prstGeom>
+              <a:ln w="38100">
+                <a:solidFill>
+                  <a:srgbClr val="C00000"/>
+                </a:solidFill>
+                <a:tailEnd type="arrow"/>
+              </a:ln>
+            </p:spPr>
+            <p:style>
+              <a:lnRef idx="1">
+                <a:schemeClr val="accent1"/>
+              </a:lnRef>
+              <a:fillRef idx="0">
+                <a:schemeClr val="accent1"/>
+              </a:fillRef>
+              <a:effectRef idx="0">
+                <a:schemeClr val="accent1"/>
+              </a:effectRef>
+              <a:fontRef idx="minor">
+                <a:schemeClr val="tx1"/>
+              </a:fontRef>
+            </p:style>
+          </p:cxnSp>
+          <p:cxnSp>
+            <p:nvCxnSpPr>
+              <p:cNvPr id="161" name="직선 화살표 연결선 160">
+                <a:extLst>
+                  <a:ext uri="{FF2B5EF4-FFF2-40B4-BE49-F238E27FC236}">
+                    <a16:creationId xmlns:a16="http://schemas.microsoft.com/office/drawing/2014/main" id="{C6089D35-CDE7-4C70-A42D-D1CF5FF5547B}"/>
+                  </a:ext>
+                </a:extLst>
+              </p:cNvPr>
+              <p:cNvCxnSpPr>
+                <a:cxnSpLocks/>
+              </p:cNvCxnSpPr>
+              <p:nvPr/>
+            </p:nvCxnSpPr>
+            <p:spPr bwMode="auto">
+              <a:xfrm flipH="1">
+                <a:off x="12182811" y="13464250"/>
                 <a:ext cx="1688152" cy="0"/>
               </a:xfrm>
               <a:prstGeom prst="straightConnector1">
@@ -13985,51 +14389,6 @@
                 <a:defRPr/>
               </a:pPr>
               <a:endParaRPr lang="ko-KR" altLang="en-US" sz="1400" b="1" dirty="0">
-                <a:latin typeface="+mn-ea"/>
-                <a:ea typeface="+mn-ea"/>
-              </a:endParaRPr>
-            </a:p>
-          </p:txBody>
-        </p:sp>
-        <p:sp>
-          <p:nvSpPr>
-            <p:cNvPr id="35" name="TextBox 34">
-              <a:extLst>
-                <a:ext uri="{FF2B5EF4-FFF2-40B4-BE49-F238E27FC236}">
-                  <a16:creationId xmlns:a16="http://schemas.microsoft.com/office/drawing/2014/main" id="{F50F9164-E8C3-4B9F-BAAF-172D3BCCBAEA}"/>
-                </a:ext>
-              </a:extLst>
-            </p:cNvPr>
-            <p:cNvSpPr txBox="1"/>
-            <p:nvPr/>
-          </p:nvSpPr>
-          <p:spPr bwMode="auto">
-            <a:xfrm>
-              <a:off x="8083711" y="8020785"/>
-              <a:ext cx="3248685" cy="307777"/>
-            </a:xfrm>
-            <a:prstGeom prst="rect">
-              <a:avLst/>
-            </a:prstGeom>
-            <a:noFill/>
-          </p:spPr>
-          <p:txBody>
-            <a:bodyPr wrap="square">
-              <a:spAutoFit/>
-            </a:bodyPr>
-            <a:lstStyle/>
-            <a:p>
-              <a:pPr eaLnBrk="1" latinLnBrk="1" hangingPunct="1">
-                <a:defRPr/>
-              </a:pPr>
-              <a:r>
-                <a:rPr lang="en-US" altLang="ko-KR" sz="1400" dirty="0" smtClean="0">
-                  <a:latin typeface="+mn-ea"/>
-                  <a:ea typeface="+mn-ea"/>
-                </a:rPr>
-                <a:t>Parameter = no</a:t>
-              </a:r>
-              <a:endParaRPr lang="ko-KR" altLang="en-US" sz="1400" dirty="0">
                 <a:latin typeface="+mn-ea"/>
                 <a:ea typeface="+mn-ea"/>
               </a:endParaRPr>
@@ -14404,10 +14763,10 @@
           </p:nvGrpSpPr>
           <p:grpSpPr>
             <a:xfrm>
-              <a:off x="17013036" y="3527086"/>
-              <a:ext cx="2379925" cy="316199"/>
-              <a:chOff x="9196860" y="11844177"/>
-              <a:chExt cx="5293927" cy="194503"/>
+              <a:off x="16785248" y="3527086"/>
+              <a:ext cx="2607714" cy="2167279"/>
+              <a:chOff x="8690164" y="11844177"/>
+              <a:chExt cx="5800623" cy="1333155"/>
             </a:xfrm>
           </p:grpSpPr>
           <p:cxnSp>
@@ -14498,7 +14857,147 @@
               </a:fontRef>
             </p:style>
           </p:cxnSp>
+          <p:cxnSp>
+            <p:nvCxnSpPr>
+              <p:cNvPr id="136" name="직선 화살표 연결선 135">
+                <a:extLst>
+                  <a:ext uri="{FF2B5EF4-FFF2-40B4-BE49-F238E27FC236}">
+                    <a16:creationId xmlns:a16="http://schemas.microsoft.com/office/drawing/2014/main" id="{5D921B59-DEC1-4D06-ADAE-D1A2535FE56A}"/>
+                  </a:ext>
+                </a:extLst>
+              </p:cNvPr>
+              <p:cNvCxnSpPr>
+                <a:cxnSpLocks/>
+              </p:cNvCxnSpPr>
+              <p:nvPr/>
+            </p:nvCxnSpPr>
+            <p:spPr bwMode="auto">
+              <a:xfrm flipH="1">
+                <a:off x="8828424" y="13173283"/>
+                <a:ext cx="4952778" cy="4049"/>
+              </a:xfrm>
+              <a:prstGeom prst="straightConnector1">
+                <a:avLst/>
+              </a:prstGeom>
+              <a:ln w="38100">
+                <a:solidFill>
+                  <a:srgbClr val="0070C0"/>
+                </a:solidFill>
+                <a:tailEnd type="arrow"/>
+              </a:ln>
+            </p:spPr>
+            <p:style>
+              <a:lnRef idx="1">
+                <a:schemeClr val="accent1"/>
+              </a:lnRef>
+              <a:fillRef idx="0">
+                <a:schemeClr val="accent1"/>
+              </a:fillRef>
+              <a:effectRef idx="0">
+                <a:schemeClr val="accent1"/>
+              </a:effectRef>
+              <a:fontRef idx="minor">
+                <a:schemeClr val="tx1"/>
+              </a:fontRef>
+            </p:style>
+          </p:cxnSp>
+          <p:cxnSp>
+            <p:nvCxnSpPr>
+              <p:cNvPr id="137" name="직선 화살표 연결선 136">
+                <a:extLst>
+                  <a:ext uri="{FF2B5EF4-FFF2-40B4-BE49-F238E27FC236}">
+                    <a16:creationId xmlns:a16="http://schemas.microsoft.com/office/drawing/2014/main" id="{B13F949F-4D68-4902-992A-A52B8BF37466}"/>
+                  </a:ext>
+                </a:extLst>
+              </p:cNvPr>
+              <p:cNvCxnSpPr>
+                <a:cxnSpLocks/>
+              </p:cNvCxnSpPr>
+              <p:nvPr/>
+            </p:nvCxnSpPr>
+            <p:spPr bwMode="auto">
+              <a:xfrm flipV="1">
+                <a:off x="8690164" y="12945555"/>
+                <a:ext cx="5021481" cy="15928"/>
+              </a:xfrm>
+              <a:prstGeom prst="straightConnector1">
+                <a:avLst/>
+              </a:prstGeom>
+              <a:ln w="38100">
+                <a:solidFill>
+                  <a:srgbClr val="C00000"/>
+                </a:solidFill>
+                <a:tailEnd type="arrow"/>
+              </a:ln>
+            </p:spPr>
+            <p:style>
+              <a:lnRef idx="1">
+                <a:schemeClr val="accent1"/>
+              </a:lnRef>
+              <a:fillRef idx="0">
+                <a:schemeClr val="accent1"/>
+              </a:fillRef>
+              <a:effectRef idx="0">
+                <a:schemeClr val="accent1"/>
+              </a:effectRef>
+              <a:fontRef idx="minor">
+                <a:schemeClr val="tx1"/>
+              </a:fontRef>
+            </p:style>
+          </p:cxnSp>
         </p:grpSp>
+        <p:sp>
+          <p:nvSpPr>
+            <p:cNvPr id="180" name="TextBox 179">
+              <a:extLst>
+                <a:ext uri="{FF2B5EF4-FFF2-40B4-BE49-F238E27FC236}">
+                  <a16:creationId xmlns:a16="http://schemas.microsoft.com/office/drawing/2014/main" id="{9539A478-7AEB-4278-9BC4-2B3A8763BCED}"/>
+                </a:ext>
+              </a:extLst>
+            </p:cNvPr>
+            <p:cNvSpPr txBox="1"/>
+            <p:nvPr/>
+          </p:nvSpPr>
+          <p:spPr bwMode="auto">
+            <a:xfrm>
+              <a:off x="28420843" y="5158799"/>
+              <a:ext cx="2419108" cy="369332"/>
+            </a:xfrm>
+            <a:prstGeom prst="rect">
+              <a:avLst/>
+            </a:prstGeom>
+            <a:noFill/>
+          </p:spPr>
+          <p:txBody>
+            <a:bodyPr wrap="square">
+              <a:spAutoFit/>
+            </a:bodyPr>
+            <a:lstStyle/>
+            <a:p>
+              <a:pPr eaLnBrk="1" latinLnBrk="1" hangingPunct="1">
+                <a:defRPr/>
+              </a:pPr>
+              <a:r>
+                <a:rPr lang="en-US" altLang="ko-KR" b="1" dirty="0" smtClean="0">
+                  <a:latin typeface="+mn-ea"/>
+                  <a:ea typeface="+mn-ea"/>
+                </a:rPr>
+                <a:t>id=</a:t>
+              </a:r>
+              <a:r>
+                <a:rPr lang="en-US" altLang="ko-KR" b="1" dirty="0" err="1" smtClean="0">
+                  <a:latin typeface="+mn-ea"/>
+                  <a:ea typeface="+mn-ea"/>
+                </a:rPr>
+                <a:t>updateHit</a:t>
+              </a:r>
+              <a:endParaRPr lang="ko-KR" altLang="en-US" sz="1400" b="1" dirty="0">
+                <a:latin typeface="+mn-ea"/>
+                <a:ea typeface="+mn-ea"/>
+              </a:endParaRPr>
+            </a:p>
+          </p:txBody>
+        </p:sp>
       </p:grpSp>
       <p:sp>
         <p:nvSpPr>
@@ -14546,2170 +15045,6 @@
       </p:sp>
       <p:grpSp>
         <p:nvGrpSpPr>
-          <p:cNvPr id="62" name="그룹 61">
-            <a:extLst>
-              <a:ext uri="{FF2B5EF4-FFF2-40B4-BE49-F238E27FC236}">
-                <a16:creationId xmlns:a16="http://schemas.microsoft.com/office/drawing/2014/main" id="{548EF70A-EC4C-4666-BA65-F4E82A9843D9}"/>
-              </a:ext>
-            </a:extLst>
-          </p:cNvPr>
-          <p:cNvGrpSpPr/>
-          <p:nvPr/>
-        </p:nvGrpSpPr>
-        <p:grpSpPr>
-          <a:xfrm>
-            <a:off x="1313970" y="9116091"/>
-            <a:ext cx="32415331" cy="3212164"/>
-            <a:chOff x="722835" y="2107852"/>
-            <a:chExt cx="32415331" cy="3212164"/>
-          </a:xfrm>
-        </p:grpSpPr>
-        <p:cxnSp>
-          <p:nvCxnSpPr>
-            <p:cNvPr id="63" name="직선 화살표 연결선 62">
-              <a:extLst>
-                <a:ext uri="{FF2B5EF4-FFF2-40B4-BE49-F238E27FC236}">
-                  <a16:creationId xmlns:a16="http://schemas.microsoft.com/office/drawing/2014/main" id="{2C13C8F8-5A0D-4E07-8ED9-4BA16EA55470}"/>
-                </a:ext>
-              </a:extLst>
-            </p:cNvPr>
-            <p:cNvCxnSpPr>
-              <a:cxnSpLocks/>
-              <a:stCxn id="65" idx="3"/>
-            </p:cNvCxnSpPr>
-            <p:nvPr/>
-          </p:nvCxnSpPr>
-          <p:spPr bwMode="auto">
-            <a:xfrm flipV="1">
-              <a:off x="6081040" y="2864244"/>
-              <a:ext cx="5049528" cy="14586"/>
-            </a:xfrm>
-            <a:prstGeom prst="straightConnector1">
-              <a:avLst/>
-            </a:prstGeom>
-            <a:ln w="38100">
-              <a:solidFill>
-                <a:srgbClr val="C00000"/>
-              </a:solidFill>
-              <a:tailEnd type="arrow"/>
-            </a:ln>
-          </p:spPr>
-          <p:style>
-            <a:lnRef idx="1">
-              <a:schemeClr val="accent1"/>
-            </a:lnRef>
-            <a:fillRef idx="0">
-              <a:schemeClr val="accent1"/>
-            </a:fillRef>
-            <a:effectRef idx="0">
-              <a:schemeClr val="accent1"/>
-            </a:effectRef>
-            <a:fontRef idx="minor">
-              <a:schemeClr val="tx1"/>
-            </a:fontRef>
-          </p:style>
-        </p:cxnSp>
-        <p:sp>
-          <p:nvSpPr>
-            <p:cNvPr id="64" name="TextBox 63">
-              <a:extLst>
-                <a:ext uri="{FF2B5EF4-FFF2-40B4-BE49-F238E27FC236}">
-                  <a16:creationId xmlns:a16="http://schemas.microsoft.com/office/drawing/2014/main" id="{3174D64B-44B6-4782-BE67-3D66E146419A}"/>
-                </a:ext>
-              </a:extLst>
-            </p:cNvPr>
-            <p:cNvSpPr txBox="1"/>
-            <p:nvPr/>
-          </p:nvSpPr>
-          <p:spPr bwMode="auto">
-            <a:xfrm>
-              <a:off x="11116250" y="2684931"/>
-              <a:ext cx="2941561" cy="646331"/>
-            </a:xfrm>
-            <a:prstGeom prst="rect">
-              <a:avLst/>
-            </a:prstGeom>
-            <a:noFill/>
-          </p:spPr>
-          <p:txBody>
-            <a:bodyPr wrap="square">
-              <a:spAutoFit/>
-            </a:bodyPr>
-            <a:lstStyle/>
-            <a:p>
-              <a:pPr eaLnBrk="1" latinLnBrk="1" hangingPunct="1">
-                <a:defRPr/>
-              </a:pPr>
-              <a:r>
-                <a:rPr lang="en-US" altLang="ko-KR" b="1" dirty="0" smtClean="0">
-                  <a:latin typeface="+mn-ea"/>
-                  <a:ea typeface="+mn-ea"/>
-                </a:rPr>
-                <a:t>/</a:t>
-              </a:r>
-              <a:r>
-                <a:rPr lang="en-US" altLang="ko-KR" b="1" dirty="0" smtClean="0">
-                  <a:latin typeface="+mn-ea"/>
-                </a:rPr>
-                <a:t>board</a:t>
-              </a:r>
-              <a:r>
-                <a:rPr lang="en-US" altLang="ko-KR" b="1" dirty="0" smtClean="0">
-                  <a:solidFill>
-                    <a:srgbClr val="FF0000"/>
-                  </a:solidFill>
-                  <a:latin typeface="+mn-ea"/>
-                </a:rPr>
-                <a:t>/delete</a:t>
-              </a:r>
-              <a:endParaRPr lang="en-US" altLang="ko-KR" b="1" dirty="0">
-                <a:solidFill>
-                  <a:srgbClr val="FF0000"/>
-                </a:solidFill>
-                <a:latin typeface="+mn-ea"/>
-                <a:ea typeface="+mn-ea"/>
-              </a:endParaRPr>
-            </a:p>
-            <a:p>
-              <a:pPr eaLnBrk="1" latinLnBrk="1" hangingPunct="1">
-                <a:defRPr/>
-              </a:pPr>
-              <a:r>
-                <a:rPr lang="en-US" altLang="ko-KR" b="1" dirty="0" smtClean="0">
-                  <a:latin typeface="+mn-ea"/>
-                </a:rPr>
-                <a:t>delete</a:t>
-              </a:r>
-              <a:r>
-                <a:rPr lang="en-US" altLang="ko-KR" b="1" dirty="0" smtClean="0">
-                  <a:latin typeface="+mn-ea"/>
-                  <a:ea typeface="+mn-ea"/>
-                </a:rPr>
-                <a:t>(</a:t>
-              </a:r>
-              <a:r>
-                <a:rPr lang="en-US" altLang="ko-KR" b="1" dirty="0" err="1" smtClean="0">
-                  <a:latin typeface="+mn-ea"/>
-                  <a:ea typeface="+mn-ea"/>
-                </a:rPr>
-                <a:t>int</a:t>
-              </a:r>
-              <a:r>
-                <a:rPr lang="en-US" altLang="ko-KR" b="1" dirty="0" smtClean="0">
-                  <a:latin typeface="+mn-ea"/>
-                  <a:ea typeface="+mn-ea"/>
-                </a:rPr>
-                <a:t> no)</a:t>
-              </a:r>
-              <a:endParaRPr lang="en-US" altLang="ko-KR" b="1" dirty="0">
-                <a:latin typeface="+mn-ea"/>
-                <a:ea typeface="+mn-ea"/>
-              </a:endParaRPr>
-            </a:p>
-          </p:txBody>
-        </p:sp>
-        <p:sp>
-          <p:nvSpPr>
-            <p:cNvPr id="65" name="직사각형 7">
-              <a:extLst>
-                <a:ext uri="{FF2B5EF4-FFF2-40B4-BE49-F238E27FC236}">
-                  <a16:creationId xmlns:a16="http://schemas.microsoft.com/office/drawing/2014/main" id="{AE8C3CD8-2747-43B5-86A0-B18F62125C37}"/>
-                </a:ext>
-              </a:extLst>
-            </p:cNvPr>
-            <p:cNvSpPr>
-              <a:spLocks noChangeArrowheads="1"/>
-            </p:cNvSpPr>
-            <p:nvPr/>
-          </p:nvSpPr>
-          <p:spPr bwMode="auto">
-            <a:xfrm>
-              <a:off x="840371" y="2684931"/>
-              <a:ext cx="5240669" cy="387798"/>
-            </a:xfrm>
-            <a:prstGeom prst="rect">
-              <a:avLst/>
-            </a:prstGeom>
-            <a:solidFill>
-              <a:schemeClr val="bg1">
-                <a:lumMod val="85000"/>
-              </a:schemeClr>
-            </a:solidFill>
-            <a:ln>
-              <a:noFill/>
-            </a:ln>
-          </p:spPr>
-          <p:txBody>
-            <a:bodyPr wrap="square">
-              <a:spAutoFit/>
-            </a:bodyPr>
-            <a:lstStyle>
-              <a:lvl1pPr latinLnBrk="1">
-                <a:defRPr kumimoji="1">
-                  <a:solidFill>
-                    <a:schemeClr val="tx1"/>
-                  </a:solidFill>
-                  <a:latin typeface="맑은 고딕" panose="020B0503020000020004" pitchFamily="50" charset="-127"/>
-                  <a:ea typeface="굴림" panose="020B0600000101010101" pitchFamily="50" charset="-127"/>
-                </a:defRPr>
-              </a:lvl1pPr>
-              <a:lvl2pPr marL="742950" indent="-285750" latinLnBrk="1">
-                <a:defRPr kumimoji="1">
-                  <a:solidFill>
-                    <a:schemeClr val="tx1"/>
-                  </a:solidFill>
-                  <a:latin typeface="맑은 고딕" panose="020B0503020000020004" pitchFamily="50" charset="-127"/>
-                  <a:ea typeface="굴림" panose="020B0600000101010101" pitchFamily="50" charset="-127"/>
-                </a:defRPr>
-              </a:lvl2pPr>
-              <a:lvl3pPr marL="1143000" indent="-228600" latinLnBrk="1">
-                <a:defRPr kumimoji="1">
-                  <a:solidFill>
-                    <a:schemeClr val="tx1"/>
-                  </a:solidFill>
-                  <a:latin typeface="맑은 고딕" panose="020B0503020000020004" pitchFamily="50" charset="-127"/>
-                  <a:ea typeface="굴림" panose="020B0600000101010101" pitchFamily="50" charset="-127"/>
-                </a:defRPr>
-              </a:lvl3pPr>
-              <a:lvl4pPr marL="1600200" indent="-228600" latinLnBrk="1">
-                <a:defRPr kumimoji="1">
-                  <a:solidFill>
-                    <a:schemeClr val="tx1"/>
-                  </a:solidFill>
-                  <a:latin typeface="맑은 고딕" panose="020B0503020000020004" pitchFamily="50" charset="-127"/>
-                  <a:ea typeface="굴림" panose="020B0600000101010101" pitchFamily="50" charset="-127"/>
-                </a:defRPr>
-              </a:lvl4pPr>
-              <a:lvl5pPr marL="2057400" indent="-228600" latinLnBrk="1">
-                <a:defRPr kumimoji="1">
-                  <a:solidFill>
-                    <a:schemeClr val="tx1"/>
-                  </a:solidFill>
-                  <a:latin typeface="맑은 고딕" panose="020B0503020000020004" pitchFamily="50" charset="-127"/>
-                  <a:ea typeface="굴림" panose="020B0600000101010101" pitchFamily="50" charset="-127"/>
-                </a:defRPr>
-              </a:lvl5pPr>
-              <a:lvl6pPr marL="2514600" indent="-228600" eaLnBrk="0" fontAlgn="base" hangingPunct="0">
-                <a:spcBef>
-                  <a:spcPct val="0"/>
-                </a:spcBef>
-                <a:spcAft>
-                  <a:spcPct val="0"/>
-                </a:spcAft>
-                <a:defRPr kumimoji="1">
-                  <a:solidFill>
-                    <a:schemeClr val="tx1"/>
-                  </a:solidFill>
-                  <a:latin typeface="맑은 고딕" panose="020B0503020000020004" pitchFamily="50" charset="-127"/>
-                  <a:ea typeface="굴림" panose="020B0600000101010101" pitchFamily="50" charset="-127"/>
-                </a:defRPr>
-              </a:lvl6pPr>
-              <a:lvl7pPr marL="2971800" indent="-228600" eaLnBrk="0" fontAlgn="base" hangingPunct="0">
-                <a:spcBef>
-                  <a:spcPct val="0"/>
-                </a:spcBef>
-                <a:spcAft>
-                  <a:spcPct val="0"/>
-                </a:spcAft>
-                <a:defRPr kumimoji="1">
-                  <a:solidFill>
-                    <a:schemeClr val="tx1"/>
-                  </a:solidFill>
-                  <a:latin typeface="맑은 고딕" panose="020B0503020000020004" pitchFamily="50" charset="-127"/>
-                  <a:ea typeface="굴림" panose="020B0600000101010101" pitchFamily="50" charset="-127"/>
-                </a:defRPr>
-              </a:lvl7pPr>
-              <a:lvl8pPr marL="3429000" indent="-228600" eaLnBrk="0" fontAlgn="base" hangingPunct="0">
-                <a:spcBef>
-                  <a:spcPct val="0"/>
-                </a:spcBef>
-                <a:spcAft>
-                  <a:spcPct val="0"/>
-                </a:spcAft>
-                <a:defRPr kumimoji="1">
-                  <a:solidFill>
-                    <a:schemeClr val="tx1"/>
-                  </a:solidFill>
-                  <a:latin typeface="맑은 고딕" panose="020B0503020000020004" pitchFamily="50" charset="-127"/>
-                  <a:ea typeface="굴림" panose="020B0600000101010101" pitchFamily="50" charset="-127"/>
-                </a:defRPr>
-              </a:lvl8pPr>
-              <a:lvl9pPr marL="3886200" indent="-228600" eaLnBrk="0" fontAlgn="base" hangingPunct="0">
-                <a:spcBef>
-                  <a:spcPct val="0"/>
-                </a:spcBef>
-                <a:spcAft>
-                  <a:spcPct val="0"/>
-                </a:spcAft>
-                <a:defRPr kumimoji="1">
-                  <a:solidFill>
-                    <a:schemeClr val="tx1"/>
-                  </a:solidFill>
-                  <a:latin typeface="맑은 고딕" panose="020B0503020000020004" pitchFamily="50" charset="-127"/>
-                  <a:ea typeface="굴림" panose="020B0600000101010101" pitchFamily="50" charset="-127"/>
-                </a:defRPr>
-              </a:lvl9pPr>
-            </a:lstStyle>
-            <a:p>
-              <a:pPr>
-                <a:lnSpc>
-                  <a:spcPct val="120000"/>
-                </a:lnSpc>
-                <a:defRPr/>
-              </a:pPr>
-              <a:r>
-                <a:rPr lang="en-US" altLang="ko-KR" sz="1600" dirty="0">
-                  <a:latin typeface="+mn-ea"/>
-                  <a:ea typeface="+mn-ea"/>
-                  <a:hlinkClick r:id="rId2"/>
-                </a:rPr>
-                <a:t>http://</a:t>
-              </a:r>
-              <a:r>
-                <a:rPr lang="en-US" altLang="ko-KR" sz="1600" dirty="0" smtClean="0">
-                  <a:latin typeface="+mn-ea"/>
-                  <a:ea typeface="+mn-ea"/>
-                  <a:hlinkClick r:id="rId2"/>
-                </a:rPr>
-                <a:t>localhost:8088/mysite5/</a:t>
-              </a:r>
-              <a:r>
-                <a:rPr lang="en-US" altLang="ko-KR" sz="1600" dirty="0" smtClean="0">
-                  <a:latin typeface="+mn-ea"/>
-                  <a:ea typeface="+mn-ea"/>
-                  <a:hlinkClick r:id="rId2"/>
-                </a:rPr>
-                <a:t>board</a:t>
-              </a:r>
-              <a:r>
-                <a:rPr lang="en-US" altLang="ko-KR" sz="1600" dirty="0" smtClean="0">
-                  <a:latin typeface="+mn-ea"/>
-                  <a:ea typeface="+mn-ea"/>
-                  <a:hlinkClick r:id="rId2"/>
-                </a:rPr>
-                <a:t>/</a:t>
-              </a:r>
-              <a:r>
-                <a:rPr lang="en-US" altLang="ko-KR" sz="1600" dirty="0" smtClean="0">
-                  <a:latin typeface="+mn-ea"/>
-                  <a:ea typeface="+mn-ea"/>
-                </a:rPr>
-                <a:t>delete</a:t>
-              </a:r>
-              <a:endParaRPr lang="en-US" altLang="ko-KR" sz="1600" dirty="0">
-                <a:latin typeface="+mn-ea"/>
-                <a:ea typeface="+mn-ea"/>
-              </a:endParaRPr>
-            </a:p>
-          </p:txBody>
-        </p:sp>
-        <p:grpSp>
-          <p:nvGrpSpPr>
-            <p:cNvPr id="66" name="그룹 65">
-              <a:extLst>
-                <a:ext uri="{FF2B5EF4-FFF2-40B4-BE49-F238E27FC236}">
-                  <a16:creationId xmlns:a16="http://schemas.microsoft.com/office/drawing/2014/main" id="{2BD1564B-9C51-4FA2-B2E2-25C4C13B7EAE}"/>
-                </a:ext>
-              </a:extLst>
-            </p:cNvPr>
-            <p:cNvGrpSpPr/>
-            <p:nvPr/>
-          </p:nvGrpSpPr>
-          <p:grpSpPr>
-            <a:xfrm>
-              <a:off x="13690299" y="2889025"/>
-              <a:ext cx="1771669" cy="291419"/>
-              <a:chOff x="11757511" y="11859420"/>
-              <a:chExt cx="2733276" cy="179260"/>
-            </a:xfrm>
-          </p:grpSpPr>
-          <p:cxnSp>
-            <p:nvCxnSpPr>
-              <p:cNvPr id="101" name="직선 화살표 연결선 100">
-                <a:extLst>
-                  <a:ext uri="{FF2B5EF4-FFF2-40B4-BE49-F238E27FC236}">
-                    <a16:creationId xmlns:a16="http://schemas.microsoft.com/office/drawing/2014/main" id="{05CD397D-6F1E-4F9B-9570-31F04FB4FFD1}"/>
-                  </a:ext>
-                </a:extLst>
-              </p:cNvPr>
-              <p:cNvCxnSpPr>
-                <a:cxnSpLocks/>
-              </p:cNvCxnSpPr>
-              <p:nvPr/>
-            </p:nvCxnSpPr>
-            <p:spPr bwMode="auto">
-              <a:xfrm flipV="1">
-                <a:off x="11772103" y="11859420"/>
-                <a:ext cx="2718684" cy="8262"/>
-              </a:xfrm>
-              <a:prstGeom prst="straightConnector1">
-                <a:avLst/>
-              </a:prstGeom>
-              <a:ln w="38100">
-                <a:solidFill>
-                  <a:srgbClr val="C00000"/>
-                </a:solidFill>
-                <a:tailEnd type="arrow"/>
-              </a:ln>
-            </p:spPr>
-            <p:style>
-              <a:lnRef idx="1">
-                <a:schemeClr val="accent1"/>
-              </a:lnRef>
-              <a:fillRef idx="0">
-                <a:schemeClr val="accent1"/>
-              </a:fillRef>
-              <a:effectRef idx="0">
-                <a:schemeClr val="accent1"/>
-              </a:effectRef>
-              <a:fontRef idx="minor">
-                <a:schemeClr val="tx1"/>
-              </a:fontRef>
-            </p:style>
-          </p:cxnSp>
-          <p:cxnSp>
-            <p:nvCxnSpPr>
-              <p:cNvPr id="102" name="직선 화살표 연결선 101">
-                <a:extLst>
-                  <a:ext uri="{FF2B5EF4-FFF2-40B4-BE49-F238E27FC236}">
-                    <a16:creationId xmlns:a16="http://schemas.microsoft.com/office/drawing/2014/main" id="{E50CB821-5986-4B39-82B8-1892A949A8B5}"/>
-                  </a:ext>
-                </a:extLst>
-              </p:cNvPr>
-              <p:cNvCxnSpPr>
-                <a:cxnSpLocks/>
-              </p:cNvCxnSpPr>
-              <p:nvPr/>
-            </p:nvCxnSpPr>
-            <p:spPr bwMode="auto">
-              <a:xfrm flipH="1">
-                <a:off x="11757511" y="12038680"/>
-                <a:ext cx="2710518" cy="0"/>
-              </a:xfrm>
-              <a:prstGeom prst="straightConnector1">
-                <a:avLst/>
-              </a:prstGeom>
-              <a:ln w="38100">
-                <a:solidFill>
-                  <a:srgbClr val="0070C0"/>
-                </a:solidFill>
-                <a:tailEnd type="arrow"/>
-              </a:ln>
-            </p:spPr>
-            <p:style>
-              <a:lnRef idx="1">
-                <a:schemeClr val="accent1"/>
-              </a:lnRef>
-              <a:fillRef idx="0">
-                <a:schemeClr val="accent1"/>
-              </a:fillRef>
-              <a:effectRef idx="0">
-                <a:schemeClr val="accent1"/>
-              </a:effectRef>
-              <a:fontRef idx="minor">
-                <a:schemeClr val="tx1"/>
-              </a:fontRef>
-            </p:style>
-          </p:cxnSp>
-        </p:grpSp>
-        <p:sp>
-          <p:nvSpPr>
-            <p:cNvPr id="67" name="TextBox 66">
-              <a:extLst>
-                <a:ext uri="{FF2B5EF4-FFF2-40B4-BE49-F238E27FC236}">
-                  <a16:creationId xmlns:a16="http://schemas.microsoft.com/office/drawing/2014/main" id="{FA7AD03B-BA91-47E8-BBC4-94E573BD027E}"/>
-                </a:ext>
-              </a:extLst>
-            </p:cNvPr>
-            <p:cNvSpPr txBox="1"/>
-            <p:nvPr/>
-          </p:nvSpPr>
-          <p:spPr bwMode="auto">
-            <a:xfrm>
-              <a:off x="19685579" y="2786753"/>
-              <a:ext cx="2648539" cy="369332"/>
-            </a:xfrm>
-            <a:prstGeom prst="rect">
-              <a:avLst/>
-            </a:prstGeom>
-            <a:noFill/>
-          </p:spPr>
-          <p:txBody>
-            <a:bodyPr wrap="square">
-              <a:spAutoFit/>
-            </a:bodyPr>
-            <a:lstStyle/>
-            <a:p>
-              <a:pPr latinLnBrk="1">
-                <a:defRPr/>
-              </a:pPr>
-              <a:r>
-                <a:rPr lang="en-US" altLang="ko-KR" b="1" dirty="0" smtClean="0">
-                  <a:latin typeface="+mn-ea"/>
-                </a:rPr>
-                <a:t>delete</a:t>
-              </a:r>
-              <a:r>
-                <a:rPr lang="en-US" altLang="ko-KR" b="1" dirty="0">
-                  <a:latin typeface="+mn-ea"/>
-                </a:rPr>
-                <a:t>(</a:t>
-              </a:r>
-              <a:r>
-                <a:rPr lang="en-US" altLang="ko-KR" b="1" dirty="0" err="1">
-                  <a:latin typeface="+mn-ea"/>
-                </a:rPr>
-                <a:t>int</a:t>
-              </a:r>
-              <a:r>
-                <a:rPr lang="en-US" altLang="ko-KR" b="1" dirty="0">
-                  <a:latin typeface="+mn-ea"/>
-                </a:rPr>
-                <a:t> no)</a:t>
-              </a:r>
-              <a:endParaRPr lang="ko-KR" altLang="en-US" sz="1400" b="1" dirty="0">
-                <a:latin typeface="+mn-ea"/>
-                <a:ea typeface="+mn-ea"/>
-              </a:endParaRPr>
-            </a:p>
-          </p:txBody>
-        </p:sp>
-        <p:sp>
-          <p:nvSpPr>
-            <p:cNvPr id="68" name="TextBox 67">
-              <a:extLst>
-                <a:ext uri="{FF2B5EF4-FFF2-40B4-BE49-F238E27FC236}">
-                  <a16:creationId xmlns:a16="http://schemas.microsoft.com/office/drawing/2014/main" id="{B8BAAA3C-CA45-4597-8C53-24EF74DDEAD9}"/>
-                </a:ext>
-              </a:extLst>
-            </p:cNvPr>
-            <p:cNvSpPr txBox="1"/>
-            <p:nvPr/>
-          </p:nvSpPr>
-          <p:spPr bwMode="auto">
-            <a:xfrm>
-              <a:off x="24034007" y="2800693"/>
-              <a:ext cx="4294989" cy="369332"/>
-            </a:xfrm>
-            <a:prstGeom prst="rect">
-              <a:avLst/>
-            </a:prstGeom>
-            <a:noFill/>
-          </p:spPr>
-          <p:txBody>
-            <a:bodyPr wrap="square">
-              <a:spAutoFit/>
-            </a:bodyPr>
-            <a:lstStyle/>
-            <a:p>
-              <a:pPr latinLnBrk="1">
-                <a:defRPr/>
-              </a:pPr>
-              <a:r>
-                <a:rPr lang="en-US" altLang="ko-KR" b="1" dirty="0" smtClean="0">
-                  <a:latin typeface="+mn-ea"/>
-                </a:rPr>
-                <a:t>delete</a:t>
-              </a:r>
-              <a:r>
-                <a:rPr lang="en-US" altLang="ko-KR" b="1" dirty="0" smtClean="0">
-                  <a:latin typeface="+mn-ea"/>
-                  <a:ea typeface="+mn-ea"/>
-                </a:rPr>
-                <a:t>(“</a:t>
-              </a:r>
-              <a:r>
-                <a:rPr lang="en-US" altLang="ko-KR" b="1" dirty="0" err="1" smtClean="0">
-                  <a:latin typeface="+mn-ea"/>
-                </a:rPr>
-                <a:t>board</a:t>
-              </a:r>
-              <a:r>
-                <a:rPr lang="en-US" altLang="ko-KR" b="1" dirty="0" err="1" smtClean="0">
-                  <a:latin typeface="+mn-ea"/>
-                  <a:ea typeface="+mn-ea"/>
-                </a:rPr>
-                <a:t>.delete</a:t>
-              </a:r>
-              <a:r>
-                <a:rPr lang="en-US" altLang="ko-KR" b="1" dirty="0">
-                  <a:latin typeface="+mn-ea"/>
-                </a:rPr>
-                <a:t>”, </a:t>
-              </a:r>
-              <a:r>
-                <a:rPr lang="en-US" altLang="ko-KR" b="1" dirty="0" smtClean="0">
-                  <a:latin typeface="+mn-ea"/>
-                </a:rPr>
-                <a:t>no</a:t>
-              </a:r>
-              <a:r>
-                <a:rPr lang="en-US" altLang="ko-KR" b="1" dirty="0">
-                  <a:latin typeface="+mn-ea"/>
-                </a:rPr>
-                <a:t>)</a:t>
-              </a:r>
-              <a:endParaRPr lang="ko-KR" altLang="en-US" sz="1400" b="1" dirty="0">
-                <a:latin typeface="+mn-ea"/>
-                <a:ea typeface="+mn-ea"/>
-              </a:endParaRPr>
-            </a:p>
-          </p:txBody>
-        </p:sp>
-        <p:sp>
-          <p:nvSpPr>
-            <p:cNvPr id="69" name="TextBox 68">
-              <a:extLst>
-                <a:ext uri="{FF2B5EF4-FFF2-40B4-BE49-F238E27FC236}">
-                  <a16:creationId xmlns:a16="http://schemas.microsoft.com/office/drawing/2014/main" id="{A11AC612-9670-4AE3-9D48-8699C79E2473}"/>
-                </a:ext>
-              </a:extLst>
-            </p:cNvPr>
-            <p:cNvSpPr txBox="1"/>
-            <p:nvPr/>
-          </p:nvSpPr>
-          <p:spPr bwMode="auto">
-            <a:xfrm>
-              <a:off x="30126648" y="2859409"/>
-              <a:ext cx="2944184" cy="369332"/>
-            </a:xfrm>
-            <a:prstGeom prst="rect">
-              <a:avLst/>
-            </a:prstGeom>
-            <a:noFill/>
-          </p:spPr>
-          <p:txBody>
-            <a:bodyPr wrap="square">
-              <a:spAutoFit/>
-            </a:bodyPr>
-            <a:lstStyle/>
-            <a:p>
-              <a:pPr eaLnBrk="1" latinLnBrk="1" hangingPunct="1">
-                <a:defRPr/>
-              </a:pPr>
-              <a:r>
-                <a:rPr lang="en-US" altLang="ko-KR" b="1" dirty="0" smtClean="0">
-                  <a:latin typeface="+mn-ea"/>
-                  <a:ea typeface="+mn-ea"/>
-                </a:rPr>
-                <a:t>id=“delete”</a:t>
-              </a:r>
-              <a:endParaRPr lang="ko-KR" altLang="en-US" sz="1400" b="1" dirty="0">
-                <a:latin typeface="+mn-ea"/>
-                <a:ea typeface="+mn-ea"/>
-              </a:endParaRPr>
-            </a:p>
-          </p:txBody>
-        </p:sp>
-        <p:grpSp>
-          <p:nvGrpSpPr>
-            <p:cNvPr id="70" name="그룹 69">
-              <a:extLst>
-                <a:ext uri="{FF2B5EF4-FFF2-40B4-BE49-F238E27FC236}">
-                  <a16:creationId xmlns:a16="http://schemas.microsoft.com/office/drawing/2014/main" id="{22344D4C-13E2-485A-9CAA-78129AB2B65C}"/>
-                </a:ext>
-              </a:extLst>
-            </p:cNvPr>
-            <p:cNvGrpSpPr/>
-            <p:nvPr/>
-          </p:nvGrpSpPr>
-          <p:grpSpPr>
-            <a:xfrm>
-              <a:off x="28166220" y="2934935"/>
-              <a:ext cx="1866991" cy="293806"/>
-              <a:chOff x="13110406" y="11867683"/>
-              <a:chExt cx="2089978" cy="170997"/>
-            </a:xfrm>
-          </p:grpSpPr>
-          <p:cxnSp>
-            <p:nvCxnSpPr>
-              <p:cNvPr id="99" name="직선 화살표 연결선 98">
-                <a:extLst>
-                  <a:ext uri="{FF2B5EF4-FFF2-40B4-BE49-F238E27FC236}">
-                    <a16:creationId xmlns:a16="http://schemas.microsoft.com/office/drawing/2014/main" id="{919D044D-F31E-4586-82DA-8EE3E8E23BE8}"/>
-                  </a:ext>
-                </a:extLst>
-              </p:cNvPr>
-              <p:cNvCxnSpPr>
-                <a:cxnSpLocks/>
-              </p:cNvCxnSpPr>
-              <p:nvPr/>
-            </p:nvCxnSpPr>
-            <p:spPr bwMode="auto">
-              <a:xfrm>
-                <a:off x="13111808" y="11867683"/>
-                <a:ext cx="2088576" cy="0"/>
-              </a:xfrm>
-              <a:prstGeom prst="straightConnector1">
-                <a:avLst/>
-              </a:prstGeom>
-              <a:ln w="38100">
-                <a:solidFill>
-                  <a:srgbClr val="C00000"/>
-                </a:solidFill>
-                <a:tailEnd type="arrow"/>
-              </a:ln>
-            </p:spPr>
-            <p:style>
-              <a:lnRef idx="1">
-                <a:schemeClr val="accent1"/>
-              </a:lnRef>
-              <a:fillRef idx="0">
-                <a:schemeClr val="accent1"/>
-              </a:fillRef>
-              <a:effectRef idx="0">
-                <a:schemeClr val="accent1"/>
-              </a:effectRef>
-              <a:fontRef idx="minor">
-                <a:schemeClr val="tx1"/>
-              </a:fontRef>
-            </p:style>
-          </p:cxnSp>
-          <p:cxnSp>
-            <p:nvCxnSpPr>
-              <p:cNvPr id="100" name="직선 화살표 연결선 99">
-                <a:extLst>
-                  <a:ext uri="{FF2B5EF4-FFF2-40B4-BE49-F238E27FC236}">
-                    <a16:creationId xmlns:a16="http://schemas.microsoft.com/office/drawing/2014/main" id="{549308C3-6419-4B75-B8B3-598F812A52DB}"/>
-                  </a:ext>
-                </a:extLst>
-              </p:cNvPr>
-              <p:cNvCxnSpPr>
-                <a:cxnSpLocks/>
-              </p:cNvCxnSpPr>
-              <p:nvPr/>
-            </p:nvCxnSpPr>
-            <p:spPr bwMode="auto">
-              <a:xfrm flipH="1">
-                <a:off x="13110406" y="12038680"/>
-                <a:ext cx="2089978" cy="0"/>
-              </a:xfrm>
-              <a:prstGeom prst="straightConnector1">
-                <a:avLst/>
-              </a:prstGeom>
-              <a:ln w="38100">
-                <a:solidFill>
-                  <a:srgbClr val="0070C0"/>
-                </a:solidFill>
-                <a:tailEnd type="arrow"/>
-              </a:ln>
-            </p:spPr>
-            <p:style>
-              <a:lnRef idx="1">
-                <a:schemeClr val="accent1"/>
-              </a:lnRef>
-              <a:fillRef idx="0">
-                <a:schemeClr val="accent1"/>
-              </a:fillRef>
-              <a:effectRef idx="0">
-                <a:schemeClr val="accent1"/>
-              </a:effectRef>
-              <a:fontRef idx="minor">
-                <a:schemeClr val="tx1"/>
-              </a:fontRef>
-            </p:style>
-          </p:cxnSp>
-        </p:grpSp>
-        <p:grpSp>
-          <p:nvGrpSpPr>
-            <p:cNvPr id="71" name="그룹 70">
-              <a:extLst>
-                <a:ext uri="{FF2B5EF4-FFF2-40B4-BE49-F238E27FC236}">
-                  <a16:creationId xmlns:a16="http://schemas.microsoft.com/office/drawing/2014/main" id="{B56938A6-1CD7-4E52-9162-36D20EC81219}"/>
-                </a:ext>
-              </a:extLst>
-            </p:cNvPr>
-            <p:cNvGrpSpPr/>
-            <p:nvPr/>
-          </p:nvGrpSpPr>
-          <p:grpSpPr>
-            <a:xfrm>
-              <a:off x="22038460" y="2882676"/>
-              <a:ext cx="1914949" cy="231371"/>
-              <a:chOff x="11757511" y="11859420"/>
-              <a:chExt cx="2733276" cy="179260"/>
-            </a:xfrm>
-          </p:grpSpPr>
-          <p:cxnSp>
-            <p:nvCxnSpPr>
-              <p:cNvPr id="92" name="직선 화살표 연결선 91">
-                <a:extLst>
-                  <a:ext uri="{FF2B5EF4-FFF2-40B4-BE49-F238E27FC236}">
-                    <a16:creationId xmlns:a16="http://schemas.microsoft.com/office/drawing/2014/main" id="{412BB3CB-640E-435E-A337-AFE70822BAEA}"/>
-                  </a:ext>
-                </a:extLst>
-              </p:cNvPr>
-              <p:cNvCxnSpPr>
-                <a:cxnSpLocks/>
-              </p:cNvCxnSpPr>
-              <p:nvPr/>
-            </p:nvCxnSpPr>
-            <p:spPr bwMode="auto">
-              <a:xfrm flipV="1">
-                <a:off x="11772103" y="11859420"/>
-                <a:ext cx="2718684" cy="8262"/>
-              </a:xfrm>
-              <a:prstGeom prst="straightConnector1">
-                <a:avLst/>
-              </a:prstGeom>
-              <a:ln w="38100">
-                <a:solidFill>
-                  <a:srgbClr val="C00000"/>
-                </a:solidFill>
-                <a:tailEnd type="arrow"/>
-              </a:ln>
-            </p:spPr>
-            <p:style>
-              <a:lnRef idx="1">
-                <a:schemeClr val="accent1"/>
-              </a:lnRef>
-              <a:fillRef idx="0">
-                <a:schemeClr val="accent1"/>
-              </a:fillRef>
-              <a:effectRef idx="0">
-                <a:schemeClr val="accent1"/>
-              </a:effectRef>
-              <a:fontRef idx="minor">
-                <a:schemeClr val="tx1"/>
-              </a:fontRef>
-            </p:style>
-          </p:cxnSp>
-          <p:cxnSp>
-            <p:nvCxnSpPr>
-              <p:cNvPr id="93" name="직선 화살표 연결선 92">
-                <a:extLst>
-                  <a:ext uri="{FF2B5EF4-FFF2-40B4-BE49-F238E27FC236}">
-                    <a16:creationId xmlns:a16="http://schemas.microsoft.com/office/drawing/2014/main" id="{B4038263-010B-4D8A-90DA-91B9AD6FBE8D}"/>
-                  </a:ext>
-                </a:extLst>
-              </p:cNvPr>
-              <p:cNvCxnSpPr>
-                <a:cxnSpLocks/>
-              </p:cNvCxnSpPr>
-              <p:nvPr/>
-            </p:nvCxnSpPr>
-            <p:spPr bwMode="auto">
-              <a:xfrm flipH="1">
-                <a:off x="11757511" y="12038680"/>
-                <a:ext cx="2710518" cy="0"/>
-              </a:xfrm>
-              <a:prstGeom prst="straightConnector1">
-                <a:avLst/>
-              </a:prstGeom>
-              <a:ln w="38100">
-                <a:solidFill>
-                  <a:srgbClr val="0070C0"/>
-                </a:solidFill>
-                <a:tailEnd type="arrow"/>
-              </a:ln>
-            </p:spPr>
-            <p:style>
-              <a:lnRef idx="1">
-                <a:schemeClr val="accent1"/>
-              </a:lnRef>
-              <a:fillRef idx="0">
-                <a:schemeClr val="accent1"/>
-              </a:fillRef>
-              <a:effectRef idx="0">
-                <a:schemeClr val="accent1"/>
-              </a:effectRef>
-              <a:fontRef idx="minor">
-                <a:schemeClr val="tx1"/>
-              </a:fontRef>
-            </p:style>
-          </p:cxnSp>
-        </p:grpSp>
-        <p:sp>
-          <p:nvSpPr>
-            <p:cNvPr id="72" name="직사각형 71">
-              <a:extLst>
-                <a:ext uri="{FF2B5EF4-FFF2-40B4-BE49-F238E27FC236}">
-                  <a16:creationId xmlns:a16="http://schemas.microsoft.com/office/drawing/2014/main" id="{D98412FB-A683-491C-9833-365D99AF06F6}"/>
-                </a:ext>
-              </a:extLst>
-            </p:cNvPr>
-            <p:cNvSpPr/>
-            <p:nvPr/>
-          </p:nvSpPr>
-          <p:spPr>
-            <a:xfrm>
-              <a:off x="828867" y="3069529"/>
-              <a:ext cx="1487832" cy="412510"/>
-            </a:xfrm>
-            <a:prstGeom prst="rect">
-              <a:avLst/>
-            </a:prstGeom>
-            <a:solidFill>
-              <a:schemeClr val="bg1"/>
-            </a:solidFill>
-            <a:ln w="12700">
-              <a:prstDash val="lgDash"/>
-            </a:ln>
-          </p:spPr>
-          <p:style>
-            <a:lnRef idx="2">
-              <a:schemeClr val="accent1">
-                <a:shade val="50000"/>
-              </a:schemeClr>
-            </a:lnRef>
-            <a:fillRef idx="1">
-              <a:schemeClr val="accent1"/>
-            </a:fillRef>
-            <a:effectRef idx="0">
-              <a:schemeClr val="accent1"/>
-            </a:effectRef>
-            <a:fontRef idx="minor">
-              <a:schemeClr val="lt1"/>
-            </a:fontRef>
-          </p:style>
-          <p:txBody>
-            <a:bodyPr rtlCol="0" anchor="ctr"/>
-            <a:lstStyle/>
-            <a:p>
-              <a:pPr algn="ctr"/>
-              <a:r>
-                <a:rPr lang="ko-KR" altLang="en-US" dirty="0">
-                  <a:solidFill>
-                    <a:schemeClr val="tx1"/>
-                  </a:solidFill>
-                </a:rPr>
-                <a:t>요청화면</a:t>
-              </a:r>
-            </a:p>
-          </p:txBody>
-        </p:sp>
-        <p:sp>
-          <p:nvSpPr>
-            <p:cNvPr id="74" name="TextBox 73">
-              <a:extLst>
-                <a:ext uri="{FF2B5EF4-FFF2-40B4-BE49-F238E27FC236}">
-                  <a16:creationId xmlns:a16="http://schemas.microsoft.com/office/drawing/2014/main" id="{792ACAF0-3636-405A-8793-68B72E51E5CA}"/>
-                </a:ext>
-              </a:extLst>
-            </p:cNvPr>
-            <p:cNvSpPr txBox="1"/>
-            <p:nvPr/>
-          </p:nvSpPr>
-          <p:spPr bwMode="auto">
-            <a:xfrm>
-              <a:off x="29376883" y="2476010"/>
-              <a:ext cx="3761283" cy="338554"/>
-            </a:xfrm>
-            <a:prstGeom prst="rect">
-              <a:avLst/>
-            </a:prstGeom>
-            <a:noFill/>
-          </p:spPr>
-          <p:txBody>
-            <a:bodyPr wrap="square">
-              <a:spAutoFit/>
-            </a:bodyPr>
-            <a:lstStyle/>
-            <a:p>
-              <a:pPr eaLnBrk="1" latinLnBrk="1" hangingPunct="1">
-                <a:defRPr/>
-              </a:pPr>
-              <a:r>
-                <a:rPr lang="en-US" altLang="ko-KR" sz="1600" b="1" dirty="0" err="1">
-                  <a:latin typeface="+mn-ea"/>
-                </a:rPr>
-                <a:t>parameterType</a:t>
-              </a:r>
-              <a:r>
-                <a:rPr lang="en-US" altLang="ko-KR" sz="1600" b="1" dirty="0">
-                  <a:latin typeface="+mn-ea"/>
-                </a:rPr>
-                <a:t> </a:t>
-              </a:r>
-              <a:r>
-                <a:rPr lang="en-US" altLang="ko-KR" sz="1600" b="1" dirty="0" err="1" smtClean="0">
-                  <a:latin typeface="+mn-ea"/>
-                </a:rPr>
-                <a:t>int</a:t>
-              </a:r>
-              <a:r>
-                <a:rPr lang="en-US" altLang="ko-KR" sz="1600" b="1" dirty="0" smtClean="0">
-                  <a:latin typeface="+mn-ea"/>
-                </a:rPr>
-                <a:t> no</a:t>
-              </a:r>
-              <a:endParaRPr lang="ko-KR" altLang="en-US" sz="1200" b="1" dirty="0">
-                <a:latin typeface="+mn-ea"/>
-                <a:ea typeface="+mn-ea"/>
-              </a:endParaRPr>
-            </a:p>
-          </p:txBody>
-        </p:sp>
-        <p:sp>
-          <p:nvSpPr>
-            <p:cNvPr id="75" name="TextBox 74">
-              <a:extLst>
-                <a:ext uri="{FF2B5EF4-FFF2-40B4-BE49-F238E27FC236}">
-                  <a16:creationId xmlns:a16="http://schemas.microsoft.com/office/drawing/2014/main" id="{0D524AA1-3F75-43ED-81E6-BF93BD18D3F8}"/>
-                </a:ext>
-              </a:extLst>
-            </p:cNvPr>
-            <p:cNvSpPr txBox="1"/>
-            <p:nvPr/>
-          </p:nvSpPr>
-          <p:spPr bwMode="auto">
-            <a:xfrm>
-              <a:off x="722835" y="2107852"/>
-              <a:ext cx="2419108" cy="369332"/>
-            </a:xfrm>
-            <a:prstGeom prst="rect">
-              <a:avLst/>
-            </a:prstGeom>
-            <a:noFill/>
-          </p:spPr>
-          <p:txBody>
-            <a:bodyPr wrap="square">
-              <a:spAutoFit/>
-            </a:bodyPr>
-            <a:lstStyle/>
-            <a:p>
-              <a:pPr eaLnBrk="1" latinLnBrk="1" hangingPunct="1">
-                <a:defRPr/>
-              </a:pPr>
-              <a:r>
-                <a:rPr lang="ko-KR" altLang="en-US" b="1" dirty="0" smtClean="0">
-                  <a:latin typeface="+mn-ea"/>
-                </a:rPr>
-                <a:t>■게시판 </a:t>
-              </a:r>
-              <a:r>
-                <a:rPr lang="ko-KR" altLang="en-US" b="1" dirty="0" smtClean="0">
-                  <a:latin typeface="+mn-ea"/>
-                </a:rPr>
-                <a:t>삭제</a:t>
-              </a:r>
-              <a:endParaRPr lang="ko-KR" altLang="en-US" b="1" dirty="0">
-                <a:latin typeface="+mn-ea"/>
-                <a:ea typeface="+mn-ea"/>
-              </a:endParaRPr>
-            </a:p>
-          </p:txBody>
-        </p:sp>
-        <p:cxnSp>
-          <p:nvCxnSpPr>
-            <p:cNvPr id="76" name="직선 화살표 연결선 75">
-              <a:extLst>
-                <a:ext uri="{FF2B5EF4-FFF2-40B4-BE49-F238E27FC236}">
-                  <a16:creationId xmlns:a16="http://schemas.microsoft.com/office/drawing/2014/main" id="{E0808023-7204-4EE6-BC4C-9CC2737568F0}"/>
-                </a:ext>
-              </a:extLst>
-            </p:cNvPr>
-            <p:cNvCxnSpPr/>
-            <p:nvPr/>
-          </p:nvCxnSpPr>
-          <p:spPr>
-            <a:xfrm flipV="1">
-              <a:off x="2377437" y="3101533"/>
-              <a:ext cx="353462" cy="229729"/>
-            </a:xfrm>
-            <a:prstGeom prst="straightConnector1">
-              <a:avLst/>
-            </a:prstGeom>
-            <a:ln>
-              <a:tailEnd type="triangle"/>
-            </a:ln>
-          </p:spPr>
-          <p:style>
-            <a:lnRef idx="1">
-              <a:schemeClr val="accent1"/>
-            </a:lnRef>
-            <a:fillRef idx="0">
-              <a:schemeClr val="accent1"/>
-            </a:fillRef>
-            <a:effectRef idx="0">
-              <a:schemeClr val="accent1"/>
-            </a:effectRef>
-            <a:fontRef idx="minor">
-              <a:schemeClr val="tx1"/>
-            </a:fontRef>
-          </p:style>
-        </p:cxnSp>
-        <p:sp>
-          <p:nvSpPr>
-            <p:cNvPr id="81" name="직사각형 80">
-              <a:extLst>
-                <a:ext uri="{FF2B5EF4-FFF2-40B4-BE49-F238E27FC236}">
-                  <a16:creationId xmlns:a16="http://schemas.microsoft.com/office/drawing/2014/main" id="{88E69C23-6592-4229-B457-8E5E86A12737}"/>
-                </a:ext>
-              </a:extLst>
-            </p:cNvPr>
-            <p:cNvSpPr/>
-            <p:nvPr/>
-          </p:nvSpPr>
-          <p:spPr>
-            <a:xfrm>
-              <a:off x="811837" y="4187227"/>
-              <a:ext cx="2963427" cy="1132789"/>
-            </a:xfrm>
-            <a:prstGeom prst="rect">
-              <a:avLst/>
-            </a:prstGeom>
-          </p:spPr>
-          <p:style>
-            <a:lnRef idx="2">
-              <a:schemeClr val="accent1">
-                <a:shade val="50000"/>
-              </a:schemeClr>
-            </a:lnRef>
-            <a:fillRef idx="1">
-              <a:schemeClr val="accent1"/>
-            </a:fillRef>
-            <a:effectRef idx="0">
-              <a:schemeClr val="accent1"/>
-            </a:effectRef>
-            <a:fontRef idx="minor">
-              <a:schemeClr val="lt1"/>
-            </a:fontRef>
-          </p:style>
-          <p:txBody>
-            <a:bodyPr rtlCol="0" anchor="ctr"/>
-            <a:lstStyle/>
-            <a:p>
-              <a:pPr algn="ctr"/>
-              <a:r>
-                <a:rPr lang="ko-KR" altLang="en-US" dirty="0"/>
-                <a:t>응답화면</a:t>
-              </a:r>
-              <a:endParaRPr lang="en-US" altLang="ko-KR" dirty="0"/>
-            </a:p>
-            <a:p>
-              <a:pPr algn="ctr"/>
-              <a:r>
-                <a:rPr lang="en-US" altLang="ko-KR" dirty="0" smtClean="0"/>
-                <a:t>*</a:t>
-              </a:r>
-              <a:r>
-                <a:rPr lang="ko-KR" altLang="en-US" dirty="0" smtClean="0"/>
-                <a:t>게시판 </a:t>
-              </a:r>
-              <a:r>
-                <a:rPr lang="ko-KR" altLang="en-US" dirty="0" smtClean="0"/>
-                <a:t>리스트</a:t>
-              </a:r>
-              <a:endParaRPr lang="en-US" altLang="ko-KR" dirty="0" smtClean="0"/>
-            </a:p>
-            <a:p>
-              <a:pPr algn="ctr"/>
-              <a:r>
-                <a:rPr lang="en-US" altLang="ko-KR" dirty="0" err="1" smtClean="0"/>
-                <a:t>Redirect:list</a:t>
-              </a:r>
-              <a:endParaRPr lang="ko-KR" altLang="en-US" dirty="0"/>
-            </a:p>
-          </p:txBody>
-        </p:sp>
-        <p:cxnSp>
-          <p:nvCxnSpPr>
-            <p:cNvPr id="82" name="직선 화살표 연결선 81">
-              <a:extLst>
-                <a:ext uri="{FF2B5EF4-FFF2-40B4-BE49-F238E27FC236}">
-                  <a16:creationId xmlns:a16="http://schemas.microsoft.com/office/drawing/2014/main" id="{35B1D758-E09F-4C00-809D-F948B74D0F62}"/>
-                </a:ext>
-              </a:extLst>
-            </p:cNvPr>
-            <p:cNvCxnSpPr>
-              <a:cxnSpLocks/>
-            </p:cNvCxnSpPr>
-            <p:nvPr/>
-          </p:nvCxnSpPr>
-          <p:spPr bwMode="auto">
-            <a:xfrm flipH="1">
-              <a:off x="9655092" y="3191189"/>
-              <a:ext cx="1461158" cy="499357"/>
-            </a:xfrm>
-            <a:prstGeom prst="straightConnector1">
-              <a:avLst/>
-            </a:prstGeom>
-            <a:ln w="38100">
-              <a:solidFill>
-                <a:srgbClr val="0070C0"/>
-              </a:solidFill>
-              <a:tailEnd type="arrow"/>
-            </a:ln>
-          </p:spPr>
-          <p:style>
-            <a:lnRef idx="1">
-              <a:schemeClr val="accent1"/>
-            </a:lnRef>
-            <a:fillRef idx="0">
-              <a:schemeClr val="accent1"/>
-            </a:fillRef>
-            <a:effectRef idx="0">
-              <a:schemeClr val="accent1"/>
-            </a:effectRef>
-            <a:fontRef idx="minor">
-              <a:schemeClr val="tx1"/>
-            </a:fontRef>
-          </p:style>
-        </p:cxnSp>
-        <p:cxnSp>
-          <p:nvCxnSpPr>
-            <p:cNvPr id="83" name="직선 화살표 연결선 82">
-              <a:extLst>
-                <a:ext uri="{FF2B5EF4-FFF2-40B4-BE49-F238E27FC236}">
-                  <a16:creationId xmlns:a16="http://schemas.microsoft.com/office/drawing/2014/main" id="{4B4A996B-CBBE-48FB-B53C-6E524B57F6CF}"/>
-                </a:ext>
-              </a:extLst>
-            </p:cNvPr>
-            <p:cNvCxnSpPr>
-              <a:cxnSpLocks/>
-              <a:stCxn id="84" idx="1"/>
-              <a:endCxn id="81" idx="3"/>
-            </p:cNvCxnSpPr>
-            <p:nvPr/>
-          </p:nvCxnSpPr>
-          <p:spPr bwMode="auto">
-            <a:xfrm flipH="1">
-              <a:off x="3775264" y="3628648"/>
-              <a:ext cx="4028329" cy="1124974"/>
-            </a:xfrm>
-            <a:prstGeom prst="straightConnector1">
-              <a:avLst/>
-            </a:prstGeom>
-            <a:ln w="38100">
-              <a:solidFill>
-                <a:srgbClr val="0070C0"/>
-              </a:solidFill>
-              <a:tailEnd type="arrow"/>
-            </a:ln>
-          </p:spPr>
-          <p:style>
-            <a:lnRef idx="1">
-              <a:schemeClr val="accent1"/>
-            </a:lnRef>
-            <a:fillRef idx="0">
-              <a:schemeClr val="accent1"/>
-            </a:fillRef>
-            <a:effectRef idx="0">
-              <a:schemeClr val="accent1"/>
-            </a:effectRef>
-            <a:fontRef idx="minor">
-              <a:schemeClr val="tx1"/>
-            </a:fontRef>
-          </p:style>
-        </p:cxnSp>
-        <p:sp>
-          <p:nvSpPr>
-            <p:cNvPr id="84" name="TextBox 83">
-              <a:extLst>
-                <a:ext uri="{FF2B5EF4-FFF2-40B4-BE49-F238E27FC236}">
-                  <a16:creationId xmlns:a16="http://schemas.microsoft.com/office/drawing/2014/main" id="{30BFE079-32C9-46BD-BBC6-0A21E3A3BDDF}"/>
-                </a:ext>
-              </a:extLst>
-            </p:cNvPr>
-            <p:cNvSpPr txBox="1"/>
-            <p:nvPr/>
-          </p:nvSpPr>
-          <p:spPr bwMode="auto">
-            <a:xfrm>
-              <a:off x="7803593" y="3443982"/>
-              <a:ext cx="2140861" cy="369332"/>
-            </a:xfrm>
-            <a:prstGeom prst="rect">
-              <a:avLst/>
-            </a:prstGeom>
-            <a:noFill/>
-          </p:spPr>
-          <p:txBody>
-            <a:bodyPr wrap="square">
-              <a:spAutoFit/>
-            </a:bodyPr>
-            <a:lstStyle/>
-            <a:p>
-              <a:pPr eaLnBrk="1" latinLnBrk="1" hangingPunct="1">
-                <a:defRPr/>
-              </a:pPr>
-              <a:r>
-                <a:rPr lang="en-US" altLang="ko-KR" b="1" dirty="0" err="1" smtClean="0">
-                  <a:latin typeface="+mn-ea"/>
-                </a:rPr>
-                <a:t>List.jsp</a:t>
-              </a:r>
-              <a:endParaRPr lang="ko-KR" altLang="en-US" sz="1400" b="1" dirty="0">
-                <a:latin typeface="+mn-ea"/>
-                <a:ea typeface="+mn-ea"/>
-              </a:endParaRPr>
-            </a:p>
-          </p:txBody>
-        </p:sp>
-        <p:sp>
-          <p:nvSpPr>
-            <p:cNvPr id="87" name="TextBox 86">
-              <a:extLst>
-                <a:ext uri="{FF2B5EF4-FFF2-40B4-BE49-F238E27FC236}">
-                  <a16:creationId xmlns:a16="http://schemas.microsoft.com/office/drawing/2014/main" id="{83995981-8DC3-42D6-B32B-3C3DE540BC13}"/>
-                </a:ext>
-              </a:extLst>
-            </p:cNvPr>
-            <p:cNvSpPr txBox="1"/>
-            <p:nvPr/>
-          </p:nvSpPr>
-          <p:spPr bwMode="auto">
-            <a:xfrm>
-              <a:off x="15977386" y="2800693"/>
-              <a:ext cx="2648539" cy="369332"/>
-            </a:xfrm>
-            <a:prstGeom prst="rect">
-              <a:avLst/>
-            </a:prstGeom>
-            <a:noFill/>
-          </p:spPr>
-          <p:txBody>
-            <a:bodyPr wrap="square">
-              <a:spAutoFit/>
-            </a:bodyPr>
-            <a:lstStyle/>
-            <a:p>
-              <a:pPr eaLnBrk="1" latinLnBrk="1" hangingPunct="1">
-                <a:defRPr/>
-              </a:pPr>
-              <a:r>
-                <a:rPr lang="en-US" altLang="ko-KR" b="1" dirty="0" smtClean="0">
-                  <a:latin typeface="+mn-ea"/>
-                </a:rPr>
-                <a:t>delete</a:t>
-              </a:r>
-              <a:r>
-                <a:rPr lang="en-US" altLang="ko-KR" b="1" dirty="0" smtClean="0">
-                  <a:latin typeface="+mn-ea"/>
-                  <a:ea typeface="+mn-ea"/>
-                </a:rPr>
-                <a:t>(</a:t>
-              </a:r>
-              <a:r>
-                <a:rPr lang="en-US" altLang="ko-KR" b="1" dirty="0" err="1" smtClean="0">
-                  <a:latin typeface="+mn-ea"/>
-                  <a:ea typeface="+mn-ea"/>
-                </a:rPr>
-                <a:t>int</a:t>
-              </a:r>
-              <a:r>
-                <a:rPr lang="en-US" altLang="ko-KR" b="1" dirty="0" smtClean="0">
-                  <a:latin typeface="+mn-ea"/>
-                  <a:ea typeface="+mn-ea"/>
-                </a:rPr>
-                <a:t> no)</a:t>
-              </a:r>
-              <a:endParaRPr lang="ko-KR" altLang="en-US" b="1" dirty="0">
-                <a:latin typeface="+mn-ea"/>
-                <a:ea typeface="+mn-ea"/>
-              </a:endParaRPr>
-            </a:p>
-          </p:txBody>
-        </p:sp>
-        <p:grpSp>
-          <p:nvGrpSpPr>
-            <p:cNvPr id="88" name="그룹 87">
-              <a:extLst>
-                <a:ext uri="{FF2B5EF4-FFF2-40B4-BE49-F238E27FC236}">
-                  <a16:creationId xmlns:a16="http://schemas.microsoft.com/office/drawing/2014/main" id="{EE15F66C-D75C-4762-A622-04F9BF0AB024}"/>
-                </a:ext>
-              </a:extLst>
-            </p:cNvPr>
-            <p:cNvGrpSpPr/>
-            <p:nvPr/>
-          </p:nvGrpSpPr>
-          <p:grpSpPr>
-            <a:xfrm>
-              <a:off x="17959690" y="2889025"/>
-              <a:ext cx="1771669" cy="291419"/>
-              <a:chOff x="11757511" y="11859420"/>
-              <a:chExt cx="2733276" cy="179260"/>
-            </a:xfrm>
-          </p:grpSpPr>
-          <p:cxnSp>
-            <p:nvCxnSpPr>
-              <p:cNvPr id="90" name="직선 화살표 연결선 89">
-                <a:extLst>
-                  <a:ext uri="{FF2B5EF4-FFF2-40B4-BE49-F238E27FC236}">
-                    <a16:creationId xmlns:a16="http://schemas.microsoft.com/office/drawing/2014/main" id="{1DF40771-2FEF-49DC-9141-21064CAF80BD}"/>
-                  </a:ext>
-                </a:extLst>
-              </p:cNvPr>
-              <p:cNvCxnSpPr>
-                <a:cxnSpLocks/>
-              </p:cNvCxnSpPr>
-              <p:nvPr/>
-            </p:nvCxnSpPr>
-            <p:spPr bwMode="auto">
-              <a:xfrm flipV="1">
-                <a:off x="11772103" y="11859420"/>
-                <a:ext cx="2718684" cy="8262"/>
-              </a:xfrm>
-              <a:prstGeom prst="straightConnector1">
-                <a:avLst/>
-              </a:prstGeom>
-              <a:ln w="38100">
-                <a:solidFill>
-                  <a:srgbClr val="C00000"/>
-                </a:solidFill>
-                <a:tailEnd type="arrow"/>
-              </a:ln>
-            </p:spPr>
-            <p:style>
-              <a:lnRef idx="1">
-                <a:schemeClr val="accent1"/>
-              </a:lnRef>
-              <a:fillRef idx="0">
-                <a:schemeClr val="accent1"/>
-              </a:fillRef>
-              <a:effectRef idx="0">
-                <a:schemeClr val="accent1"/>
-              </a:effectRef>
-              <a:fontRef idx="minor">
-                <a:schemeClr val="tx1"/>
-              </a:fontRef>
-            </p:style>
-          </p:cxnSp>
-          <p:cxnSp>
-            <p:nvCxnSpPr>
-              <p:cNvPr id="91" name="직선 화살표 연결선 90">
-                <a:extLst>
-                  <a:ext uri="{FF2B5EF4-FFF2-40B4-BE49-F238E27FC236}">
-                    <a16:creationId xmlns:a16="http://schemas.microsoft.com/office/drawing/2014/main" id="{463AB2FD-ED19-4D99-B82B-00F1074F4AD3}"/>
-                  </a:ext>
-                </a:extLst>
-              </p:cNvPr>
-              <p:cNvCxnSpPr>
-                <a:cxnSpLocks/>
-              </p:cNvCxnSpPr>
-              <p:nvPr/>
-            </p:nvCxnSpPr>
-            <p:spPr bwMode="auto">
-              <a:xfrm flipH="1">
-                <a:off x="11757511" y="12038680"/>
-                <a:ext cx="2710518" cy="0"/>
-              </a:xfrm>
-              <a:prstGeom prst="straightConnector1">
-                <a:avLst/>
-              </a:prstGeom>
-              <a:ln w="38100">
-                <a:solidFill>
-                  <a:srgbClr val="0070C0"/>
-                </a:solidFill>
-                <a:tailEnd type="arrow"/>
-              </a:ln>
-            </p:spPr>
-            <p:style>
-              <a:lnRef idx="1">
-                <a:schemeClr val="accent1"/>
-              </a:lnRef>
-              <a:fillRef idx="0">
-                <a:schemeClr val="accent1"/>
-              </a:fillRef>
-              <a:effectRef idx="0">
-                <a:schemeClr val="accent1"/>
-              </a:effectRef>
-              <a:fontRef idx="minor">
-                <a:schemeClr val="tx1"/>
-              </a:fontRef>
-            </p:style>
-          </p:cxnSp>
-        </p:grpSp>
-      </p:grpSp>
-      <p:grpSp>
-        <p:nvGrpSpPr>
-          <p:cNvPr id="103" name="그룹 102">
-            <a:extLst>
-              <a:ext uri="{FF2B5EF4-FFF2-40B4-BE49-F238E27FC236}">
-                <a16:creationId xmlns:a16="http://schemas.microsoft.com/office/drawing/2014/main" id="{23B16F90-0121-460E-9E72-F98D6683E057}"/>
-              </a:ext>
-            </a:extLst>
-          </p:cNvPr>
-          <p:cNvGrpSpPr/>
-          <p:nvPr/>
-        </p:nvGrpSpPr>
-        <p:grpSpPr>
-          <a:xfrm>
-            <a:off x="1244757" y="17936946"/>
-            <a:ext cx="13718824" cy="4177828"/>
-            <a:chOff x="722835" y="23996800"/>
-            <a:chExt cx="13718824" cy="4177828"/>
-          </a:xfrm>
-        </p:grpSpPr>
-        <p:cxnSp>
-          <p:nvCxnSpPr>
-            <p:cNvPr id="104" name="직선 화살표 연결선 103">
-              <a:extLst>
-                <a:ext uri="{FF2B5EF4-FFF2-40B4-BE49-F238E27FC236}">
-                  <a16:creationId xmlns:a16="http://schemas.microsoft.com/office/drawing/2014/main" id="{10F6FBED-E910-4581-8413-BD830CC6E816}"/>
-                </a:ext>
-              </a:extLst>
-            </p:cNvPr>
-            <p:cNvCxnSpPr>
-              <a:cxnSpLocks/>
-              <a:stCxn id="106" idx="3"/>
-            </p:cNvCxnSpPr>
-            <p:nvPr/>
-          </p:nvCxnSpPr>
-          <p:spPr bwMode="auto">
-            <a:xfrm flipV="1">
-              <a:off x="5476913" y="24671751"/>
-              <a:ext cx="5981705" cy="14582"/>
-            </a:xfrm>
-            <a:prstGeom prst="straightConnector1">
-              <a:avLst/>
-            </a:prstGeom>
-            <a:ln w="38100">
-              <a:solidFill>
-                <a:srgbClr val="C00000"/>
-              </a:solidFill>
-              <a:tailEnd type="arrow"/>
-            </a:ln>
-          </p:spPr>
-          <p:style>
-            <a:lnRef idx="1">
-              <a:schemeClr val="accent1"/>
-            </a:lnRef>
-            <a:fillRef idx="0">
-              <a:schemeClr val="accent1"/>
-            </a:fillRef>
-            <a:effectRef idx="0">
-              <a:schemeClr val="accent1"/>
-            </a:effectRef>
-            <a:fontRef idx="minor">
-              <a:schemeClr val="tx1"/>
-            </a:fontRef>
-          </p:style>
-        </p:cxnSp>
-        <p:sp>
-          <p:nvSpPr>
-            <p:cNvPr id="105" name="TextBox 104">
-              <a:extLst>
-                <a:ext uri="{FF2B5EF4-FFF2-40B4-BE49-F238E27FC236}">
-                  <a16:creationId xmlns:a16="http://schemas.microsoft.com/office/drawing/2014/main" id="{0D8A1F95-B896-44CE-B731-0B5F383A522B}"/>
-                </a:ext>
-              </a:extLst>
-            </p:cNvPr>
-            <p:cNvSpPr txBox="1"/>
-            <p:nvPr/>
-          </p:nvSpPr>
-          <p:spPr bwMode="auto">
-            <a:xfrm>
-              <a:off x="11431000" y="24492434"/>
-              <a:ext cx="3010659" cy="646331"/>
-            </a:xfrm>
-            <a:prstGeom prst="rect">
-              <a:avLst/>
-            </a:prstGeom>
-            <a:noFill/>
-          </p:spPr>
-          <p:txBody>
-            <a:bodyPr wrap="square">
-              <a:spAutoFit/>
-            </a:bodyPr>
-            <a:lstStyle/>
-            <a:p>
-              <a:pPr eaLnBrk="1" latinLnBrk="1" hangingPunct="1">
-                <a:defRPr/>
-              </a:pPr>
-              <a:r>
-                <a:rPr lang="en-US" altLang="ko-KR" b="1" dirty="0" smtClean="0">
-                  <a:latin typeface="+mn-ea"/>
-                  <a:ea typeface="+mn-ea"/>
-                </a:rPr>
-                <a:t>/</a:t>
-              </a:r>
-              <a:r>
-                <a:rPr lang="en-US" altLang="ko-KR" b="1" dirty="0" smtClean="0">
-                  <a:latin typeface="+mn-ea"/>
-                </a:rPr>
-                <a:t>guest</a:t>
-              </a:r>
-              <a:r>
-                <a:rPr lang="en-US" altLang="ko-KR" b="1" dirty="0" smtClean="0">
-                  <a:solidFill>
-                    <a:srgbClr val="FF0000"/>
-                  </a:solidFill>
-                  <a:latin typeface="+mn-ea"/>
-                  <a:ea typeface="+mn-ea"/>
-                </a:rPr>
-                <a:t>/</a:t>
-              </a:r>
-              <a:r>
-                <a:rPr lang="en-US" altLang="ko-KR" b="1" dirty="0" err="1" smtClean="0">
-                  <a:solidFill>
-                    <a:srgbClr val="FF0000"/>
-                  </a:solidFill>
-                  <a:latin typeface="+mn-ea"/>
-                  <a:ea typeface="+mn-ea"/>
-                </a:rPr>
-                <a:t>writeForm</a:t>
-              </a:r>
-              <a:endParaRPr lang="en-US" altLang="ko-KR" b="1" dirty="0">
-                <a:solidFill>
-                  <a:srgbClr val="FF0000"/>
-                </a:solidFill>
-                <a:latin typeface="+mn-ea"/>
-                <a:ea typeface="+mn-ea"/>
-              </a:endParaRPr>
-            </a:p>
-            <a:p>
-              <a:pPr eaLnBrk="1" latinLnBrk="1" hangingPunct="1">
-                <a:defRPr/>
-              </a:pPr>
-              <a:r>
-                <a:rPr lang="en-US" altLang="ko-KR" b="1" dirty="0" err="1" smtClean="0">
-                  <a:latin typeface="+mn-ea"/>
-                </a:rPr>
-                <a:t>writ</a:t>
-              </a:r>
-              <a:r>
-                <a:rPr lang="en-US" altLang="ko-KR" b="1" dirty="0" err="1" smtClean="0">
-                  <a:latin typeface="+mn-ea"/>
-                </a:rPr>
-                <a:t>eForm</a:t>
-              </a:r>
-              <a:r>
-                <a:rPr lang="en-US" altLang="ko-KR" b="1" dirty="0" smtClean="0">
-                  <a:latin typeface="+mn-ea"/>
-                  <a:ea typeface="+mn-ea"/>
-                </a:rPr>
-                <a:t>()</a:t>
-              </a:r>
-              <a:endParaRPr lang="ko-KR" altLang="en-US" sz="1400" b="1" dirty="0">
-                <a:latin typeface="+mn-ea"/>
-                <a:ea typeface="+mn-ea"/>
-              </a:endParaRPr>
-            </a:p>
-          </p:txBody>
-        </p:sp>
-        <p:sp>
-          <p:nvSpPr>
-            <p:cNvPr id="106" name="직사각형 7">
-              <a:extLst>
-                <a:ext uri="{FF2B5EF4-FFF2-40B4-BE49-F238E27FC236}">
-                  <a16:creationId xmlns:a16="http://schemas.microsoft.com/office/drawing/2014/main" id="{BF0D6F22-88DA-4936-A70B-D3EF3B786D45}"/>
-                </a:ext>
-              </a:extLst>
-            </p:cNvPr>
-            <p:cNvSpPr>
-              <a:spLocks noChangeArrowheads="1"/>
-            </p:cNvSpPr>
-            <p:nvPr/>
-          </p:nvSpPr>
-          <p:spPr bwMode="auto">
-            <a:xfrm>
-              <a:off x="811839" y="24492434"/>
-              <a:ext cx="4665074" cy="387798"/>
-            </a:xfrm>
-            <a:prstGeom prst="rect">
-              <a:avLst/>
-            </a:prstGeom>
-            <a:solidFill>
-              <a:schemeClr val="bg1">
-                <a:lumMod val="85000"/>
-              </a:schemeClr>
-            </a:solidFill>
-            <a:ln>
-              <a:noFill/>
-            </a:ln>
-          </p:spPr>
-          <p:txBody>
-            <a:bodyPr wrap="square">
-              <a:spAutoFit/>
-            </a:bodyPr>
-            <a:lstStyle>
-              <a:lvl1pPr latinLnBrk="1">
-                <a:defRPr kumimoji="1">
-                  <a:solidFill>
-                    <a:schemeClr val="tx1"/>
-                  </a:solidFill>
-                  <a:latin typeface="맑은 고딕" panose="020B0503020000020004" pitchFamily="50" charset="-127"/>
-                  <a:ea typeface="굴림" panose="020B0600000101010101" pitchFamily="50" charset="-127"/>
-                </a:defRPr>
-              </a:lvl1pPr>
-              <a:lvl2pPr marL="742950" indent="-285750" latinLnBrk="1">
-                <a:defRPr kumimoji="1">
-                  <a:solidFill>
-                    <a:schemeClr val="tx1"/>
-                  </a:solidFill>
-                  <a:latin typeface="맑은 고딕" panose="020B0503020000020004" pitchFamily="50" charset="-127"/>
-                  <a:ea typeface="굴림" panose="020B0600000101010101" pitchFamily="50" charset="-127"/>
-                </a:defRPr>
-              </a:lvl2pPr>
-              <a:lvl3pPr marL="1143000" indent="-228600" latinLnBrk="1">
-                <a:defRPr kumimoji="1">
-                  <a:solidFill>
-                    <a:schemeClr val="tx1"/>
-                  </a:solidFill>
-                  <a:latin typeface="맑은 고딕" panose="020B0503020000020004" pitchFamily="50" charset="-127"/>
-                  <a:ea typeface="굴림" panose="020B0600000101010101" pitchFamily="50" charset="-127"/>
-                </a:defRPr>
-              </a:lvl3pPr>
-              <a:lvl4pPr marL="1600200" indent="-228600" latinLnBrk="1">
-                <a:defRPr kumimoji="1">
-                  <a:solidFill>
-                    <a:schemeClr val="tx1"/>
-                  </a:solidFill>
-                  <a:latin typeface="맑은 고딕" panose="020B0503020000020004" pitchFamily="50" charset="-127"/>
-                  <a:ea typeface="굴림" panose="020B0600000101010101" pitchFamily="50" charset="-127"/>
-                </a:defRPr>
-              </a:lvl4pPr>
-              <a:lvl5pPr marL="2057400" indent="-228600" latinLnBrk="1">
-                <a:defRPr kumimoji="1">
-                  <a:solidFill>
-                    <a:schemeClr val="tx1"/>
-                  </a:solidFill>
-                  <a:latin typeface="맑은 고딕" panose="020B0503020000020004" pitchFamily="50" charset="-127"/>
-                  <a:ea typeface="굴림" panose="020B0600000101010101" pitchFamily="50" charset="-127"/>
-                </a:defRPr>
-              </a:lvl5pPr>
-              <a:lvl6pPr marL="2514600" indent="-228600" eaLnBrk="0" fontAlgn="base" hangingPunct="0">
-                <a:spcBef>
-                  <a:spcPct val="0"/>
-                </a:spcBef>
-                <a:spcAft>
-                  <a:spcPct val="0"/>
-                </a:spcAft>
-                <a:defRPr kumimoji="1">
-                  <a:solidFill>
-                    <a:schemeClr val="tx1"/>
-                  </a:solidFill>
-                  <a:latin typeface="맑은 고딕" panose="020B0503020000020004" pitchFamily="50" charset="-127"/>
-                  <a:ea typeface="굴림" panose="020B0600000101010101" pitchFamily="50" charset="-127"/>
-                </a:defRPr>
-              </a:lvl6pPr>
-              <a:lvl7pPr marL="2971800" indent="-228600" eaLnBrk="0" fontAlgn="base" hangingPunct="0">
-                <a:spcBef>
-                  <a:spcPct val="0"/>
-                </a:spcBef>
-                <a:spcAft>
-                  <a:spcPct val="0"/>
-                </a:spcAft>
-                <a:defRPr kumimoji="1">
-                  <a:solidFill>
-                    <a:schemeClr val="tx1"/>
-                  </a:solidFill>
-                  <a:latin typeface="맑은 고딕" panose="020B0503020000020004" pitchFamily="50" charset="-127"/>
-                  <a:ea typeface="굴림" panose="020B0600000101010101" pitchFamily="50" charset="-127"/>
-                </a:defRPr>
-              </a:lvl7pPr>
-              <a:lvl8pPr marL="3429000" indent="-228600" eaLnBrk="0" fontAlgn="base" hangingPunct="0">
-                <a:spcBef>
-                  <a:spcPct val="0"/>
-                </a:spcBef>
-                <a:spcAft>
-                  <a:spcPct val="0"/>
-                </a:spcAft>
-                <a:defRPr kumimoji="1">
-                  <a:solidFill>
-                    <a:schemeClr val="tx1"/>
-                  </a:solidFill>
-                  <a:latin typeface="맑은 고딕" panose="020B0503020000020004" pitchFamily="50" charset="-127"/>
-                  <a:ea typeface="굴림" panose="020B0600000101010101" pitchFamily="50" charset="-127"/>
-                </a:defRPr>
-              </a:lvl8pPr>
-              <a:lvl9pPr marL="3886200" indent="-228600" eaLnBrk="0" fontAlgn="base" hangingPunct="0">
-                <a:spcBef>
-                  <a:spcPct val="0"/>
-                </a:spcBef>
-                <a:spcAft>
-                  <a:spcPct val="0"/>
-                </a:spcAft>
-                <a:defRPr kumimoji="1">
-                  <a:solidFill>
-                    <a:schemeClr val="tx1"/>
-                  </a:solidFill>
-                  <a:latin typeface="맑은 고딕" panose="020B0503020000020004" pitchFamily="50" charset="-127"/>
-                  <a:ea typeface="굴림" panose="020B0600000101010101" pitchFamily="50" charset="-127"/>
-                </a:defRPr>
-              </a:lvl9pPr>
-            </a:lstStyle>
-            <a:p>
-              <a:pPr>
-                <a:lnSpc>
-                  <a:spcPct val="120000"/>
-                </a:lnSpc>
-                <a:defRPr/>
-              </a:pPr>
-              <a:r>
-                <a:rPr lang="en-US" altLang="ko-KR" sz="1600" dirty="0">
-                  <a:latin typeface="+mn-ea"/>
-                  <a:ea typeface="+mn-ea"/>
-                  <a:hlinkClick r:id="rId2"/>
-                </a:rPr>
-                <a:t>http://</a:t>
-              </a:r>
-              <a:r>
-                <a:rPr lang="en-US" altLang="ko-KR" sz="1600" dirty="0" smtClean="0">
-                  <a:latin typeface="+mn-ea"/>
-                  <a:ea typeface="+mn-ea"/>
-                  <a:hlinkClick r:id="rId2"/>
-                </a:rPr>
-                <a:t>localhost:8088/mysite5/board/</a:t>
-              </a:r>
-              <a:r>
-                <a:rPr lang="en-US" altLang="ko-KR" sz="1600" dirty="0" smtClean="0">
-                  <a:latin typeface="+mn-ea"/>
-                  <a:ea typeface="+mn-ea"/>
-                </a:rPr>
-                <a:t>write</a:t>
-              </a:r>
-              <a:r>
-                <a:rPr lang="en-US" altLang="ko-KR" sz="1600" dirty="0" smtClean="0">
-                  <a:latin typeface="+mn-ea"/>
-                  <a:ea typeface="+mn-ea"/>
-                </a:rPr>
-                <a:t>Form</a:t>
-              </a:r>
-              <a:endParaRPr lang="en-US" altLang="ko-KR" sz="1600" dirty="0">
-                <a:latin typeface="+mn-ea"/>
-                <a:ea typeface="+mn-ea"/>
-              </a:endParaRPr>
-            </a:p>
-          </p:txBody>
-        </p:sp>
-        <p:sp>
-          <p:nvSpPr>
-            <p:cNvPr id="108" name="TextBox 107">
-              <a:extLst>
-                <a:ext uri="{FF2B5EF4-FFF2-40B4-BE49-F238E27FC236}">
-                  <a16:creationId xmlns:a16="http://schemas.microsoft.com/office/drawing/2014/main" id="{5914AB25-EEF2-4BF2-9FBA-CA76A5497332}"/>
-                </a:ext>
-              </a:extLst>
-            </p:cNvPr>
-            <p:cNvSpPr txBox="1"/>
-            <p:nvPr/>
-          </p:nvSpPr>
-          <p:spPr bwMode="auto">
-            <a:xfrm>
-              <a:off x="722835" y="23996800"/>
-              <a:ext cx="2419108" cy="369332"/>
-            </a:xfrm>
-            <a:prstGeom prst="rect">
-              <a:avLst/>
-            </a:prstGeom>
-            <a:noFill/>
-          </p:spPr>
-          <p:txBody>
-            <a:bodyPr wrap="square">
-              <a:spAutoFit/>
-            </a:bodyPr>
-            <a:lstStyle/>
-            <a:p>
-              <a:pPr eaLnBrk="1" latinLnBrk="1" hangingPunct="1">
-                <a:defRPr/>
-              </a:pPr>
-              <a:r>
-                <a:rPr lang="ko-KR" altLang="en-US" b="1" dirty="0" smtClean="0">
-                  <a:latin typeface="+mn-ea"/>
-                </a:rPr>
-                <a:t>■방명록 </a:t>
-              </a:r>
-              <a:r>
-                <a:rPr lang="ko-KR" altLang="en-US" b="1" dirty="0" err="1" smtClean="0">
-                  <a:latin typeface="+mn-ea"/>
-                </a:rPr>
-                <a:t>글쓰기폼</a:t>
-              </a:r>
-              <a:endParaRPr lang="ko-KR" altLang="en-US" b="1" dirty="0">
-                <a:latin typeface="+mn-ea"/>
-                <a:ea typeface="+mn-ea"/>
-              </a:endParaRPr>
-            </a:p>
-          </p:txBody>
-        </p:sp>
-        <p:sp>
-          <p:nvSpPr>
-            <p:cNvPr id="110" name="직사각형 109">
-              <a:extLst>
-                <a:ext uri="{FF2B5EF4-FFF2-40B4-BE49-F238E27FC236}">
-                  <a16:creationId xmlns:a16="http://schemas.microsoft.com/office/drawing/2014/main" id="{2B0EC07C-D0BC-4629-BA91-D427EEECAE9A}"/>
-                </a:ext>
-              </a:extLst>
-            </p:cNvPr>
-            <p:cNvSpPr/>
-            <p:nvPr/>
-          </p:nvSpPr>
-          <p:spPr>
-            <a:xfrm>
-              <a:off x="798451" y="25921685"/>
-              <a:ext cx="2963427" cy="2252943"/>
-            </a:xfrm>
-            <a:prstGeom prst="rect">
-              <a:avLst/>
-            </a:prstGeom>
-          </p:spPr>
-          <p:style>
-            <a:lnRef idx="2">
-              <a:schemeClr val="accent1">
-                <a:shade val="50000"/>
-              </a:schemeClr>
-            </a:lnRef>
-            <a:fillRef idx="1">
-              <a:schemeClr val="accent1"/>
-            </a:fillRef>
-            <a:effectRef idx="0">
-              <a:schemeClr val="accent1"/>
-            </a:effectRef>
-            <a:fontRef idx="minor">
-              <a:schemeClr val="lt1"/>
-            </a:fontRef>
-          </p:style>
-          <p:txBody>
-            <a:bodyPr rtlCol="0" anchor="ctr"/>
-            <a:lstStyle/>
-            <a:p>
-              <a:pPr algn="ctr"/>
-              <a:r>
-                <a:rPr lang="ko-KR" altLang="en-US" dirty="0" err="1" smtClean="0"/>
-                <a:t>응답화면</a:t>
-              </a:r>
-              <a:endParaRPr lang="en-US" altLang="ko-KR" dirty="0" smtClean="0"/>
-            </a:p>
-            <a:p>
-              <a:pPr algn="ctr"/>
-              <a:r>
-                <a:rPr lang="en-US" altLang="ko-KR" dirty="0" smtClean="0"/>
-                <a:t>*</a:t>
-              </a:r>
-              <a:r>
-                <a:rPr lang="ko-KR" altLang="en-US" dirty="0" err="1" smtClean="0"/>
-                <a:t>글쓰기화면</a:t>
-              </a:r>
-              <a:endParaRPr lang="en-US" altLang="ko-KR" dirty="0"/>
-            </a:p>
-            <a:p>
-              <a:pPr algn="ctr"/>
-              <a:endParaRPr lang="ko-KR" altLang="en-US" dirty="0"/>
-            </a:p>
-          </p:txBody>
-        </p:sp>
-        <p:cxnSp>
-          <p:nvCxnSpPr>
-            <p:cNvPr id="111" name="직선 화살표 연결선 110">
-              <a:extLst>
-                <a:ext uri="{FF2B5EF4-FFF2-40B4-BE49-F238E27FC236}">
-                  <a16:creationId xmlns:a16="http://schemas.microsoft.com/office/drawing/2014/main" id="{11EFD8D8-76B8-4CB8-A740-8218F9365B62}"/>
-                </a:ext>
-              </a:extLst>
-            </p:cNvPr>
-            <p:cNvCxnSpPr>
-              <a:cxnSpLocks/>
-            </p:cNvCxnSpPr>
-            <p:nvPr/>
-          </p:nvCxnSpPr>
-          <p:spPr bwMode="auto">
-            <a:xfrm flipH="1">
-              <a:off x="3781344" y="25068646"/>
-              <a:ext cx="7649656" cy="1212754"/>
-            </a:xfrm>
-            <a:prstGeom prst="straightConnector1">
-              <a:avLst/>
-            </a:prstGeom>
-            <a:ln w="38100">
-              <a:solidFill>
-                <a:srgbClr val="0070C0"/>
-              </a:solidFill>
-              <a:tailEnd type="arrow"/>
-            </a:ln>
-          </p:spPr>
-          <p:style>
-            <a:lnRef idx="1">
-              <a:schemeClr val="accent1"/>
-            </a:lnRef>
-            <a:fillRef idx="0">
-              <a:schemeClr val="accent1"/>
-            </a:fillRef>
-            <a:effectRef idx="0">
-              <a:schemeClr val="accent1"/>
-            </a:effectRef>
-            <a:fontRef idx="minor">
-              <a:schemeClr val="tx1"/>
-            </a:fontRef>
-          </p:style>
-        </p:cxnSp>
-        <p:sp>
-          <p:nvSpPr>
-            <p:cNvPr id="115" name="TextBox 114">
-              <a:extLst>
-                <a:ext uri="{FF2B5EF4-FFF2-40B4-BE49-F238E27FC236}">
-                  <a16:creationId xmlns:a16="http://schemas.microsoft.com/office/drawing/2014/main" id="{D37C9736-96A0-465F-BEBE-55215F91370C}"/>
-                </a:ext>
-              </a:extLst>
-            </p:cNvPr>
-            <p:cNvSpPr txBox="1"/>
-            <p:nvPr/>
-          </p:nvSpPr>
-          <p:spPr bwMode="auto">
-            <a:xfrm>
-              <a:off x="7034644" y="25805662"/>
-              <a:ext cx="2954779" cy="646331"/>
-            </a:xfrm>
-            <a:prstGeom prst="rect">
-              <a:avLst/>
-            </a:prstGeom>
-            <a:noFill/>
-          </p:spPr>
-          <p:txBody>
-            <a:bodyPr wrap="square">
-              <a:spAutoFit/>
-            </a:bodyPr>
-            <a:lstStyle/>
-            <a:p>
-              <a:pPr eaLnBrk="1" latinLnBrk="1" hangingPunct="1">
-                <a:defRPr/>
-              </a:pPr>
-              <a:r>
-                <a:rPr lang="en-US" altLang="ko-KR" b="1" dirty="0" smtClean="0">
-                  <a:latin typeface="+mn-ea"/>
-                </a:rPr>
-                <a:t>forward</a:t>
-              </a:r>
-              <a:r>
-                <a:rPr lang="en-US" altLang="ko-KR" b="1" dirty="0" smtClean="0">
-                  <a:latin typeface="+mn-ea"/>
-                  <a:ea typeface="+mn-ea"/>
-                </a:rPr>
-                <a:t>: </a:t>
-              </a:r>
-              <a:r>
-                <a:rPr lang="en-US" altLang="ko-KR" b="1" dirty="0" smtClean="0">
-                  <a:latin typeface="+mn-ea"/>
-                </a:rPr>
-                <a:t>board</a:t>
-              </a:r>
-              <a:r>
-                <a:rPr lang="en-US" altLang="ko-KR" b="1" dirty="0" smtClean="0">
-                  <a:latin typeface="+mn-ea"/>
-                  <a:ea typeface="+mn-ea"/>
-                </a:rPr>
-                <a:t>/</a:t>
-              </a:r>
-              <a:r>
-                <a:rPr lang="en-US" altLang="ko-KR" b="1" dirty="0" err="1" smtClean="0">
-                  <a:latin typeface="+mn-ea"/>
-                </a:rPr>
-                <a:t>writ</a:t>
-              </a:r>
-              <a:r>
-                <a:rPr lang="en-US" altLang="ko-KR" b="1" dirty="0" err="1" smtClean="0">
-                  <a:latin typeface="+mn-ea"/>
-                  <a:ea typeface="+mn-ea"/>
-                </a:rPr>
-                <a:t>eForm.jsp</a:t>
-              </a:r>
-              <a:r>
-                <a:rPr lang="en-US" altLang="ko-KR" b="1" dirty="0" smtClean="0">
-                  <a:latin typeface="+mn-ea"/>
-                  <a:ea typeface="+mn-ea"/>
-                </a:rPr>
-                <a:t>   </a:t>
-              </a:r>
-              <a:endParaRPr lang="ko-KR" altLang="en-US" sz="1400" b="1" dirty="0">
-                <a:latin typeface="+mn-ea"/>
-                <a:ea typeface="+mn-ea"/>
-              </a:endParaRPr>
-            </a:p>
-          </p:txBody>
-        </p:sp>
-      </p:grpSp>
-      <p:sp>
-        <p:nvSpPr>
-          <p:cNvPr id="129" name="직사각형 128">
-            <a:extLst>
-              <a:ext uri="{FF2B5EF4-FFF2-40B4-BE49-F238E27FC236}">
-                <a16:creationId xmlns:a16="http://schemas.microsoft.com/office/drawing/2014/main" id="{E18196BB-79FF-43E0-AA7E-5DC1D13D1460}"/>
-              </a:ext>
-            </a:extLst>
-          </p:cNvPr>
-          <p:cNvSpPr/>
-          <p:nvPr/>
-        </p:nvSpPr>
-        <p:spPr>
-          <a:xfrm>
-            <a:off x="1402972" y="18859688"/>
-            <a:ext cx="1487832" cy="412510"/>
-          </a:xfrm>
-          <a:prstGeom prst="rect">
-            <a:avLst/>
-          </a:prstGeom>
-          <a:solidFill>
-            <a:schemeClr val="bg1"/>
-          </a:solidFill>
-          <a:ln w="12700">
-            <a:prstDash val="lgDash"/>
-          </a:ln>
-        </p:spPr>
-        <p:style>
-          <a:lnRef idx="2">
-            <a:schemeClr val="accent1">
-              <a:shade val="50000"/>
-            </a:schemeClr>
-          </a:lnRef>
-          <a:fillRef idx="1">
-            <a:schemeClr val="accent1"/>
-          </a:fillRef>
-          <a:effectRef idx="0">
-            <a:schemeClr val="accent1"/>
-          </a:effectRef>
-          <a:fontRef idx="minor">
-            <a:schemeClr val="lt1"/>
-          </a:fontRef>
-        </p:style>
-        <p:txBody>
-          <a:bodyPr rtlCol="0" anchor="ctr"/>
-          <a:lstStyle/>
-          <a:p>
-            <a:pPr algn="ctr"/>
-            <a:r>
-              <a:rPr lang="ko-KR" altLang="en-US" dirty="0">
-                <a:solidFill>
-                  <a:schemeClr val="tx1"/>
-                </a:solidFill>
-              </a:rPr>
-              <a:t>요청화면</a:t>
-            </a:r>
-          </a:p>
-        </p:txBody>
-      </p:sp>
-      <p:cxnSp>
-        <p:nvCxnSpPr>
-          <p:cNvPr id="130" name="직선 화살표 연결선 129">
-            <a:extLst>
-              <a:ext uri="{FF2B5EF4-FFF2-40B4-BE49-F238E27FC236}">
-                <a16:creationId xmlns:a16="http://schemas.microsoft.com/office/drawing/2014/main" id="{E0808023-7204-4EE6-BC4C-9CC2737568F0}"/>
-              </a:ext>
-            </a:extLst>
-          </p:cNvPr>
-          <p:cNvCxnSpPr/>
-          <p:nvPr/>
-        </p:nvCxnSpPr>
-        <p:spPr>
-          <a:xfrm flipV="1">
-            <a:off x="2896393" y="18846094"/>
-            <a:ext cx="353462" cy="229729"/>
-          </a:xfrm>
-          <a:prstGeom prst="straightConnector1">
-            <a:avLst/>
-          </a:prstGeom>
-          <a:ln>
-            <a:tailEnd type="triangle"/>
-          </a:ln>
-        </p:spPr>
-        <p:style>
-          <a:lnRef idx="1">
-            <a:schemeClr val="accent1"/>
-          </a:lnRef>
-          <a:fillRef idx="0">
-            <a:schemeClr val="accent1"/>
-          </a:fillRef>
-          <a:effectRef idx="0">
-            <a:schemeClr val="accent1"/>
-          </a:effectRef>
-          <a:fontRef idx="minor">
-            <a:schemeClr val="tx1"/>
-          </a:fontRef>
-        </p:style>
-      </p:cxnSp>
-      <p:grpSp>
-        <p:nvGrpSpPr>
           <p:cNvPr id="142" name="그룹 141">
             <a:extLst>
               <a:ext uri="{FF2B5EF4-FFF2-40B4-BE49-F238E27FC236}">
@@ -16722,7 +15057,7 @@
         </p:nvGrpSpPr>
         <p:grpSpPr>
           <a:xfrm>
-            <a:off x="1292205" y="23553881"/>
+            <a:off x="1548214" y="16475313"/>
             <a:ext cx="32347997" cy="3212164"/>
             <a:chOff x="722835" y="2107852"/>
             <a:chExt cx="32347997" cy="3212164"/>
@@ -16824,7 +15159,7 @@
                   </a:solidFill>
                   <a:latin typeface="+mn-ea"/>
                 </a:rPr>
-                <a:t>/write</a:t>
+                <a:t>/modify</a:t>
               </a:r>
               <a:endParaRPr lang="en-US" altLang="ko-KR" b="1" dirty="0">
                 <a:solidFill>
@@ -16843,9 +15178,8 @@
                     <a:srgbClr val="FF0000"/>
                   </a:solidFill>
                   <a:latin typeface="+mn-ea"/>
-                  <a:ea typeface="+mn-ea"/>
-                </a:rPr>
-                <a:t>write</a:t>
+                </a:rPr>
+                <a:t>modify</a:t>
               </a:r>
               <a:r>
                 <a:rPr lang="en-US" altLang="ko-KR" b="1" dirty="0" smtClean="0">
@@ -17014,6 +15348,7 @@
                 <a:rPr lang="en-US" altLang="ko-KR" sz="1600" dirty="0">
                   <a:latin typeface="+mn-ea"/>
                   <a:ea typeface="+mn-ea"/>
+                  <a:hlinkClick r:id="rId3"/>
                 </a:rPr>
                 <a:t>http://</a:t>
               </a:r>
@@ -17021,6 +15356,7 @@
                 <a:rPr lang="en-US" altLang="ko-KR" sz="1600" dirty="0" smtClean="0">
                   <a:latin typeface="+mn-ea"/>
                   <a:ea typeface="+mn-ea"/>
+                  <a:hlinkClick r:id="rId3"/>
                 </a:rPr>
                 <a:t>localhost:8088/mysite5/board/</a:t>
               </a:r>
@@ -17029,7 +15365,7 @@
                   <a:latin typeface="+mn-ea"/>
                   <a:ea typeface="+mn-ea"/>
                 </a:rPr>
-                <a:t>write</a:t>
+                <a:t>modify</a:t>
               </a:r>
               <a:endParaRPr lang="en-US" altLang="ko-KR" sz="1600" dirty="0">
                 <a:latin typeface="+mn-ea"/>
@@ -17182,13 +15518,7 @@
                 <a:rPr lang="en-US" altLang="ko-KR" b="1" dirty="0" smtClean="0">
                   <a:latin typeface="+mn-ea"/>
                 </a:rPr>
-                <a:t>Insert</a:t>
-              </a:r>
-              <a:r>
-                <a:rPr lang="en-US" altLang="ko-KR" b="1" dirty="0" smtClean="0">
-                  <a:latin typeface="+mn-ea"/>
-                </a:rPr>
-                <a:t>(</a:t>
+                <a:t>update(</a:t>
               </a:r>
               <a:r>
                 <a:rPr lang="en-US" altLang="ko-KR" b="1" dirty="0" err="1" smtClean="0">
@@ -17252,7 +15582,7 @@
                 <a:rPr lang="en-US" altLang="ko-KR" b="1" dirty="0" smtClean="0">
                   <a:latin typeface="+mn-ea"/>
                 </a:rPr>
-                <a:t>insert</a:t>
+                <a:t>update</a:t>
               </a:r>
               <a:r>
                 <a:rPr lang="en-US" altLang="ko-KR" b="1" dirty="0" smtClean="0">
@@ -17272,7 +15602,7 @@
                   <a:latin typeface="+mn-ea"/>
                   <a:ea typeface="+mn-ea"/>
                 </a:rPr>
-                <a:t>.insert”,</a:t>
+                <a:t>.update”,</a:t>
               </a:r>
               <a:r>
                 <a:rPr lang="en-US" altLang="ko-KR" b="1" dirty="0" err="1" smtClean="0">
@@ -17337,7 +15667,27 @@
                   <a:latin typeface="+mn-ea"/>
                   <a:ea typeface="+mn-ea"/>
                 </a:rPr>
-                <a:t>id=“insert”</a:t>
+                <a:t>id</a:t>
+              </a:r>
+              <a:r>
+                <a:rPr lang="en-US" altLang="ko-KR" b="1" dirty="0" smtClean="0">
+                  <a:latin typeface="+mn-ea"/>
+                  <a:ea typeface="+mn-ea"/>
+                </a:rPr>
+                <a:t>=“</a:t>
+              </a:r>
+              <a:r>
+                <a:rPr lang="en-US" altLang="ko-KR" b="1" dirty="0" smtClean="0">
+                  <a:latin typeface="+mn-ea"/>
+                </a:rPr>
+                <a:t>update</a:t>
+              </a:r>
+              <a:r>
+                <a:rPr lang="en-US" altLang="ko-KR" b="1" dirty="0" smtClean="0">
+                  <a:latin typeface="+mn-ea"/>
+                  <a:ea typeface="+mn-ea"/>
+                </a:rPr>
+                <a:t>”</a:t>
               </a:r>
               <a:endParaRPr lang="ko-KR" altLang="en-US" sz="1400" b="1" dirty="0">
                 <a:latin typeface="+mn-ea"/>
@@ -17658,7 +16008,19 @@
                 <a:rPr lang="ko-KR" altLang="en-US" b="1" dirty="0" smtClean="0">
                   <a:latin typeface="+mn-ea"/>
                 </a:rPr>
-                <a:t>■방명록 글쓰기</a:t>
+                <a:t>■</a:t>
+              </a:r>
+              <a:r>
+                <a:rPr lang="ko-KR" altLang="en-US" b="1" dirty="0" smtClean="0">
+                  <a:latin typeface="+mn-ea"/>
+                </a:rPr>
+                <a:t>게시판</a:t>
+              </a:r>
+              <a:r>
+                <a:rPr lang="ko-KR" altLang="en-US" b="1" dirty="0" smtClean="0">
+                  <a:latin typeface="+mn-ea"/>
+                </a:rPr>
+                <a:t> 수정</a:t>
               </a:r>
               <a:endParaRPr lang="ko-KR" altLang="en-US" b="1" dirty="0">
                 <a:latin typeface="+mn-ea"/>
@@ -17762,11 +16124,27 @@
               </a:r>
               <a:r>
                 <a:rPr lang="ko-KR" altLang="en-US" dirty="0" smtClean="0"/>
-                <a:t>게시판 </a:t>
+                <a:t>수정된 내용 </a:t>
+              </a:r>
+              <a:r>
+                <a:rPr lang="ko-KR" altLang="en-US" dirty="0" err="1" smtClean="0"/>
+                <a:t>확인할수</a:t>
               </a:r>
               <a:r>
                 <a:rPr lang="ko-KR" altLang="en-US" dirty="0" smtClean="0"/>
-                <a:t>리스트</a:t>
+                <a:t> 있게 </a:t>
+              </a:r>
+              <a:r>
+                <a:rPr lang="ko-KR" altLang="en-US" dirty="0" err="1" smtClean="0"/>
+                <a:t>게시글로</a:t>
+              </a:r>
+              <a:r>
+                <a:rPr lang="ko-KR" altLang="en-US" dirty="0" smtClean="0"/>
+                <a:t> </a:t>
+              </a:r>
+              <a:r>
+                <a:rPr lang="en-US" altLang="ko-KR" dirty="0" smtClean="0"/>
+                <a:t>redirect</a:t>
               </a:r>
               <a:endParaRPr lang="en-US" altLang="ko-KR" dirty="0" smtClean="0"/>
             </a:p>
@@ -17900,7 +16278,7 @@
                 <a:rPr lang="en-US" altLang="ko-KR" b="1" dirty="0" smtClean="0">
                   <a:latin typeface="+mn-ea"/>
                 </a:rPr>
-                <a:t>write</a:t>
+                <a:t>modify</a:t>
               </a:r>
               <a:r>
                 <a:rPr lang="en-US" altLang="ko-KR" b="1" dirty="0" smtClean="0">
@@ -18060,8 +16438,8 @@
         </p:nvSpPr>
         <p:spPr bwMode="auto">
           <a:xfrm>
-            <a:off x="10748115" y="21938879"/>
-            <a:ext cx="5130959" cy="2646878"/>
+            <a:off x="8477235" y="15635814"/>
+            <a:ext cx="5130959" cy="1600438"/>
           </a:xfrm>
           <a:prstGeom prst="rect">
             <a:avLst/>
@@ -18171,118 +16549,21 @@
               <a:t>    </a:t>
             </a:r>
             <a:r>
-              <a:rPr lang="en-US" altLang="ko-KR" sz="1400" dirty="0" err="1" smtClean="0">
+              <a:rPr lang="en-US" altLang="ko-KR" sz="1400" dirty="0">
+                <a:latin typeface="+mn-ea"/>
+              </a:rPr>
+              <a:t>n</a:t>
+            </a:r>
+            <a:r>
+              <a:rPr lang="en-US" altLang="ko-KR" sz="1400" dirty="0" smtClean="0">
                 <a:latin typeface="+mn-ea"/>
                 <a:ea typeface="+mn-ea"/>
               </a:rPr>
-              <a:t>userNo</a:t>
-            </a:r>
-            <a:r>
-              <a:rPr lang="en-US" altLang="ko-KR" sz="1400" dirty="0" smtClean="0">
-                <a:latin typeface="+mn-ea"/>
-                <a:ea typeface="+mn-ea"/>
-              </a:rPr>
-              <a:t>= 121	}</a:t>
+              <a:t>o= 121	}</a:t>
             </a:r>
             <a:endParaRPr lang="en-US" altLang="ko-KR" sz="1400" dirty="0">
               <a:latin typeface="+mn-ea"/>
               <a:ea typeface="+mn-ea"/>
-            </a:endParaRPr>
-          </a:p>
-          <a:p>
-            <a:pPr eaLnBrk="1" latinLnBrk="1" hangingPunct="1">
-              <a:defRPr/>
-            </a:pPr>
-            <a:r>
-              <a:rPr lang="ko-KR" altLang="en-US" sz="1400" dirty="0" smtClean="0">
-                <a:latin typeface="+mn-ea"/>
-              </a:rPr>
-              <a:t>세션으로 </a:t>
-            </a:r>
-            <a:r>
-              <a:rPr lang="en-US" altLang="ko-KR" sz="1400" dirty="0" err="1" smtClean="0">
-                <a:latin typeface="+mn-ea"/>
-              </a:rPr>
-              <a:t>userNo</a:t>
-            </a:r>
-            <a:r>
-              <a:rPr lang="en-US" altLang="ko-KR" sz="1400" dirty="0" smtClean="0">
-                <a:latin typeface="+mn-ea"/>
-              </a:rPr>
-              <a:t> </a:t>
-            </a:r>
-            <a:r>
-              <a:rPr lang="ko-KR" altLang="en-US" sz="1400" dirty="0" smtClean="0">
-                <a:latin typeface="+mn-ea"/>
-              </a:rPr>
-              <a:t>삽입</a:t>
-            </a:r>
-            <a:endParaRPr lang="en-US" altLang="ko-KR" sz="1400" dirty="0" smtClean="0">
-              <a:latin typeface="+mn-ea"/>
-              <a:ea typeface="+mn-ea"/>
-            </a:endParaRPr>
-          </a:p>
-          <a:p>
-            <a:r>
-              <a:rPr lang="en-US" altLang="ko-KR" dirty="0" err="1"/>
-              <a:t>UserVo</a:t>
-            </a:r>
-            <a:r>
-              <a:rPr lang="en-US" altLang="ko-KR" dirty="0"/>
-              <a:t> </a:t>
-            </a:r>
-            <a:r>
-              <a:rPr lang="en-US" altLang="ko-KR" dirty="0" err="1"/>
-              <a:t>authUser</a:t>
-            </a:r>
-            <a:r>
-              <a:rPr lang="en-US" altLang="ko-KR" dirty="0"/>
-              <a:t> = (</a:t>
-            </a:r>
-            <a:r>
-              <a:rPr lang="en-US" altLang="ko-KR" dirty="0" err="1"/>
-              <a:t>UserVo</a:t>
-            </a:r>
-            <a:r>
-              <a:rPr lang="en-US" altLang="ko-KR" dirty="0"/>
-              <a:t>)</a:t>
-            </a:r>
-            <a:r>
-              <a:rPr lang="en-US" altLang="ko-KR" dirty="0" err="1"/>
-              <a:t>session.getAttribute</a:t>
-            </a:r>
-            <a:r>
-              <a:rPr lang="en-US" altLang="ko-KR" dirty="0"/>
-              <a:t>("</a:t>
-            </a:r>
-            <a:r>
-              <a:rPr lang="en-US" altLang="ko-KR" dirty="0" err="1"/>
-              <a:t>authUser</a:t>
-            </a:r>
-            <a:r>
-              <a:rPr lang="en-US" altLang="ko-KR" dirty="0"/>
-              <a:t>");</a:t>
-            </a:r>
-          </a:p>
-          <a:p>
-            <a:r>
-              <a:rPr lang="en-US" altLang="ko-KR" dirty="0" err="1"/>
-              <a:t>boVo.setUserNo</a:t>
-            </a:r>
-            <a:r>
-              <a:rPr lang="en-US" altLang="ko-KR" dirty="0"/>
-              <a:t>(</a:t>
-            </a:r>
-            <a:r>
-              <a:rPr lang="en-US" altLang="ko-KR" dirty="0" err="1"/>
-              <a:t>authUser.getNo</a:t>
-            </a:r>
-            <a:r>
-              <a:rPr lang="en-US" altLang="ko-KR" dirty="0"/>
-              <a:t>());</a:t>
-            </a:r>
-            <a:endParaRPr lang="en-US" altLang="ko-KR" sz="1400" dirty="0">
-              <a:latin typeface="+mn-ea"/>
             </a:endParaRPr>
           </a:p>
           <a:p>
@@ -18319,8 +16600,8 @@
         </p:nvSpPr>
         <p:spPr bwMode="auto">
           <a:xfrm>
-            <a:off x="10777159" y="25162644"/>
-            <a:ext cx="2954779" cy="369332"/>
+            <a:off x="10719825" y="18185699"/>
+            <a:ext cx="2954779" cy="1754326"/>
           </a:xfrm>
           <a:prstGeom prst="rect">
             <a:avLst/>
@@ -18333,20 +16614,72 @@
           </a:bodyPr>
           <a:lstStyle/>
           <a:p>
-            <a:pPr eaLnBrk="1" latinLnBrk="1" hangingPunct="1">
+            <a:pPr latinLnBrk="1">
               <a:defRPr/>
             </a:pPr>
             <a:r>
-              <a:rPr lang="en-US" altLang="ko-KR" b="1" dirty="0" err="1" smtClean="0">
+              <a:rPr lang="en-US" altLang="ko-KR" dirty="0"/>
+              <a:t>"</a:t>
+            </a:r>
+            <a:r>
+              <a:rPr lang="en-US" altLang="ko-KR" dirty="0" err="1"/>
+              <a:t>redirect:read?no</a:t>
+            </a:r>
+            <a:r>
+              <a:rPr lang="en-US" altLang="ko-KR" dirty="0"/>
+              <a:t>="+</a:t>
+            </a:r>
+            <a:r>
+              <a:rPr lang="en-US" altLang="ko-KR" dirty="0" err="1"/>
+              <a:t>modiPost.getNo</a:t>
+            </a:r>
+            <a:r>
+              <a:rPr lang="en-US" altLang="ko-KR" dirty="0" smtClean="0"/>
+              <a:t>();</a:t>
+            </a:r>
+          </a:p>
+          <a:p>
+            <a:pPr latinLnBrk="1">
+              <a:defRPr/>
+            </a:pPr>
+            <a:endParaRPr lang="en-US" altLang="ko-KR" b="1" dirty="0">
+              <a:latin typeface="+mn-ea"/>
+              <a:ea typeface="+mn-ea"/>
+            </a:endParaRPr>
+          </a:p>
+          <a:p>
+            <a:pPr latinLnBrk="1">
+              <a:defRPr/>
+            </a:pPr>
+            <a:r>
+              <a:rPr lang="ko-KR" altLang="en-US" b="1" dirty="0" smtClean="0">
                 <a:latin typeface="+mn-ea"/>
               </a:rPr>
-              <a:t>Redirect:</a:t>
-            </a:r>
-            <a:r>
-              <a:rPr lang="en-US" altLang="ko-KR" b="1" dirty="0" err="1" smtClean="0">
+              <a:t>수정 후 수정한 내용 확인가능하게 </a:t>
+            </a:r>
+            <a:r>
+              <a:rPr lang="ko-KR" altLang="en-US" b="1" dirty="0" smtClean="0">
                 <a:latin typeface="+mn-ea"/>
               </a:rPr>
-              <a:t>list</a:t>
+              <a:t>수정된 </a:t>
+            </a:r>
+            <a:r>
+              <a:rPr lang="ko-KR" altLang="en-US" b="1" dirty="0" err="1" smtClean="0">
+                <a:latin typeface="+mn-ea"/>
+              </a:rPr>
+              <a:t>게시글</a:t>
+            </a:r>
+            <a:r>
+              <a:rPr lang="ko-KR" altLang="en-US" b="1" dirty="0" smtClean="0">
+                <a:latin typeface="+mn-ea"/>
+              </a:rPr>
+              <a:t> 화면으로 </a:t>
+            </a:r>
+            <a:r>
+              <a:rPr lang="en-US" altLang="ko-KR" b="1" dirty="0" smtClean="0">
+                <a:latin typeface="+mn-ea"/>
+              </a:rPr>
+              <a:t>redirect</a:t>
             </a:r>
             <a:r>
               <a:rPr lang="en-US" altLang="ko-KR" b="1" dirty="0" smtClean="0">
@@ -18376,7 +16709,7 @@
         </p:nvSpPr>
         <p:spPr bwMode="auto">
           <a:xfrm>
-            <a:off x="8031977" y="25279648"/>
+            <a:off x="8970084" y="18216477"/>
             <a:ext cx="2954779" cy="307777"/>
           </a:xfrm>
           <a:prstGeom prst="rect">
@@ -18396,9 +16729,15 @@
             <a:r>
               <a:rPr lang="en-US" altLang="ko-KR" sz="1400" b="1" dirty="0" err="1" smtClean="0">
                 <a:latin typeface="+mn-ea"/>
+              </a:rPr>
+              <a:t>read</a:t>
+            </a:r>
+            <a:r>
+              <a:rPr lang="en-US" altLang="ko-KR" sz="1400" b="1" dirty="0" err="1" smtClean="0">
+                <a:latin typeface="+mn-ea"/>
                 <a:ea typeface="+mn-ea"/>
               </a:rPr>
-              <a:t>List.jsp</a:t>
+              <a:t>.jsp</a:t>
             </a:r>
             <a:endParaRPr lang="ko-KR" altLang="en-US" sz="1400" b="1" dirty="0">
               <a:latin typeface="+mn-ea"/>
@@ -18525,7 +16864,7 @@
         </p:nvSpPr>
         <p:spPr bwMode="auto">
           <a:xfrm>
-            <a:off x="19176842" y="24874230"/>
+            <a:off x="19400305" y="17873341"/>
             <a:ext cx="660188" cy="369332"/>
           </a:xfrm>
           <a:prstGeom prst="rect">
@@ -18570,7 +16909,7 @@
         </p:nvSpPr>
         <p:spPr bwMode="auto">
           <a:xfrm>
-            <a:off x="14829799" y="24791255"/>
+            <a:off x="15348983" y="17765430"/>
             <a:ext cx="660188" cy="369332"/>
           </a:xfrm>
           <a:prstGeom prst="rect">
@@ -18593,56 +16932,6 @@
                 <a:ea typeface="+mn-ea"/>
               </a:rPr>
               <a:t>void</a:t>
-            </a:r>
-            <a:endParaRPr lang="ko-KR" altLang="en-US" sz="1400" b="1" dirty="0">
-              <a:latin typeface="+mn-ea"/>
-              <a:ea typeface="+mn-ea"/>
-            </a:endParaRPr>
-          </a:p>
-        </p:txBody>
-      </p:sp>
-      <p:sp>
-        <p:nvSpPr>
-          <p:cNvPr id="183" name="TextBox 182">
-            <a:extLst>
-              <a:ext uri="{FF2B5EF4-FFF2-40B4-BE49-F238E27FC236}">
-                <a16:creationId xmlns:a16="http://schemas.microsoft.com/office/drawing/2014/main" id="{30BFE079-32C9-46BD-BBC6-0A21E3A3BDDF}"/>
-              </a:ext>
-            </a:extLst>
-          </p:cNvPr>
-          <p:cNvSpPr txBox="1"/>
-          <p:nvPr/>
-        </p:nvSpPr>
-        <p:spPr bwMode="auto">
-          <a:xfrm>
-            <a:off x="10955613" y="10685587"/>
-            <a:ext cx="2140861" cy="369332"/>
-          </a:xfrm>
-          <a:prstGeom prst="rect">
-            <a:avLst/>
-          </a:prstGeom>
-          <a:noFill/>
-        </p:spPr>
-        <p:txBody>
-          <a:bodyPr wrap="square">
-            <a:spAutoFit/>
-          </a:bodyPr>
-          <a:lstStyle/>
-          <a:p>
-            <a:pPr eaLnBrk="1" latinLnBrk="1" hangingPunct="1">
-              <a:defRPr/>
-            </a:pPr>
-            <a:r>
-              <a:rPr lang="en-US" altLang="ko-KR" b="1" dirty="0" err="1" smtClean="0">
-                <a:latin typeface="+mn-ea"/>
-              </a:rPr>
-              <a:t>Redirect:</a:t>
-            </a:r>
-            <a:r>
-              <a:rPr lang="en-US" altLang="ko-KR" b="1" dirty="0" err="1" smtClean="0">
-                <a:latin typeface="+mn-ea"/>
-              </a:rPr>
-              <a:t>List</a:t>
             </a:r>
             <a:endParaRPr lang="ko-KR" altLang="en-US" sz="1400" b="1" dirty="0">
               <a:latin typeface="+mn-ea"/>
@@ -18665,7 +16954,7 @@
         </p:nvSpPr>
         <p:spPr bwMode="auto">
           <a:xfrm>
-            <a:off x="29035157" y="23650705"/>
+            <a:off x="30858590" y="16741414"/>
             <a:ext cx="3761283" cy="338554"/>
           </a:xfrm>
           <a:prstGeom prst="rect">
@@ -18727,7 +17016,7 @@
         </p:nvSpPr>
         <p:spPr bwMode="auto">
           <a:xfrm>
-            <a:off x="9856286" y="4298563"/>
+            <a:off x="8649978" y="4265157"/>
             <a:ext cx="2140861" cy="307777"/>
           </a:xfrm>
           <a:prstGeom prst="rect">
@@ -18924,7 +17213,7 @@
         </p:nvSpPr>
         <p:spPr bwMode="auto">
           <a:xfrm>
-            <a:off x="19300968" y="5426362"/>
+            <a:off x="15247443" y="5413104"/>
             <a:ext cx="1230128" cy="338554"/>
           </a:xfrm>
           <a:prstGeom prst="rect">
@@ -18998,6 +17287,2229 @@
             </a:r>
             <a:endParaRPr lang="ko-KR" altLang="en-US" sz="1400" b="1" dirty="0">
               <a:latin typeface="+mn-ea"/>
+            </a:endParaRPr>
+          </a:p>
+        </p:txBody>
+      </p:sp>
+      <p:sp>
+        <p:nvSpPr>
+          <p:cNvPr id="131" name="TextBox 130">
+            <a:extLst>
+              <a:ext uri="{FF2B5EF4-FFF2-40B4-BE49-F238E27FC236}">
+                <a16:creationId xmlns:a16="http://schemas.microsoft.com/office/drawing/2014/main" id="{7872AF4C-6470-4585-858D-7587540E379C}"/>
+              </a:ext>
+            </a:extLst>
+          </p:cNvPr>
+          <p:cNvSpPr txBox="1"/>
+          <p:nvPr/>
+        </p:nvSpPr>
+        <p:spPr bwMode="auto">
+          <a:xfrm>
+            <a:off x="16347720" y="6550727"/>
+            <a:ext cx="1804079" cy="646331"/>
+          </a:xfrm>
+          <a:prstGeom prst="rect">
+            <a:avLst/>
+          </a:prstGeom>
+          <a:noFill/>
+        </p:spPr>
+        <p:txBody>
+          <a:bodyPr wrap="square">
+            <a:spAutoFit/>
+          </a:bodyPr>
+          <a:lstStyle/>
+          <a:p>
+            <a:pPr eaLnBrk="1" latinLnBrk="1" hangingPunct="1">
+              <a:defRPr/>
+            </a:pPr>
+            <a:r>
+              <a:rPr lang="en-US" altLang="ko-KR" b="1" dirty="0" err="1" smtClean="0">
+                <a:latin typeface="+mn-ea"/>
+              </a:rPr>
+              <a:t>updateHit</a:t>
+            </a:r>
+            <a:r>
+              <a:rPr lang="en-US" altLang="ko-KR" b="1" dirty="0" smtClean="0">
+                <a:latin typeface="+mn-ea"/>
+                <a:ea typeface="+mn-ea"/>
+              </a:rPr>
+              <a:t>(</a:t>
+            </a:r>
+            <a:r>
+              <a:rPr lang="en-US" altLang="ko-KR" b="1" dirty="0" err="1" smtClean="0">
+                <a:latin typeface="+mn-ea"/>
+                <a:ea typeface="+mn-ea"/>
+              </a:rPr>
+              <a:t>int</a:t>
+            </a:r>
+            <a:r>
+              <a:rPr lang="en-US" altLang="ko-KR" b="1" dirty="0" smtClean="0">
+                <a:latin typeface="+mn-ea"/>
+                <a:ea typeface="+mn-ea"/>
+              </a:rPr>
+              <a:t> no)</a:t>
+            </a:r>
+            <a:endParaRPr lang="ko-KR" altLang="en-US" sz="1400" b="1" dirty="0">
+              <a:latin typeface="+mn-ea"/>
+              <a:ea typeface="+mn-ea"/>
+            </a:endParaRPr>
+          </a:p>
+        </p:txBody>
+      </p:sp>
+      <p:sp>
+        <p:nvSpPr>
+          <p:cNvPr id="135" name="TextBox 134">
+            <a:extLst>
+              <a:ext uri="{FF2B5EF4-FFF2-40B4-BE49-F238E27FC236}">
+                <a16:creationId xmlns:a16="http://schemas.microsoft.com/office/drawing/2014/main" id="{7872AF4C-6470-4585-858D-7587540E379C}"/>
+              </a:ext>
+            </a:extLst>
+          </p:cNvPr>
+          <p:cNvSpPr txBox="1"/>
+          <p:nvPr/>
+        </p:nvSpPr>
+        <p:spPr bwMode="auto">
+          <a:xfrm>
+            <a:off x="20354496" y="6513981"/>
+            <a:ext cx="1804079" cy="646331"/>
+          </a:xfrm>
+          <a:prstGeom prst="rect">
+            <a:avLst/>
+          </a:prstGeom>
+          <a:noFill/>
+        </p:spPr>
+        <p:txBody>
+          <a:bodyPr wrap="square">
+            <a:spAutoFit/>
+          </a:bodyPr>
+          <a:lstStyle/>
+          <a:p>
+            <a:pPr eaLnBrk="1" latinLnBrk="1" hangingPunct="1">
+              <a:defRPr/>
+            </a:pPr>
+            <a:r>
+              <a:rPr lang="en-US" altLang="ko-KR" b="1" dirty="0" err="1" smtClean="0">
+                <a:latin typeface="+mn-ea"/>
+              </a:rPr>
+              <a:t>updateHit</a:t>
+            </a:r>
+            <a:r>
+              <a:rPr lang="en-US" altLang="ko-KR" b="1" dirty="0" smtClean="0">
+                <a:latin typeface="+mn-ea"/>
+                <a:ea typeface="+mn-ea"/>
+              </a:rPr>
+              <a:t>(</a:t>
+            </a:r>
+            <a:r>
+              <a:rPr lang="en-US" altLang="ko-KR" b="1" dirty="0" err="1" smtClean="0">
+                <a:latin typeface="+mn-ea"/>
+                <a:ea typeface="+mn-ea"/>
+              </a:rPr>
+              <a:t>int</a:t>
+            </a:r>
+            <a:r>
+              <a:rPr lang="en-US" altLang="ko-KR" b="1" dirty="0" smtClean="0">
+                <a:latin typeface="+mn-ea"/>
+                <a:ea typeface="+mn-ea"/>
+              </a:rPr>
+              <a:t> no)</a:t>
+            </a:r>
+            <a:endParaRPr lang="ko-KR" altLang="en-US" sz="1400" b="1" dirty="0">
+              <a:latin typeface="+mn-ea"/>
+              <a:ea typeface="+mn-ea"/>
+            </a:endParaRPr>
+          </a:p>
+        </p:txBody>
+      </p:sp>
+      <p:sp>
+        <p:nvSpPr>
+          <p:cNvPr id="141" name="TextBox 140">
+            <a:extLst>
+              <a:ext uri="{FF2B5EF4-FFF2-40B4-BE49-F238E27FC236}">
+                <a16:creationId xmlns:a16="http://schemas.microsoft.com/office/drawing/2014/main" id="{4B619FE1-9B5E-4450-ABDD-AEAC4B3BD700}"/>
+              </a:ext>
+            </a:extLst>
+          </p:cNvPr>
+          <p:cNvSpPr txBox="1"/>
+          <p:nvPr/>
+        </p:nvSpPr>
+        <p:spPr bwMode="auto">
+          <a:xfrm>
+            <a:off x="24403361" y="6492846"/>
+            <a:ext cx="3197502" cy="646331"/>
+          </a:xfrm>
+          <a:prstGeom prst="rect">
+            <a:avLst/>
+          </a:prstGeom>
+          <a:noFill/>
+        </p:spPr>
+        <p:txBody>
+          <a:bodyPr wrap="square">
+            <a:spAutoFit/>
+          </a:bodyPr>
+          <a:lstStyle/>
+          <a:p>
+            <a:pPr eaLnBrk="1" latinLnBrk="1" hangingPunct="1">
+              <a:defRPr/>
+            </a:pPr>
+            <a:r>
+              <a:rPr lang="en-US" altLang="ko-KR" b="1" dirty="0" smtClean="0">
+                <a:latin typeface="+mn-ea"/>
+              </a:rPr>
+              <a:t>update</a:t>
+            </a:r>
+            <a:r>
+              <a:rPr lang="en-US" altLang="ko-KR" b="1" dirty="0" smtClean="0">
+                <a:latin typeface="+mn-ea"/>
+                <a:ea typeface="+mn-ea"/>
+              </a:rPr>
+              <a:t>(“</a:t>
+            </a:r>
+            <a:r>
+              <a:rPr lang="en-US" altLang="ko-KR" b="1" dirty="0" err="1" smtClean="0">
+                <a:latin typeface="+mn-ea"/>
+              </a:rPr>
+              <a:t>board.updateHit</a:t>
+            </a:r>
+            <a:r>
+              <a:rPr lang="en-US" altLang="ko-KR" b="1" dirty="0" smtClean="0">
+                <a:latin typeface="+mn-ea"/>
+                <a:ea typeface="+mn-ea"/>
+              </a:rPr>
+              <a:t>”, no)</a:t>
+            </a:r>
+            <a:endParaRPr lang="ko-KR" altLang="en-US" sz="1400" b="1" dirty="0">
+              <a:latin typeface="+mn-ea"/>
+              <a:ea typeface="+mn-ea"/>
+            </a:endParaRPr>
+          </a:p>
+        </p:txBody>
+      </p:sp>
+      <p:sp>
+        <p:nvSpPr>
+          <p:cNvPr id="185" name="TextBox 184">
+            <a:extLst>
+              <a:ext uri="{FF2B5EF4-FFF2-40B4-BE49-F238E27FC236}">
+                <a16:creationId xmlns:a16="http://schemas.microsoft.com/office/drawing/2014/main" id="{792ACAF0-3636-405A-8793-68B72E51E5CA}"/>
+              </a:ext>
+            </a:extLst>
+          </p:cNvPr>
+          <p:cNvSpPr txBox="1"/>
+          <p:nvPr/>
+        </p:nvSpPr>
+        <p:spPr bwMode="auto">
+          <a:xfrm>
+            <a:off x="29352606" y="6055349"/>
+            <a:ext cx="2582504" cy="584775"/>
+          </a:xfrm>
+          <a:prstGeom prst="rect">
+            <a:avLst/>
+          </a:prstGeom>
+          <a:noFill/>
+        </p:spPr>
+        <p:txBody>
+          <a:bodyPr wrap="square">
+            <a:spAutoFit/>
+          </a:bodyPr>
+          <a:lstStyle/>
+          <a:p>
+            <a:pPr eaLnBrk="1" latinLnBrk="1" hangingPunct="1">
+              <a:defRPr/>
+            </a:pPr>
+            <a:r>
+              <a:rPr lang="en-US" altLang="ko-KR" sz="1600" b="1" dirty="0" err="1">
+                <a:latin typeface="+mn-ea"/>
+              </a:rPr>
+              <a:t>parameterType</a:t>
+            </a:r>
+            <a:r>
+              <a:rPr lang="en-US" altLang="ko-KR" sz="1600" b="1" dirty="0">
+                <a:latin typeface="+mn-ea"/>
+              </a:rPr>
+              <a:t> </a:t>
+            </a:r>
+            <a:r>
+              <a:rPr lang="en-US" altLang="ko-KR" sz="1600" b="1" dirty="0" err="1" smtClean="0">
+                <a:latin typeface="+mn-ea"/>
+              </a:rPr>
+              <a:t>int</a:t>
+            </a:r>
+            <a:r>
+              <a:rPr lang="en-US" altLang="ko-KR" sz="1600" b="1" dirty="0" smtClean="0">
+                <a:latin typeface="+mn-ea"/>
+              </a:rPr>
+              <a:t> no</a:t>
+            </a:r>
+          </a:p>
+          <a:p>
+            <a:pPr eaLnBrk="1" latinLnBrk="1" hangingPunct="1">
+              <a:defRPr/>
+            </a:pPr>
+            <a:endParaRPr lang="en-US" altLang="ko-KR" sz="1600" b="1" dirty="0">
+              <a:latin typeface="+mn-ea"/>
+              <a:ea typeface="+mn-ea"/>
+            </a:endParaRPr>
+          </a:p>
+        </p:txBody>
+      </p:sp>
+      <p:grpSp>
+        <p:nvGrpSpPr>
+          <p:cNvPr id="188" name="그룹 187">
+            <a:extLst>
+              <a:ext uri="{FF2B5EF4-FFF2-40B4-BE49-F238E27FC236}">
+                <a16:creationId xmlns:a16="http://schemas.microsoft.com/office/drawing/2014/main" id="{548EF70A-EC4C-4666-BA65-F4E82A9843D9}"/>
+              </a:ext>
+            </a:extLst>
+          </p:cNvPr>
+          <p:cNvGrpSpPr/>
+          <p:nvPr/>
+        </p:nvGrpSpPr>
+        <p:grpSpPr>
+          <a:xfrm>
+            <a:off x="1637216" y="9921821"/>
+            <a:ext cx="32347997" cy="3212164"/>
+            <a:chOff x="722835" y="2107852"/>
+            <a:chExt cx="32347997" cy="3212164"/>
+          </a:xfrm>
+        </p:grpSpPr>
+        <p:cxnSp>
+          <p:nvCxnSpPr>
+            <p:cNvPr id="189" name="직선 화살표 연결선 188">
+              <a:extLst>
+                <a:ext uri="{FF2B5EF4-FFF2-40B4-BE49-F238E27FC236}">
+                  <a16:creationId xmlns:a16="http://schemas.microsoft.com/office/drawing/2014/main" id="{2C13C8F8-5A0D-4E07-8ED9-4BA16EA55470}"/>
+                </a:ext>
+              </a:extLst>
+            </p:cNvPr>
+            <p:cNvCxnSpPr>
+              <a:cxnSpLocks/>
+              <a:stCxn id="191" idx="3"/>
+            </p:cNvCxnSpPr>
+            <p:nvPr/>
+          </p:nvCxnSpPr>
+          <p:spPr bwMode="auto">
+            <a:xfrm flipV="1">
+              <a:off x="6081040" y="2864244"/>
+              <a:ext cx="5049528" cy="14586"/>
+            </a:xfrm>
+            <a:prstGeom prst="straightConnector1">
+              <a:avLst/>
+            </a:prstGeom>
+            <a:ln w="38100">
+              <a:solidFill>
+                <a:srgbClr val="C00000"/>
+              </a:solidFill>
+              <a:tailEnd type="arrow"/>
+            </a:ln>
+          </p:spPr>
+          <p:style>
+            <a:lnRef idx="1">
+              <a:schemeClr val="accent1"/>
+            </a:lnRef>
+            <a:fillRef idx="0">
+              <a:schemeClr val="accent1"/>
+            </a:fillRef>
+            <a:effectRef idx="0">
+              <a:schemeClr val="accent1"/>
+            </a:effectRef>
+            <a:fontRef idx="minor">
+              <a:schemeClr val="tx1"/>
+            </a:fontRef>
+          </p:style>
+        </p:cxnSp>
+        <p:sp>
+          <p:nvSpPr>
+            <p:cNvPr id="190" name="TextBox 189">
+              <a:extLst>
+                <a:ext uri="{FF2B5EF4-FFF2-40B4-BE49-F238E27FC236}">
+                  <a16:creationId xmlns:a16="http://schemas.microsoft.com/office/drawing/2014/main" id="{3174D64B-44B6-4782-BE67-3D66E146419A}"/>
+                </a:ext>
+              </a:extLst>
+            </p:cNvPr>
+            <p:cNvSpPr txBox="1"/>
+            <p:nvPr/>
+          </p:nvSpPr>
+          <p:spPr bwMode="auto">
+            <a:xfrm>
+              <a:off x="11116250" y="2684931"/>
+              <a:ext cx="2941561" cy="646331"/>
+            </a:xfrm>
+            <a:prstGeom prst="rect">
+              <a:avLst/>
+            </a:prstGeom>
+            <a:noFill/>
+          </p:spPr>
+          <p:txBody>
+            <a:bodyPr wrap="square">
+              <a:spAutoFit/>
+            </a:bodyPr>
+            <a:lstStyle/>
+            <a:p>
+              <a:pPr eaLnBrk="1" latinLnBrk="1" hangingPunct="1">
+                <a:defRPr/>
+              </a:pPr>
+              <a:r>
+                <a:rPr lang="en-US" altLang="ko-KR" b="1" dirty="0" smtClean="0">
+                  <a:latin typeface="+mn-ea"/>
+                  <a:ea typeface="+mn-ea"/>
+                </a:rPr>
+                <a:t>/</a:t>
+              </a:r>
+              <a:r>
+                <a:rPr lang="en-US" altLang="ko-KR" b="1" dirty="0" smtClean="0">
+                  <a:latin typeface="+mn-ea"/>
+                </a:rPr>
+                <a:t>board</a:t>
+              </a:r>
+              <a:r>
+                <a:rPr lang="en-US" altLang="ko-KR" b="1" dirty="0" smtClean="0">
+                  <a:solidFill>
+                    <a:srgbClr val="FF0000"/>
+                  </a:solidFill>
+                  <a:latin typeface="+mn-ea"/>
+                </a:rPr>
+                <a:t>/</a:t>
+              </a:r>
+              <a:r>
+                <a:rPr lang="en-US" altLang="ko-KR" b="1" dirty="0" err="1" smtClean="0">
+                  <a:solidFill>
+                    <a:srgbClr val="FF0000"/>
+                  </a:solidFill>
+                  <a:latin typeface="+mn-ea"/>
+                </a:rPr>
+                <a:t>modifyForm</a:t>
+              </a:r>
+              <a:endParaRPr lang="en-US" altLang="ko-KR" b="1" dirty="0">
+                <a:solidFill>
+                  <a:srgbClr val="FF0000"/>
+                </a:solidFill>
+                <a:latin typeface="+mn-ea"/>
+              </a:endParaRPr>
+            </a:p>
+            <a:p>
+              <a:pPr eaLnBrk="1" latinLnBrk="1" hangingPunct="1">
+                <a:defRPr/>
+              </a:pPr>
+              <a:r>
+                <a:rPr lang="en-US" altLang="ko-KR" b="1" dirty="0" err="1" smtClean="0">
+                  <a:solidFill>
+                    <a:srgbClr val="FF0000"/>
+                  </a:solidFill>
+                  <a:latin typeface="+mn-ea"/>
+                </a:rPr>
+                <a:t>modifyForm</a:t>
+              </a:r>
+              <a:r>
+                <a:rPr lang="en-US" altLang="ko-KR" b="1" dirty="0" smtClean="0">
+                  <a:latin typeface="+mn-ea"/>
+                  <a:ea typeface="+mn-ea"/>
+                </a:rPr>
+                <a:t>()</a:t>
+              </a:r>
+              <a:endParaRPr lang="en-US" altLang="ko-KR" b="1" dirty="0">
+                <a:latin typeface="+mn-ea"/>
+                <a:ea typeface="+mn-ea"/>
+              </a:endParaRPr>
+            </a:p>
+          </p:txBody>
+        </p:sp>
+        <p:sp>
+          <p:nvSpPr>
+            <p:cNvPr id="191" name="직사각형 7">
+              <a:extLst>
+                <a:ext uri="{FF2B5EF4-FFF2-40B4-BE49-F238E27FC236}">
+                  <a16:creationId xmlns:a16="http://schemas.microsoft.com/office/drawing/2014/main" id="{AE8C3CD8-2747-43B5-86A0-B18F62125C37}"/>
+                </a:ext>
+              </a:extLst>
+            </p:cNvPr>
+            <p:cNvSpPr>
+              <a:spLocks noChangeArrowheads="1"/>
+            </p:cNvSpPr>
+            <p:nvPr/>
+          </p:nvSpPr>
+          <p:spPr bwMode="auto">
+            <a:xfrm>
+              <a:off x="840371" y="2684931"/>
+              <a:ext cx="5240669" cy="387798"/>
+            </a:xfrm>
+            <a:prstGeom prst="rect">
+              <a:avLst/>
+            </a:prstGeom>
+            <a:solidFill>
+              <a:schemeClr val="bg1">
+                <a:lumMod val="85000"/>
+              </a:schemeClr>
+            </a:solidFill>
+            <a:ln>
+              <a:noFill/>
+            </a:ln>
+          </p:spPr>
+          <p:txBody>
+            <a:bodyPr wrap="square">
+              <a:spAutoFit/>
+            </a:bodyPr>
+            <a:lstStyle>
+              <a:lvl1pPr latinLnBrk="1">
+                <a:defRPr kumimoji="1">
+                  <a:solidFill>
+                    <a:schemeClr val="tx1"/>
+                  </a:solidFill>
+                  <a:latin typeface="맑은 고딕" panose="020B0503020000020004" pitchFamily="50" charset="-127"/>
+                  <a:ea typeface="굴림" panose="020B0600000101010101" pitchFamily="50" charset="-127"/>
+                </a:defRPr>
+              </a:lvl1pPr>
+              <a:lvl2pPr marL="742950" indent="-285750" latinLnBrk="1">
+                <a:defRPr kumimoji="1">
+                  <a:solidFill>
+                    <a:schemeClr val="tx1"/>
+                  </a:solidFill>
+                  <a:latin typeface="맑은 고딕" panose="020B0503020000020004" pitchFamily="50" charset="-127"/>
+                  <a:ea typeface="굴림" panose="020B0600000101010101" pitchFamily="50" charset="-127"/>
+                </a:defRPr>
+              </a:lvl2pPr>
+              <a:lvl3pPr marL="1143000" indent="-228600" latinLnBrk="1">
+                <a:defRPr kumimoji="1">
+                  <a:solidFill>
+                    <a:schemeClr val="tx1"/>
+                  </a:solidFill>
+                  <a:latin typeface="맑은 고딕" panose="020B0503020000020004" pitchFamily="50" charset="-127"/>
+                  <a:ea typeface="굴림" panose="020B0600000101010101" pitchFamily="50" charset="-127"/>
+                </a:defRPr>
+              </a:lvl3pPr>
+              <a:lvl4pPr marL="1600200" indent="-228600" latinLnBrk="1">
+                <a:defRPr kumimoji="1">
+                  <a:solidFill>
+                    <a:schemeClr val="tx1"/>
+                  </a:solidFill>
+                  <a:latin typeface="맑은 고딕" panose="020B0503020000020004" pitchFamily="50" charset="-127"/>
+                  <a:ea typeface="굴림" panose="020B0600000101010101" pitchFamily="50" charset="-127"/>
+                </a:defRPr>
+              </a:lvl4pPr>
+              <a:lvl5pPr marL="2057400" indent="-228600" latinLnBrk="1">
+                <a:defRPr kumimoji="1">
+                  <a:solidFill>
+                    <a:schemeClr val="tx1"/>
+                  </a:solidFill>
+                  <a:latin typeface="맑은 고딕" panose="020B0503020000020004" pitchFamily="50" charset="-127"/>
+                  <a:ea typeface="굴림" panose="020B0600000101010101" pitchFamily="50" charset="-127"/>
+                </a:defRPr>
+              </a:lvl5pPr>
+              <a:lvl6pPr marL="2514600" indent="-228600" eaLnBrk="0" fontAlgn="base" hangingPunct="0">
+                <a:spcBef>
+                  <a:spcPct val="0"/>
+                </a:spcBef>
+                <a:spcAft>
+                  <a:spcPct val="0"/>
+                </a:spcAft>
+                <a:defRPr kumimoji="1">
+                  <a:solidFill>
+                    <a:schemeClr val="tx1"/>
+                  </a:solidFill>
+                  <a:latin typeface="맑은 고딕" panose="020B0503020000020004" pitchFamily="50" charset="-127"/>
+                  <a:ea typeface="굴림" panose="020B0600000101010101" pitchFamily="50" charset="-127"/>
+                </a:defRPr>
+              </a:lvl6pPr>
+              <a:lvl7pPr marL="2971800" indent="-228600" eaLnBrk="0" fontAlgn="base" hangingPunct="0">
+                <a:spcBef>
+                  <a:spcPct val="0"/>
+                </a:spcBef>
+                <a:spcAft>
+                  <a:spcPct val="0"/>
+                </a:spcAft>
+                <a:defRPr kumimoji="1">
+                  <a:solidFill>
+                    <a:schemeClr val="tx1"/>
+                  </a:solidFill>
+                  <a:latin typeface="맑은 고딕" panose="020B0503020000020004" pitchFamily="50" charset="-127"/>
+                  <a:ea typeface="굴림" panose="020B0600000101010101" pitchFamily="50" charset="-127"/>
+                </a:defRPr>
+              </a:lvl7pPr>
+              <a:lvl8pPr marL="3429000" indent="-228600" eaLnBrk="0" fontAlgn="base" hangingPunct="0">
+                <a:spcBef>
+                  <a:spcPct val="0"/>
+                </a:spcBef>
+                <a:spcAft>
+                  <a:spcPct val="0"/>
+                </a:spcAft>
+                <a:defRPr kumimoji="1">
+                  <a:solidFill>
+                    <a:schemeClr val="tx1"/>
+                  </a:solidFill>
+                  <a:latin typeface="맑은 고딕" panose="020B0503020000020004" pitchFamily="50" charset="-127"/>
+                  <a:ea typeface="굴림" panose="020B0600000101010101" pitchFamily="50" charset="-127"/>
+                </a:defRPr>
+              </a:lvl8pPr>
+              <a:lvl9pPr marL="3886200" indent="-228600" eaLnBrk="0" fontAlgn="base" hangingPunct="0">
+                <a:spcBef>
+                  <a:spcPct val="0"/>
+                </a:spcBef>
+                <a:spcAft>
+                  <a:spcPct val="0"/>
+                </a:spcAft>
+                <a:defRPr kumimoji="1">
+                  <a:solidFill>
+                    <a:schemeClr val="tx1"/>
+                  </a:solidFill>
+                  <a:latin typeface="맑은 고딕" panose="020B0503020000020004" pitchFamily="50" charset="-127"/>
+                  <a:ea typeface="굴림" panose="020B0600000101010101" pitchFamily="50" charset="-127"/>
+                </a:defRPr>
+              </a:lvl9pPr>
+            </a:lstStyle>
+            <a:p>
+              <a:pPr>
+                <a:lnSpc>
+                  <a:spcPct val="120000"/>
+                </a:lnSpc>
+                <a:defRPr/>
+              </a:pPr>
+              <a:r>
+                <a:rPr lang="en-US" altLang="ko-KR" sz="1600" dirty="0">
+                  <a:latin typeface="+mn-ea"/>
+                  <a:ea typeface="+mn-ea"/>
+                </a:rPr>
+                <a:t>http://</a:t>
+              </a:r>
+              <a:r>
+                <a:rPr lang="en-US" altLang="ko-KR" sz="1600" dirty="0" smtClean="0">
+                  <a:latin typeface="+mn-ea"/>
+                  <a:ea typeface="+mn-ea"/>
+                </a:rPr>
+                <a:t>localhost:8088/mysite5/board/</a:t>
+              </a:r>
+              <a:r>
+                <a:rPr lang="en-US" altLang="ko-KR" sz="1600" dirty="0" smtClean="0">
+                  <a:latin typeface="+mn-ea"/>
+                  <a:ea typeface="+mn-ea"/>
+                </a:rPr>
+                <a:t>modifyForm</a:t>
+              </a:r>
+              <a:endParaRPr lang="en-US" altLang="ko-KR" sz="1600" dirty="0">
+                <a:latin typeface="+mn-ea"/>
+                <a:ea typeface="+mn-ea"/>
+              </a:endParaRPr>
+            </a:p>
+          </p:txBody>
+        </p:sp>
+        <p:grpSp>
+          <p:nvGrpSpPr>
+            <p:cNvPr id="192" name="그룹 191">
+              <a:extLst>
+                <a:ext uri="{FF2B5EF4-FFF2-40B4-BE49-F238E27FC236}">
+                  <a16:creationId xmlns:a16="http://schemas.microsoft.com/office/drawing/2014/main" id="{2BD1564B-9C51-4FA2-B2E2-25C4C13B7EAE}"/>
+                </a:ext>
+              </a:extLst>
+            </p:cNvPr>
+            <p:cNvGrpSpPr/>
+            <p:nvPr/>
+          </p:nvGrpSpPr>
+          <p:grpSpPr>
+            <a:xfrm>
+              <a:off x="13690299" y="2889025"/>
+              <a:ext cx="1771669" cy="291419"/>
+              <a:chOff x="11757511" y="11859420"/>
+              <a:chExt cx="2733276" cy="179260"/>
+            </a:xfrm>
+          </p:grpSpPr>
+          <p:cxnSp>
+            <p:nvCxnSpPr>
+              <p:cNvPr id="212" name="직선 화살표 연결선 211">
+                <a:extLst>
+                  <a:ext uri="{FF2B5EF4-FFF2-40B4-BE49-F238E27FC236}">
+                    <a16:creationId xmlns:a16="http://schemas.microsoft.com/office/drawing/2014/main" id="{05CD397D-6F1E-4F9B-9570-31F04FB4FFD1}"/>
+                  </a:ext>
+                </a:extLst>
+              </p:cNvPr>
+              <p:cNvCxnSpPr>
+                <a:cxnSpLocks/>
+              </p:cNvCxnSpPr>
+              <p:nvPr/>
+            </p:nvCxnSpPr>
+            <p:spPr bwMode="auto">
+              <a:xfrm flipV="1">
+                <a:off x="11772103" y="11859420"/>
+                <a:ext cx="2718684" cy="8262"/>
+              </a:xfrm>
+              <a:prstGeom prst="straightConnector1">
+                <a:avLst/>
+              </a:prstGeom>
+              <a:ln w="38100">
+                <a:solidFill>
+                  <a:srgbClr val="C00000"/>
+                </a:solidFill>
+                <a:tailEnd type="arrow"/>
+              </a:ln>
+            </p:spPr>
+            <p:style>
+              <a:lnRef idx="1">
+                <a:schemeClr val="accent1"/>
+              </a:lnRef>
+              <a:fillRef idx="0">
+                <a:schemeClr val="accent1"/>
+              </a:fillRef>
+              <a:effectRef idx="0">
+                <a:schemeClr val="accent1"/>
+              </a:effectRef>
+              <a:fontRef idx="minor">
+                <a:schemeClr val="tx1"/>
+              </a:fontRef>
+            </p:style>
+          </p:cxnSp>
+          <p:cxnSp>
+            <p:nvCxnSpPr>
+              <p:cNvPr id="213" name="직선 화살표 연결선 212">
+                <a:extLst>
+                  <a:ext uri="{FF2B5EF4-FFF2-40B4-BE49-F238E27FC236}">
+                    <a16:creationId xmlns:a16="http://schemas.microsoft.com/office/drawing/2014/main" id="{E50CB821-5986-4B39-82B8-1892A949A8B5}"/>
+                  </a:ext>
+                </a:extLst>
+              </p:cNvPr>
+              <p:cNvCxnSpPr>
+                <a:cxnSpLocks/>
+              </p:cNvCxnSpPr>
+              <p:nvPr/>
+            </p:nvCxnSpPr>
+            <p:spPr bwMode="auto">
+              <a:xfrm flipH="1">
+                <a:off x="11757511" y="12038680"/>
+                <a:ext cx="2710518" cy="0"/>
+              </a:xfrm>
+              <a:prstGeom prst="straightConnector1">
+                <a:avLst/>
+              </a:prstGeom>
+              <a:ln w="38100">
+                <a:solidFill>
+                  <a:srgbClr val="0070C0"/>
+                </a:solidFill>
+                <a:tailEnd type="arrow"/>
+              </a:ln>
+            </p:spPr>
+            <p:style>
+              <a:lnRef idx="1">
+                <a:schemeClr val="accent1"/>
+              </a:lnRef>
+              <a:fillRef idx="0">
+                <a:schemeClr val="accent1"/>
+              </a:fillRef>
+              <a:effectRef idx="0">
+                <a:schemeClr val="accent1"/>
+              </a:effectRef>
+              <a:fontRef idx="minor">
+                <a:schemeClr val="tx1"/>
+              </a:fontRef>
+            </p:style>
+          </p:cxnSp>
+        </p:grpSp>
+        <p:sp>
+          <p:nvSpPr>
+            <p:cNvPr id="193" name="TextBox 192">
+              <a:extLst>
+                <a:ext uri="{FF2B5EF4-FFF2-40B4-BE49-F238E27FC236}">
+                  <a16:creationId xmlns:a16="http://schemas.microsoft.com/office/drawing/2014/main" id="{FA7AD03B-BA91-47E8-BBC4-94E573BD027E}"/>
+                </a:ext>
+              </a:extLst>
+            </p:cNvPr>
+            <p:cNvSpPr txBox="1"/>
+            <p:nvPr/>
+          </p:nvSpPr>
+          <p:spPr bwMode="auto">
+            <a:xfrm>
+              <a:off x="19685579" y="2786753"/>
+              <a:ext cx="2648539" cy="369332"/>
+            </a:xfrm>
+            <a:prstGeom prst="rect">
+              <a:avLst/>
+            </a:prstGeom>
+            <a:noFill/>
+          </p:spPr>
+          <p:txBody>
+            <a:bodyPr wrap="square">
+              <a:spAutoFit/>
+            </a:bodyPr>
+            <a:lstStyle/>
+            <a:p>
+              <a:pPr eaLnBrk="1" latinLnBrk="1" hangingPunct="1">
+                <a:defRPr/>
+              </a:pPr>
+              <a:r>
+                <a:rPr lang="en-US" altLang="ko-KR" b="1" dirty="0" err="1" smtClean="0">
+                  <a:latin typeface="+mn-ea"/>
+                </a:rPr>
+                <a:t>selectPost</a:t>
+              </a:r>
+              <a:r>
+                <a:rPr lang="en-US" altLang="ko-KR" b="1" dirty="0" smtClean="0">
+                  <a:latin typeface="+mn-ea"/>
+                </a:rPr>
+                <a:t>(no</a:t>
+              </a:r>
+              <a:r>
+                <a:rPr lang="en-US" altLang="ko-KR" b="1" dirty="0" smtClean="0">
+                  <a:latin typeface="+mn-ea"/>
+                  <a:ea typeface="+mn-ea"/>
+                </a:rPr>
+                <a:t>)</a:t>
+              </a:r>
+              <a:endParaRPr lang="ko-KR" altLang="en-US" sz="1400" b="1" dirty="0">
+                <a:latin typeface="+mn-ea"/>
+                <a:ea typeface="+mn-ea"/>
+              </a:endParaRPr>
+            </a:p>
+          </p:txBody>
+        </p:sp>
+        <p:sp>
+          <p:nvSpPr>
+            <p:cNvPr id="194" name="TextBox 193">
+              <a:extLst>
+                <a:ext uri="{FF2B5EF4-FFF2-40B4-BE49-F238E27FC236}">
+                  <a16:creationId xmlns:a16="http://schemas.microsoft.com/office/drawing/2014/main" id="{B8BAAA3C-CA45-4597-8C53-24EF74DDEAD9}"/>
+                </a:ext>
+              </a:extLst>
+            </p:cNvPr>
+            <p:cNvSpPr txBox="1"/>
+            <p:nvPr/>
+          </p:nvSpPr>
+          <p:spPr bwMode="auto">
+            <a:xfrm>
+              <a:off x="24034007" y="2800693"/>
+              <a:ext cx="4294989" cy="369332"/>
+            </a:xfrm>
+            <a:prstGeom prst="rect">
+              <a:avLst/>
+            </a:prstGeom>
+            <a:noFill/>
+          </p:spPr>
+          <p:txBody>
+            <a:bodyPr wrap="square">
+              <a:spAutoFit/>
+            </a:bodyPr>
+            <a:lstStyle/>
+            <a:p>
+              <a:pPr eaLnBrk="1" latinLnBrk="1" hangingPunct="1">
+                <a:defRPr/>
+              </a:pPr>
+              <a:r>
+                <a:rPr lang="en-US" altLang="ko-KR" b="1" dirty="0" err="1" smtClean="0">
+                  <a:latin typeface="+mn-ea"/>
+                </a:rPr>
+                <a:t>selectOne</a:t>
+              </a:r>
+              <a:r>
+                <a:rPr lang="en-US" altLang="ko-KR" b="1" dirty="0" smtClean="0">
+                  <a:latin typeface="+mn-ea"/>
+                  <a:ea typeface="+mn-ea"/>
+                </a:rPr>
+                <a:t>(“</a:t>
+              </a:r>
+              <a:r>
+                <a:rPr lang="en-US" altLang="ko-KR" b="1" dirty="0" err="1" smtClean="0">
+                  <a:latin typeface="+mn-ea"/>
+                </a:rPr>
+                <a:t>board</a:t>
+              </a:r>
+              <a:r>
+                <a:rPr lang="en-US" altLang="ko-KR" b="1" dirty="0" err="1" smtClean="0">
+                  <a:latin typeface="+mn-ea"/>
+                  <a:ea typeface="+mn-ea"/>
+                </a:rPr>
+                <a:t>.selectPost</a:t>
+              </a:r>
+              <a:r>
+                <a:rPr lang="en-US" altLang="ko-KR" b="1" dirty="0" smtClean="0">
+                  <a:latin typeface="+mn-ea"/>
+                  <a:ea typeface="+mn-ea"/>
+                </a:rPr>
+                <a:t>”,</a:t>
+              </a:r>
+              <a:r>
+                <a:rPr lang="en-US" altLang="ko-KR" b="1" dirty="0">
+                  <a:latin typeface="+mn-ea"/>
+                </a:rPr>
+                <a:t> </a:t>
+              </a:r>
+              <a:r>
+                <a:rPr lang="en-US" altLang="ko-KR" b="1" dirty="0" smtClean="0">
+                  <a:latin typeface="+mn-ea"/>
+                </a:rPr>
+                <a:t>no</a:t>
+              </a:r>
+              <a:r>
+                <a:rPr lang="en-US" altLang="ko-KR" b="1" dirty="0" smtClean="0">
+                  <a:latin typeface="+mn-ea"/>
+                  <a:ea typeface="+mn-ea"/>
+                </a:rPr>
+                <a:t>)</a:t>
+              </a:r>
+              <a:endParaRPr lang="ko-KR" altLang="en-US" sz="1400" b="1" dirty="0">
+                <a:latin typeface="+mn-ea"/>
+                <a:ea typeface="+mn-ea"/>
+              </a:endParaRPr>
+            </a:p>
+          </p:txBody>
+        </p:sp>
+        <p:sp>
+          <p:nvSpPr>
+            <p:cNvPr id="195" name="TextBox 194">
+              <a:extLst>
+                <a:ext uri="{FF2B5EF4-FFF2-40B4-BE49-F238E27FC236}">
+                  <a16:creationId xmlns:a16="http://schemas.microsoft.com/office/drawing/2014/main" id="{A11AC612-9670-4AE3-9D48-8699C79E2473}"/>
+                </a:ext>
+              </a:extLst>
+            </p:cNvPr>
+            <p:cNvSpPr txBox="1"/>
+            <p:nvPr/>
+          </p:nvSpPr>
+          <p:spPr bwMode="auto">
+            <a:xfrm>
+              <a:off x="30126648" y="2859409"/>
+              <a:ext cx="2944184" cy="369332"/>
+            </a:xfrm>
+            <a:prstGeom prst="rect">
+              <a:avLst/>
+            </a:prstGeom>
+            <a:noFill/>
+          </p:spPr>
+          <p:txBody>
+            <a:bodyPr wrap="square">
+              <a:spAutoFit/>
+            </a:bodyPr>
+            <a:lstStyle/>
+            <a:p>
+              <a:pPr eaLnBrk="1" latinLnBrk="1" hangingPunct="1">
+                <a:defRPr/>
+              </a:pPr>
+              <a:r>
+                <a:rPr lang="en-US" altLang="ko-KR" b="1" dirty="0" smtClean="0">
+                  <a:latin typeface="+mn-ea"/>
+                  <a:ea typeface="+mn-ea"/>
+                </a:rPr>
+                <a:t>id</a:t>
+              </a:r>
+              <a:r>
+                <a:rPr lang="en-US" altLang="ko-KR" b="1" dirty="0" smtClean="0">
+                  <a:latin typeface="+mn-ea"/>
+                  <a:ea typeface="+mn-ea"/>
+                </a:rPr>
+                <a:t>=“</a:t>
+              </a:r>
+              <a:r>
+                <a:rPr lang="en-US" altLang="ko-KR" b="1" dirty="0" err="1" smtClean="0">
+                  <a:latin typeface="+mn-ea"/>
+                </a:rPr>
+                <a:t>selectPost</a:t>
+              </a:r>
+              <a:r>
+                <a:rPr lang="en-US" altLang="ko-KR" b="1" dirty="0" smtClean="0">
+                  <a:latin typeface="+mn-ea"/>
+                  <a:ea typeface="+mn-ea"/>
+                </a:rPr>
+                <a:t>”</a:t>
+              </a:r>
+              <a:endParaRPr lang="ko-KR" altLang="en-US" sz="1400" b="1" dirty="0">
+                <a:latin typeface="+mn-ea"/>
+                <a:ea typeface="+mn-ea"/>
+              </a:endParaRPr>
+            </a:p>
+          </p:txBody>
+        </p:sp>
+        <p:grpSp>
+          <p:nvGrpSpPr>
+            <p:cNvPr id="196" name="그룹 195">
+              <a:extLst>
+                <a:ext uri="{FF2B5EF4-FFF2-40B4-BE49-F238E27FC236}">
+                  <a16:creationId xmlns:a16="http://schemas.microsoft.com/office/drawing/2014/main" id="{22344D4C-13E2-485A-9CAA-78129AB2B65C}"/>
+                </a:ext>
+              </a:extLst>
+            </p:cNvPr>
+            <p:cNvGrpSpPr/>
+            <p:nvPr/>
+          </p:nvGrpSpPr>
+          <p:grpSpPr>
+            <a:xfrm>
+              <a:off x="28166220" y="2934935"/>
+              <a:ext cx="1866991" cy="293806"/>
+              <a:chOff x="13110406" y="11867683"/>
+              <a:chExt cx="2089978" cy="170997"/>
+            </a:xfrm>
+          </p:grpSpPr>
+          <p:cxnSp>
+            <p:nvCxnSpPr>
+              <p:cNvPr id="210" name="직선 화살표 연결선 209">
+                <a:extLst>
+                  <a:ext uri="{FF2B5EF4-FFF2-40B4-BE49-F238E27FC236}">
+                    <a16:creationId xmlns:a16="http://schemas.microsoft.com/office/drawing/2014/main" id="{919D044D-F31E-4586-82DA-8EE3E8E23BE8}"/>
+                  </a:ext>
+                </a:extLst>
+              </p:cNvPr>
+              <p:cNvCxnSpPr>
+                <a:cxnSpLocks/>
+              </p:cNvCxnSpPr>
+              <p:nvPr/>
+            </p:nvCxnSpPr>
+            <p:spPr bwMode="auto">
+              <a:xfrm>
+                <a:off x="13111808" y="11867683"/>
+                <a:ext cx="2088576" cy="0"/>
+              </a:xfrm>
+              <a:prstGeom prst="straightConnector1">
+                <a:avLst/>
+              </a:prstGeom>
+              <a:ln w="38100">
+                <a:solidFill>
+                  <a:srgbClr val="C00000"/>
+                </a:solidFill>
+                <a:tailEnd type="arrow"/>
+              </a:ln>
+            </p:spPr>
+            <p:style>
+              <a:lnRef idx="1">
+                <a:schemeClr val="accent1"/>
+              </a:lnRef>
+              <a:fillRef idx="0">
+                <a:schemeClr val="accent1"/>
+              </a:fillRef>
+              <a:effectRef idx="0">
+                <a:schemeClr val="accent1"/>
+              </a:effectRef>
+              <a:fontRef idx="minor">
+                <a:schemeClr val="tx1"/>
+              </a:fontRef>
+            </p:style>
+          </p:cxnSp>
+          <p:cxnSp>
+            <p:nvCxnSpPr>
+              <p:cNvPr id="211" name="직선 화살표 연결선 210">
+                <a:extLst>
+                  <a:ext uri="{FF2B5EF4-FFF2-40B4-BE49-F238E27FC236}">
+                    <a16:creationId xmlns:a16="http://schemas.microsoft.com/office/drawing/2014/main" id="{549308C3-6419-4B75-B8B3-598F812A52DB}"/>
+                  </a:ext>
+                </a:extLst>
+              </p:cNvPr>
+              <p:cNvCxnSpPr>
+                <a:cxnSpLocks/>
+              </p:cNvCxnSpPr>
+              <p:nvPr/>
+            </p:nvCxnSpPr>
+            <p:spPr bwMode="auto">
+              <a:xfrm flipH="1">
+                <a:off x="13110406" y="12038680"/>
+                <a:ext cx="2089978" cy="0"/>
+              </a:xfrm>
+              <a:prstGeom prst="straightConnector1">
+                <a:avLst/>
+              </a:prstGeom>
+              <a:ln w="38100">
+                <a:solidFill>
+                  <a:srgbClr val="0070C0"/>
+                </a:solidFill>
+                <a:tailEnd type="arrow"/>
+              </a:ln>
+            </p:spPr>
+            <p:style>
+              <a:lnRef idx="1">
+                <a:schemeClr val="accent1"/>
+              </a:lnRef>
+              <a:fillRef idx="0">
+                <a:schemeClr val="accent1"/>
+              </a:fillRef>
+              <a:effectRef idx="0">
+                <a:schemeClr val="accent1"/>
+              </a:effectRef>
+              <a:fontRef idx="minor">
+                <a:schemeClr val="tx1"/>
+              </a:fontRef>
+            </p:style>
+          </p:cxnSp>
+        </p:grpSp>
+        <p:grpSp>
+          <p:nvGrpSpPr>
+            <p:cNvPr id="197" name="그룹 196">
+              <a:extLst>
+                <a:ext uri="{FF2B5EF4-FFF2-40B4-BE49-F238E27FC236}">
+                  <a16:creationId xmlns:a16="http://schemas.microsoft.com/office/drawing/2014/main" id="{B56938A6-1CD7-4E52-9162-36D20EC81219}"/>
+                </a:ext>
+              </a:extLst>
+            </p:cNvPr>
+            <p:cNvGrpSpPr/>
+            <p:nvPr/>
+          </p:nvGrpSpPr>
+          <p:grpSpPr>
+            <a:xfrm>
+              <a:off x="22038460" y="2882676"/>
+              <a:ext cx="1914949" cy="231371"/>
+              <a:chOff x="11757511" y="11859420"/>
+              <a:chExt cx="2733276" cy="179260"/>
+            </a:xfrm>
+          </p:grpSpPr>
+          <p:cxnSp>
+            <p:nvCxnSpPr>
+              <p:cNvPr id="208" name="직선 화살표 연결선 207">
+                <a:extLst>
+                  <a:ext uri="{FF2B5EF4-FFF2-40B4-BE49-F238E27FC236}">
+                    <a16:creationId xmlns:a16="http://schemas.microsoft.com/office/drawing/2014/main" id="{412BB3CB-640E-435E-A337-AFE70822BAEA}"/>
+                  </a:ext>
+                </a:extLst>
+              </p:cNvPr>
+              <p:cNvCxnSpPr>
+                <a:cxnSpLocks/>
+              </p:cNvCxnSpPr>
+              <p:nvPr/>
+            </p:nvCxnSpPr>
+            <p:spPr bwMode="auto">
+              <a:xfrm flipV="1">
+                <a:off x="11772103" y="11859420"/>
+                <a:ext cx="2718684" cy="8262"/>
+              </a:xfrm>
+              <a:prstGeom prst="straightConnector1">
+                <a:avLst/>
+              </a:prstGeom>
+              <a:ln w="38100">
+                <a:solidFill>
+                  <a:srgbClr val="C00000"/>
+                </a:solidFill>
+                <a:tailEnd type="arrow"/>
+              </a:ln>
+            </p:spPr>
+            <p:style>
+              <a:lnRef idx="1">
+                <a:schemeClr val="accent1"/>
+              </a:lnRef>
+              <a:fillRef idx="0">
+                <a:schemeClr val="accent1"/>
+              </a:fillRef>
+              <a:effectRef idx="0">
+                <a:schemeClr val="accent1"/>
+              </a:effectRef>
+              <a:fontRef idx="minor">
+                <a:schemeClr val="tx1"/>
+              </a:fontRef>
+            </p:style>
+          </p:cxnSp>
+          <p:cxnSp>
+            <p:nvCxnSpPr>
+              <p:cNvPr id="209" name="직선 화살표 연결선 208">
+                <a:extLst>
+                  <a:ext uri="{FF2B5EF4-FFF2-40B4-BE49-F238E27FC236}">
+                    <a16:creationId xmlns:a16="http://schemas.microsoft.com/office/drawing/2014/main" id="{B4038263-010B-4D8A-90DA-91B9AD6FBE8D}"/>
+                  </a:ext>
+                </a:extLst>
+              </p:cNvPr>
+              <p:cNvCxnSpPr>
+                <a:cxnSpLocks/>
+              </p:cNvCxnSpPr>
+              <p:nvPr/>
+            </p:nvCxnSpPr>
+            <p:spPr bwMode="auto">
+              <a:xfrm flipH="1">
+                <a:off x="11757511" y="12038680"/>
+                <a:ext cx="2710518" cy="0"/>
+              </a:xfrm>
+              <a:prstGeom prst="straightConnector1">
+                <a:avLst/>
+              </a:prstGeom>
+              <a:ln w="38100">
+                <a:solidFill>
+                  <a:srgbClr val="0070C0"/>
+                </a:solidFill>
+                <a:tailEnd type="arrow"/>
+              </a:ln>
+            </p:spPr>
+            <p:style>
+              <a:lnRef idx="1">
+                <a:schemeClr val="accent1"/>
+              </a:lnRef>
+              <a:fillRef idx="0">
+                <a:schemeClr val="accent1"/>
+              </a:fillRef>
+              <a:effectRef idx="0">
+                <a:schemeClr val="accent1"/>
+              </a:effectRef>
+              <a:fontRef idx="minor">
+                <a:schemeClr val="tx1"/>
+              </a:fontRef>
+            </p:style>
+          </p:cxnSp>
+        </p:grpSp>
+        <p:sp>
+          <p:nvSpPr>
+            <p:cNvPr id="198" name="직사각형 197">
+              <a:extLst>
+                <a:ext uri="{FF2B5EF4-FFF2-40B4-BE49-F238E27FC236}">
+                  <a16:creationId xmlns:a16="http://schemas.microsoft.com/office/drawing/2014/main" id="{D98412FB-A683-491C-9833-365D99AF06F6}"/>
+                </a:ext>
+              </a:extLst>
+            </p:cNvPr>
+            <p:cNvSpPr/>
+            <p:nvPr/>
+          </p:nvSpPr>
+          <p:spPr>
+            <a:xfrm>
+              <a:off x="828867" y="3069529"/>
+              <a:ext cx="1487832" cy="412510"/>
+            </a:xfrm>
+            <a:prstGeom prst="rect">
+              <a:avLst/>
+            </a:prstGeom>
+            <a:solidFill>
+              <a:schemeClr val="bg1"/>
+            </a:solidFill>
+            <a:ln w="12700">
+              <a:prstDash val="lgDash"/>
+            </a:ln>
+          </p:spPr>
+          <p:style>
+            <a:lnRef idx="2">
+              <a:schemeClr val="accent1">
+                <a:shade val="50000"/>
+              </a:schemeClr>
+            </a:lnRef>
+            <a:fillRef idx="1">
+              <a:schemeClr val="accent1"/>
+            </a:fillRef>
+            <a:effectRef idx="0">
+              <a:schemeClr val="accent1"/>
+            </a:effectRef>
+            <a:fontRef idx="minor">
+              <a:schemeClr val="lt1"/>
+            </a:fontRef>
+          </p:style>
+          <p:txBody>
+            <a:bodyPr rtlCol="0" anchor="ctr"/>
+            <a:lstStyle/>
+            <a:p>
+              <a:pPr algn="ctr"/>
+              <a:r>
+                <a:rPr lang="ko-KR" altLang="en-US" dirty="0">
+                  <a:solidFill>
+                    <a:schemeClr val="tx1"/>
+                  </a:solidFill>
+                </a:rPr>
+                <a:t>요청화면</a:t>
+              </a:r>
+            </a:p>
+          </p:txBody>
+        </p:sp>
+        <p:sp>
+          <p:nvSpPr>
+            <p:cNvPr id="199" name="TextBox 198">
+              <a:extLst>
+                <a:ext uri="{FF2B5EF4-FFF2-40B4-BE49-F238E27FC236}">
+                  <a16:creationId xmlns:a16="http://schemas.microsoft.com/office/drawing/2014/main" id="{0D524AA1-3F75-43ED-81E6-BF93BD18D3F8}"/>
+                </a:ext>
+              </a:extLst>
+            </p:cNvPr>
+            <p:cNvSpPr txBox="1"/>
+            <p:nvPr/>
+          </p:nvSpPr>
+          <p:spPr bwMode="auto">
+            <a:xfrm>
+              <a:off x="722835" y="2107852"/>
+              <a:ext cx="2419108" cy="646331"/>
+            </a:xfrm>
+            <a:prstGeom prst="rect">
+              <a:avLst/>
+            </a:prstGeom>
+            <a:noFill/>
+          </p:spPr>
+          <p:txBody>
+            <a:bodyPr wrap="square">
+              <a:spAutoFit/>
+            </a:bodyPr>
+            <a:lstStyle/>
+            <a:p>
+              <a:pPr eaLnBrk="1" latinLnBrk="1" hangingPunct="1">
+                <a:defRPr/>
+              </a:pPr>
+              <a:r>
+                <a:rPr lang="ko-KR" altLang="en-US" b="1" dirty="0" smtClean="0">
+                  <a:latin typeface="+mn-ea"/>
+                </a:rPr>
+                <a:t>■</a:t>
+              </a:r>
+              <a:r>
+                <a:rPr lang="ko-KR" altLang="en-US" b="1" dirty="0" smtClean="0">
+                  <a:latin typeface="+mn-ea"/>
+                </a:rPr>
+                <a:t>게시판</a:t>
+              </a:r>
+              <a:r>
+                <a:rPr lang="ko-KR" altLang="en-US" b="1" dirty="0" smtClean="0">
+                  <a:latin typeface="+mn-ea"/>
+                </a:rPr>
+                <a:t> </a:t>
+              </a:r>
+              <a:r>
+                <a:rPr lang="ko-KR" altLang="en-US" b="1" dirty="0" err="1" smtClean="0">
+                  <a:latin typeface="+mn-ea"/>
+                </a:rPr>
+                <a:t>수정</a:t>
+              </a:r>
+              <a:r>
+                <a:rPr lang="ko-KR" altLang="en-US" b="1" dirty="0" err="1" smtClean="0">
+                  <a:latin typeface="+mn-ea"/>
+                </a:rPr>
+                <a:t>화면</a:t>
+              </a:r>
+              <a:r>
+                <a:rPr lang="ko-KR" altLang="en-US" b="1" dirty="0" smtClean="0">
+                  <a:latin typeface="+mn-ea"/>
+                </a:rPr>
+                <a:t> 요청</a:t>
+              </a:r>
+              <a:endParaRPr lang="ko-KR" altLang="en-US" b="1" dirty="0">
+                <a:latin typeface="+mn-ea"/>
+                <a:ea typeface="+mn-ea"/>
+              </a:endParaRPr>
+            </a:p>
+          </p:txBody>
+        </p:sp>
+        <p:cxnSp>
+          <p:nvCxnSpPr>
+            <p:cNvPr id="200" name="직선 화살표 연결선 199">
+              <a:extLst>
+                <a:ext uri="{FF2B5EF4-FFF2-40B4-BE49-F238E27FC236}">
+                  <a16:creationId xmlns:a16="http://schemas.microsoft.com/office/drawing/2014/main" id="{E0808023-7204-4EE6-BC4C-9CC2737568F0}"/>
+                </a:ext>
+              </a:extLst>
+            </p:cNvPr>
+            <p:cNvCxnSpPr/>
+            <p:nvPr/>
+          </p:nvCxnSpPr>
+          <p:spPr>
+            <a:xfrm flipV="1">
+              <a:off x="2377437" y="3101533"/>
+              <a:ext cx="353462" cy="229729"/>
+            </a:xfrm>
+            <a:prstGeom prst="straightConnector1">
+              <a:avLst/>
+            </a:prstGeom>
+            <a:ln>
+              <a:tailEnd type="triangle"/>
+            </a:ln>
+          </p:spPr>
+          <p:style>
+            <a:lnRef idx="1">
+              <a:schemeClr val="accent1"/>
+            </a:lnRef>
+            <a:fillRef idx="0">
+              <a:schemeClr val="accent1"/>
+            </a:fillRef>
+            <a:effectRef idx="0">
+              <a:schemeClr val="accent1"/>
+            </a:effectRef>
+            <a:fontRef idx="minor">
+              <a:schemeClr val="tx1"/>
+            </a:fontRef>
+          </p:style>
+        </p:cxnSp>
+        <p:sp>
+          <p:nvSpPr>
+            <p:cNvPr id="201" name="직사각형 200">
+              <a:extLst>
+                <a:ext uri="{FF2B5EF4-FFF2-40B4-BE49-F238E27FC236}">
+                  <a16:creationId xmlns:a16="http://schemas.microsoft.com/office/drawing/2014/main" id="{88E69C23-6592-4229-B457-8E5E86A12737}"/>
+                </a:ext>
+              </a:extLst>
+            </p:cNvPr>
+            <p:cNvSpPr/>
+            <p:nvPr/>
+          </p:nvSpPr>
+          <p:spPr>
+            <a:xfrm>
+              <a:off x="811837" y="4187227"/>
+              <a:ext cx="2963427" cy="1132789"/>
+            </a:xfrm>
+            <a:prstGeom prst="rect">
+              <a:avLst/>
+            </a:prstGeom>
+          </p:spPr>
+          <p:style>
+            <a:lnRef idx="2">
+              <a:schemeClr val="accent1">
+                <a:shade val="50000"/>
+              </a:schemeClr>
+            </a:lnRef>
+            <a:fillRef idx="1">
+              <a:schemeClr val="accent1"/>
+            </a:fillRef>
+            <a:effectRef idx="0">
+              <a:schemeClr val="accent1"/>
+            </a:effectRef>
+            <a:fontRef idx="minor">
+              <a:schemeClr val="lt1"/>
+            </a:fontRef>
+          </p:style>
+          <p:txBody>
+            <a:bodyPr rtlCol="0" anchor="ctr"/>
+            <a:lstStyle/>
+            <a:p>
+              <a:pPr algn="ctr"/>
+              <a:r>
+                <a:rPr lang="ko-KR" altLang="en-US" dirty="0"/>
+                <a:t>응답화면</a:t>
+              </a:r>
+              <a:endParaRPr lang="en-US" altLang="ko-KR" dirty="0"/>
+            </a:p>
+            <a:p>
+              <a:pPr algn="ctr"/>
+              <a:r>
+                <a:rPr lang="en-US" altLang="ko-KR" dirty="0" smtClean="0"/>
+                <a:t>*</a:t>
+              </a:r>
+              <a:r>
+                <a:rPr lang="ko-KR" altLang="en-US" dirty="0" smtClean="0"/>
+                <a:t>수정 화면</a:t>
+              </a:r>
+              <a:endParaRPr lang="en-US" altLang="ko-KR" dirty="0" smtClean="0"/>
+            </a:p>
+            <a:p>
+              <a:pPr algn="ctr"/>
+              <a:endParaRPr lang="ko-KR" altLang="en-US" dirty="0"/>
+            </a:p>
+          </p:txBody>
+        </p:sp>
+        <p:cxnSp>
+          <p:nvCxnSpPr>
+            <p:cNvPr id="202" name="직선 화살표 연결선 201">
+              <a:extLst>
+                <a:ext uri="{FF2B5EF4-FFF2-40B4-BE49-F238E27FC236}">
+                  <a16:creationId xmlns:a16="http://schemas.microsoft.com/office/drawing/2014/main" id="{35B1D758-E09F-4C00-809D-F948B74D0F62}"/>
+                </a:ext>
+              </a:extLst>
+            </p:cNvPr>
+            <p:cNvCxnSpPr>
+              <a:cxnSpLocks/>
+            </p:cNvCxnSpPr>
+            <p:nvPr/>
+          </p:nvCxnSpPr>
+          <p:spPr bwMode="auto">
+            <a:xfrm flipH="1">
+              <a:off x="9655092" y="3191189"/>
+              <a:ext cx="1461158" cy="499357"/>
+            </a:xfrm>
+            <a:prstGeom prst="straightConnector1">
+              <a:avLst/>
+            </a:prstGeom>
+            <a:ln w="38100">
+              <a:solidFill>
+                <a:srgbClr val="0070C0"/>
+              </a:solidFill>
+              <a:tailEnd type="arrow"/>
+            </a:ln>
+          </p:spPr>
+          <p:style>
+            <a:lnRef idx="1">
+              <a:schemeClr val="accent1"/>
+            </a:lnRef>
+            <a:fillRef idx="0">
+              <a:schemeClr val="accent1"/>
+            </a:fillRef>
+            <a:effectRef idx="0">
+              <a:schemeClr val="accent1"/>
+            </a:effectRef>
+            <a:fontRef idx="minor">
+              <a:schemeClr val="tx1"/>
+            </a:fontRef>
+          </p:style>
+        </p:cxnSp>
+        <p:cxnSp>
+          <p:nvCxnSpPr>
+            <p:cNvPr id="203" name="직선 화살표 연결선 202">
+              <a:extLst>
+                <a:ext uri="{FF2B5EF4-FFF2-40B4-BE49-F238E27FC236}">
+                  <a16:creationId xmlns:a16="http://schemas.microsoft.com/office/drawing/2014/main" id="{4B4A996B-CBBE-48FB-B53C-6E524B57F6CF}"/>
+                </a:ext>
+              </a:extLst>
+            </p:cNvPr>
+            <p:cNvCxnSpPr>
+              <a:cxnSpLocks/>
+              <a:endCxn id="201" idx="3"/>
+            </p:cNvCxnSpPr>
+            <p:nvPr/>
+          </p:nvCxnSpPr>
+          <p:spPr bwMode="auto">
+            <a:xfrm flipH="1">
+              <a:off x="3775264" y="3628648"/>
+              <a:ext cx="4028329" cy="1124974"/>
+            </a:xfrm>
+            <a:prstGeom prst="straightConnector1">
+              <a:avLst/>
+            </a:prstGeom>
+            <a:ln w="38100">
+              <a:solidFill>
+                <a:srgbClr val="0070C0"/>
+              </a:solidFill>
+              <a:tailEnd type="arrow"/>
+            </a:ln>
+          </p:spPr>
+          <p:style>
+            <a:lnRef idx="1">
+              <a:schemeClr val="accent1"/>
+            </a:lnRef>
+            <a:fillRef idx="0">
+              <a:schemeClr val="accent1"/>
+            </a:fillRef>
+            <a:effectRef idx="0">
+              <a:schemeClr val="accent1"/>
+            </a:effectRef>
+            <a:fontRef idx="minor">
+              <a:schemeClr val="tx1"/>
+            </a:fontRef>
+          </p:style>
+        </p:cxnSp>
+        <p:grpSp>
+          <p:nvGrpSpPr>
+            <p:cNvPr id="205" name="그룹 204">
+              <a:extLst>
+                <a:ext uri="{FF2B5EF4-FFF2-40B4-BE49-F238E27FC236}">
+                  <a16:creationId xmlns:a16="http://schemas.microsoft.com/office/drawing/2014/main" id="{EE15F66C-D75C-4762-A622-04F9BF0AB024}"/>
+                </a:ext>
+              </a:extLst>
+            </p:cNvPr>
+            <p:cNvGrpSpPr/>
+            <p:nvPr/>
+          </p:nvGrpSpPr>
+          <p:grpSpPr>
+            <a:xfrm>
+              <a:off x="17959690" y="2889025"/>
+              <a:ext cx="1771669" cy="291419"/>
+              <a:chOff x="11757511" y="11859420"/>
+              <a:chExt cx="2733276" cy="179260"/>
+            </a:xfrm>
+          </p:grpSpPr>
+          <p:cxnSp>
+            <p:nvCxnSpPr>
+              <p:cNvPr id="206" name="직선 화살표 연결선 205">
+                <a:extLst>
+                  <a:ext uri="{FF2B5EF4-FFF2-40B4-BE49-F238E27FC236}">
+                    <a16:creationId xmlns:a16="http://schemas.microsoft.com/office/drawing/2014/main" id="{1DF40771-2FEF-49DC-9141-21064CAF80BD}"/>
+                  </a:ext>
+                </a:extLst>
+              </p:cNvPr>
+              <p:cNvCxnSpPr>
+                <a:cxnSpLocks/>
+              </p:cNvCxnSpPr>
+              <p:nvPr/>
+            </p:nvCxnSpPr>
+            <p:spPr bwMode="auto">
+              <a:xfrm flipV="1">
+                <a:off x="11772103" y="11859420"/>
+                <a:ext cx="2718684" cy="8262"/>
+              </a:xfrm>
+              <a:prstGeom prst="straightConnector1">
+                <a:avLst/>
+              </a:prstGeom>
+              <a:ln w="38100">
+                <a:solidFill>
+                  <a:srgbClr val="C00000"/>
+                </a:solidFill>
+                <a:tailEnd type="arrow"/>
+              </a:ln>
+            </p:spPr>
+            <p:style>
+              <a:lnRef idx="1">
+                <a:schemeClr val="accent1"/>
+              </a:lnRef>
+              <a:fillRef idx="0">
+                <a:schemeClr val="accent1"/>
+              </a:fillRef>
+              <a:effectRef idx="0">
+                <a:schemeClr val="accent1"/>
+              </a:effectRef>
+              <a:fontRef idx="minor">
+                <a:schemeClr val="tx1"/>
+              </a:fontRef>
+            </p:style>
+          </p:cxnSp>
+          <p:cxnSp>
+            <p:nvCxnSpPr>
+              <p:cNvPr id="207" name="직선 화살표 연결선 206">
+                <a:extLst>
+                  <a:ext uri="{FF2B5EF4-FFF2-40B4-BE49-F238E27FC236}">
+                    <a16:creationId xmlns:a16="http://schemas.microsoft.com/office/drawing/2014/main" id="{463AB2FD-ED19-4D99-B82B-00F1074F4AD3}"/>
+                  </a:ext>
+                </a:extLst>
+              </p:cNvPr>
+              <p:cNvCxnSpPr>
+                <a:cxnSpLocks/>
+              </p:cNvCxnSpPr>
+              <p:nvPr/>
+            </p:nvCxnSpPr>
+            <p:spPr bwMode="auto">
+              <a:xfrm flipH="1">
+                <a:off x="11757511" y="12038680"/>
+                <a:ext cx="2710518" cy="0"/>
+              </a:xfrm>
+              <a:prstGeom prst="straightConnector1">
+                <a:avLst/>
+              </a:prstGeom>
+              <a:ln w="38100">
+                <a:solidFill>
+                  <a:srgbClr val="0070C0"/>
+                </a:solidFill>
+                <a:tailEnd type="arrow"/>
+              </a:ln>
+            </p:spPr>
+            <p:style>
+              <a:lnRef idx="1">
+                <a:schemeClr val="accent1"/>
+              </a:lnRef>
+              <a:fillRef idx="0">
+                <a:schemeClr val="accent1"/>
+              </a:fillRef>
+              <a:effectRef idx="0">
+                <a:schemeClr val="accent1"/>
+              </a:effectRef>
+              <a:fontRef idx="minor">
+                <a:schemeClr val="tx1"/>
+              </a:fontRef>
+            </p:style>
+          </p:cxnSp>
+        </p:grpSp>
+      </p:grpSp>
+      <p:sp>
+        <p:nvSpPr>
+          <p:cNvPr id="214" name="TextBox 213">
+            <a:extLst>
+              <a:ext uri="{FF2B5EF4-FFF2-40B4-BE49-F238E27FC236}">
+                <a16:creationId xmlns:a16="http://schemas.microsoft.com/office/drawing/2014/main" id="{7872AF4C-6470-4585-858D-7587540E379C}"/>
+              </a:ext>
+            </a:extLst>
+          </p:cNvPr>
+          <p:cNvSpPr txBox="1"/>
+          <p:nvPr/>
+        </p:nvSpPr>
+        <p:spPr bwMode="auto">
+          <a:xfrm>
+            <a:off x="16953660" y="10478693"/>
+            <a:ext cx="1045662" cy="646331"/>
+          </a:xfrm>
+          <a:prstGeom prst="rect">
+            <a:avLst/>
+          </a:prstGeom>
+          <a:noFill/>
+        </p:spPr>
+        <p:txBody>
+          <a:bodyPr wrap="square">
+            <a:spAutoFit/>
+          </a:bodyPr>
+          <a:lstStyle/>
+          <a:p>
+            <a:pPr eaLnBrk="1" latinLnBrk="1" hangingPunct="1">
+              <a:defRPr/>
+            </a:pPr>
+            <a:r>
+              <a:rPr lang="en-US" altLang="ko-KR" b="1" dirty="0" err="1" smtClean="0">
+                <a:latin typeface="+mn-ea"/>
+              </a:rPr>
+              <a:t>getPost</a:t>
+            </a:r>
+            <a:r>
+              <a:rPr lang="en-US" altLang="ko-KR" b="1" dirty="0" smtClean="0">
+                <a:latin typeface="+mn-ea"/>
+                <a:ea typeface="+mn-ea"/>
+              </a:rPr>
+              <a:t>(</a:t>
+            </a:r>
+            <a:r>
+              <a:rPr lang="en-US" altLang="ko-KR" b="1" dirty="0" err="1" smtClean="0">
+                <a:latin typeface="+mn-ea"/>
+                <a:ea typeface="+mn-ea"/>
+              </a:rPr>
+              <a:t>int</a:t>
+            </a:r>
+            <a:r>
+              <a:rPr lang="en-US" altLang="ko-KR" b="1" dirty="0" smtClean="0">
+                <a:latin typeface="+mn-ea"/>
+                <a:ea typeface="+mn-ea"/>
+              </a:rPr>
+              <a:t> no)</a:t>
+            </a:r>
+            <a:endParaRPr lang="ko-KR" altLang="en-US" sz="1400" b="1" dirty="0">
+              <a:latin typeface="+mn-ea"/>
+              <a:ea typeface="+mn-ea"/>
+            </a:endParaRPr>
+          </a:p>
+        </p:txBody>
+      </p:sp>
+      <p:sp>
+        <p:nvSpPr>
+          <p:cNvPr id="215" name="TextBox 214">
+            <a:extLst>
+              <a:ext uri="{FF2B5EF4-FFF2-40B4-BE49-F238E27FC236}">
+                <a16:creationId xmlns:a16="http://schemas.microsoft.com/office/drawing/2014/main" id="{792ACAF0-3636-405A-8793-68B72E51E5CA}"/>
+              </a:ext>
+            </a:extLst>
+          </p:cNvPr>
+          <p:cNvSpPr txBox="1"/>
+          <p:nvPr/>
+        </p:nvSpPr>
+        <p:spPr bwMode="auto">
+          <a:xfrm>
+            <a:off x="30140295" y="9495313"/>
+            <a:ext cx="3761283" cy="830997"/>
+          </a:xfrm>
+          <a:prstGeom prst="rect">
+            <a:avLst/>
+          </a:prstGeom>
+          <a:noFill/>
+        </p:spPr>
+        <p:txBody>
+          <a:bodyPr wrap="square">
+            <a:spAutoFit/>
+          </a:bodyPr>
+          <a:lstStyle/>
+          <a:p>
+            <a:pPr eaLnBrk="1" latinLnBrk="1" hangingPunct="1">
+              <a:defRPr/>
+            </a:pPr>
+            <a:r>
+              <a:rPr lang="en-US" altLang="ko-KR" sz="1600" b="1" dirty="0" err="1">
+                <a:latin typeface="+mn-ea"/>
+              </a:rPr>
+              <a:t>parameterType</a:t>
+            </a:r>
+            <a:r>
+              <a:rPr lang="en-US" altLang="ko-KR" sz="1600" b="1" dirty="0">
+                <a:latin typeface="+mn-ea"/>
+              </a:rPr>
+              <a:t> </a:t>
+            </a:r>
+            <a:r>
+              <a:rPr lang="en-US" altLang="ko-KR" sz="1600" b="1" dirty="0" err="1" smtClean="0">
+                <a:latin typeface="+mn-ea"/>
+              </a:rPr>
+              <a:t>int</a:t>
+            </a:r>
+            <a:r>
+              <a:rPr lang="en-US" altLang="ko-KR" sz="1600" b="1" dirty="0" smtClean="0">
+                <a:latin typeface="+mn-ea"/>
+              </a:rPr>
+              <a:t> no</a:t>
+            </a:r>
+          </a:p>
+          <a:p>
+            <a:pPr eaLnBrk="1" latinLnBrk="1" hangingPunct="1">
+              <a:defRPr/>
+            </a:pPr>
+            <a:endParaRPr lang="en-US" altLang="ko-KR" sz="1600" b="1" dirty="0">
+              <a:latin typeface="+mn-ea"/>
+              <a:ea typeface="+mn-ea"/>
+            </a:endParaRPr>
+          </a:p>
+          <a:p>
+            <a:pPr eaLnBrk="1" latinLnBrk="1" hangingPunct="1">
+              <a:defRPr/>
+            </a:pPr>
+            <a:r>
+              <a:rPr lang="en-US" altLang="ko-KR" sz="1600" b="1" dirty="0" err="1" smtClean="0">
+                <a:latin typeface="+mn-ea"/>
+              </a:rPr>
+              <a:t>resultType</a:t>
+            </a:r>
+            <a:r>
+              <a:rPr lang="en-US" altLang="ko-KR" sz="1600" b="1" dirty="0" smtClean="0">
+                <a:latin typeface="+mn-ea"/>
+              </a:rPr>
+              <a:t> : </a:t>
+            </a:r>
+            <a:r>
+              <a:rPr lang="en-US" altLang="ko-KR" sz="1600" b="1" dirty="0" err="1" smtClean="0">
+                <a:latin typeface="+mn-ea"/>
+              </a:rPr>
+              <a:t>BoardVo</a:t>
+            </a:r>
+            <a:endParaRPr lang="ko-KR" altLang="en-US" sz="1200" b="1" dirty="0">
+              <a:latin typeface="+mn-ea"/>
+              <a:ea typeface="+mn-ea"/>
+            </a:endParaRPr>
+          </a:p>
+        </p:txBody>
+      </p:sp>
+      <p:sp>
+        <p:nvSpPr>
+          <p:cNvPr id="217" name="TextBox 216">
+            <a:extLst>
+              <a:ext uri="{FF2B5EF4-FFF2-40B4-BE49-F238E27FC236}">
+                <a16:creationId xmlns:a16="http://schemas.microsoft.com/office/drawing/2014/main" id="{177B3951-9596-4560-B838-A810A88B1ABE}"/>
+              </a:ext>
+            </a:extLst>
+          </p:cNvPr>
+          <p:cNvSpPr txBox="1"/>
+          <p:nvPr/>
+        </p:nvSpPr>
+        <p:spPr bwMode="auto">
+          <a:xfrm>
+            <a:off x="28840021" y="11303641"/>
+            <a:ext cx="1230128" cy="338554"/>
+          </a:xfrm>
+          <a:prstGeom prst="rect">
+            <a:avLst/>
+          </a:prstGeom>
+          <a:noFill/>
+        </p:spPr>
+        <p:txBody>
+          <a:bodyPr wrap="square">
+            <a:spAutoFit/>
+          </a:bodyPr>
+          <a:lstStyle/>
+          <a:p>
+            <a:pPr eaLnBrk="1" latinLnBrk="1" hangingPunct="1">
+              <a:defRPr/>
+            </a:pPr>
+            <a:r>
+              <a:rPr lang="en-US" altLang="ko-KR" sz="1600" b="1" dirty="0" err="1" smtClean="0">
+                <a:latin typeface="+mn-ea"/>
+              </a:rPr>
+              <a:t>BoardVo</a:t>
+            </a:r>
+            <a:endParaRPr lang="ko-KR" altLang="en-US" sz="1200" b="1" dirty="0">
+              <a:latin typeface="+mn-ea"/>
+              <a:ea typeface="+mn-ea"/>
+            </a:endParaRPr>
+          </a:p>
+        </p:txBody>
+      </p:sp>
+      <p:sp>
+        <p:nvSpPr>
+          <p:cNvPr id="218" name="TextBox 217">
+            <a:extLst>
+              <a:ext uri="{FF2B5EF4-FFF2-40B4-BE49-F238E27FC236}">
+                <a16:creationId xmlns:a16="http://schemas.microsoft.com/office/drawing/2014/main" id="{177B3951-9596-4560-B838-A810A88B1ABE}"/>
+              </a:ext>
+            </a:extLst>
+          </p:cNvPr>
+          <p:cNvSpPr txBox="1"/>
+          <p:nvPr/>
+        </p:nvSpPr>
+        <p:spPr bwMode="auto">
+          <a:xfrm>
+            <a:off x="23047098" y="11230905"/>
+            <a:ext cx="1230128" cy="338554"/>
+          </a:xfrm>
+          <a:prstGeom prst="rect">
+            <a:avLst/>
+          </a:prstGeom>
+          <a:noFill/>
+        </p:spPr>
+        <p:txBody>
+          <a:bodyPr wrap="square">
+            <a:spAutoFit/>
+          </a:bodyPr>
+          <a:lstStyle/>
+          <a:p>
+            <a:pPr eaLnBrk="1" latinLnBrk="1" hangingPunct="1">
+              <a:defRPr/>
+            </a:pPr>
+            <a:r>
+              <a:rPr lang="en-US" altLang="ko-KR" sz="1600" b="1" dirty="0" err="1" smtClean="0">
+                <a:latin typeface="+mn-ea"/>
+              </a:rPr>
+              <a:t>BoardVo</a:t>
+            </a:r>
+            <a:endParaRPr lang="ko-KR" altLang="en-US" sz="1200" b="1" dirty="0">
+              <a:latin typeface="+mn-ea"/>
+              <a:ea typeface="+mn-ea"/>
+            </a:endParaRPr>
+          </a:p>
+        </p:txBody>
+      </p:sp>
+      <p:sp>
+        <p:nvSpPr>
+          <p:cNvPr id="219" name="TextBox 218">
+            <a:extLst>
+              <a:ext uri="{FF2B5EF4-FFF2-40B4-BE49-F238E27FC236}">
+                <a16:creationId xmlns:a16="http://schemas.microsoft.com/office/drawing/2014/main" id="{177B3951-9596-4560-B838-A810A88B1ABE}"/>
+              </a:ext>
+            </a:extLst>
+          </p:cNvPr>
+          <p:cNvSpPr txBox="1"/>
+          <p:nvPr/>
+        </p:nvSpPr>
+        <p:spPr bwMode="auto">
+          <a:xfrm>
+            <a:off x="19007261" y="11335238"/>
+            <a:ext cx="1230128" cy="338554"/>
+          </a:xfrm>
+          <a:prstGeom prst="rect">
+            <a:avLst/>
+          </a:prstGeom>
+          <a:noFill/>
+        </p:spPr>
+        <p:txBody>
+          <a:bodyPr wrap="square">
+            <a:spAutoFit/>
+          </a:bodyPr>
+          <a:lstStyle/>
+          <a:p>
+            <a:pPr eaLnBrk="1" latinLnBrk="1" hangingPunct="1">
+              <a:defRPr/>
+            </a:pPr>
+            <a:r>
+              <a:rPr lang="en-US" altLang="ko-KR" sz="1600" b="1" dirty="0" err="1" smtClean="0">
+                <a:latin typeface="+mn-ea"/>
+              </a:rPr>
+              <a:t>BoardVo</a:t>
+            </a:r>
+            <a:endParaRPr lang="ko-KR" altLang="en-US" sz="1200" b="1" dirty="0">
+              <a:latin typeface="+mn-ea"/>
+              <a:ea typeface="+mn-ea"/>
+            </a:endParaRPr>
+          </a:p>
+        </p:txBody>
+      </p:sp>
+      <p:sp>
+        <p:nvSpPr>
+          <p:cNvPr id="220" name="TextBox 219">
+            <a:extLst>
+              <a:ext uri="{FF2B5EF4-FFF2-40B4-BE49-F238E27FC236}">
+                <a16:creationId xmlns:a16="http://schemas.microsoft.com/office/drawing/2014/main" id="{177B3951-9596-4560-B838-A810A88B1ABE}"/>
+              </a:ext>
+            </a:extLst>
+          </p:cNvPr>
+          <p:cNvSpPr txBox="1"/>
+          <p:nvPr/>
+        </p:nvSpPr>
+        <p:spPr bwMode="auto">
+          <a:xfrm>
+            <a:off x="15123103" y="11385220"/>
+            <a:ext cx="1230128" cy="338554"/>
+          </a:xfrm>
+          <a:prstGeom prst="rect">
+            <a:avLst/>
+          </a:prstGeom>
+          <a:noFill/>
+        </p:spPr>
+        <p:txBody>
+          <a:bodyPr wrap="square">
+            <a:spAutoFit/>
+          </a:bodyPr>
+          <a:lstStyle/>
+          <a:p>
+            <a:pPr eaLnBrk="1" latinLnBrk="1" hangingPunct="1">
+              <a:defRPr/>
+            </a:pPr>
+            <a:r>
+              <a:rPr lang="en-US" altLang="ko-KR" sz="1600" b="1" dirty="0" err="1" smtClean="0">
+                <a:latin typeface="+mn-ea"/>
+              </a:rPr>
+              <a:t>BoardVo</a:t>
+            </a:r>
+            <a:endParaRPr lang="ko-KR" altLang="en-US" sz="1200" b="1" dirty="0">
+              <a:latin typeface="+mn-ea"/>
+              <a:ea typeface="+mn-ea"/>
+            </a:endParaRPr>
+          </a:p>
+        </p:txBody>
+      </p:sp>
+      <p:sp>
+        <p:nvSpPr>
+          <p:cNvPr id="221" name="TextBox 220">
+            <a:extLst>
+              <a:ext uri="{FF2B5EF4-FFF2-40B4-BE49-F238E27FC236}">
+                <a16:creationId xmlns:a16="http://schemas.microsoft.com/office/drawing/2014/main" id="{177B3951-9596-4560-B838-A810A88B1ABE}"/>
+              </a:ext>
+            </a:extLst>
+          </p:cNvPr>
+          <p:cNvSpPr txBox="1"/>
+          <p:nvPr/>
+        </p:nvSpPr>
+        <p:spPr bwMode="auto">
+          <a:xfrm>
+            <a:off x="6588098" y="12235073"/>
+            <a:ext cx="1230128" cy="584775"/>
+          </a:xfrm>
+          <a:prstGeom prst="rect">
+            <a:avLst/>
+          </a:prstGeom>
+          <a:noFill/>
+        </p:spPr>
+        <p:txBody>
+          <a:bodyPr wrap="square">
+            <a:spAutoFit/>
+          </a:bodyPr>
+          <a:lstStyle/>
+          <a:p>
+            <a:pPr eaLnBrk="1" latinLnBrk="1" hangingPunct="1">
+              <a:defRPr/>
+            </a:pPr>
+            <a:r>
+              <a:rPr lang="en-US" altLang="ko-KR" sz="1600" b="1" dirty="0" smtClean="0">
+                <a:latin typeface="+mn-ea"/>
+              </a:rPr>
+              <a:t>Model(</a:t>
+            </a:r>
+            <a:r>
+              <a:rPr lang="en-US" altLang="ko-KR" sz="1600" b="1" dirty="0" err="1" smtClean="0">
+                <a:latin typeface="+mn-ea"/>
+              </a:rPr>
+              <a:t>BoardVo</a:t>
+            </a:r>
+            <a:r>
+              <a:rPr lang="en-US" altLang="ko-KR" sz="1600" b="1" dirty="0" smtClean="0">
+                <a:latin typeface="+mn-ea"/>
+              </a:rPr>
+              <a:t>)</a:t>
+            </a:r>
+            <a:endParaRPr lang="ko-KR" altLang="en-US" sz="1200" b="1" dirty="0">
+              <a:latin typeface="+mn-ea"/>
+              <a:ea typeface="+mn-ea"/>
+            </a:endParaRPr>
+          </a:p>
+        </p:txBody>
+      </p:sp>
+      <p:sp>
+        <p:nvSpPr>
+          <p:cNvPr id="222" name="TextBox 221">
+            <a:extLst>
+              <a:ext uri="{FF2B5EF4-FFF2-40B4-BE49-F238E27FC236}">
+                <a16:creationId xmlns:a16="http://schemas.microsoft.com/office/drawing/2014/main" id="{444B2D52-471C-4350-89FE-87C5A1EAD686}"/>
+              </a:ext>
+            </a:extLst>
+          </p:cNvPr>
+          <p:cNvSpPr txBox="1"/>
+          <p:nvPr/>
+        </p:nvSpPr>
+        <p:spPr bwMode="auto">
+          <a:xfrm>
+            <a:off x="8615277" y="11569023"/>
+            <a:ext cx="2140861" cy="369332"/>
+          </a:xfrm>
+          <a:prstGeom prst="rect">
+            <a:avLst/>
+          </a:prstGeom>
+          <a:noFill/>
+        </p:spPr>
+        <p:txBody>
+          <a:bodyPr wrap="square">
+            <a:spAutoFit/>
+          </a:bodyPr>
+          <a:lstStyle/>
+          <a:p>
+            <a:pPr eaLnBrk="1" latinLnBrk="1" hangingPunct="1">
+              <a:defRPr/>
+            </a:pPr>
+            <a:r>
+              <a:rPr lang="en-US" altLang="ko-KR" b="1" dirty="0" err="1" smtClean="0">
+                <a:latin typeface="+mn-ea"/>
+              </a:rPr>
+              <a:t>modifyForm.jsp</a:t>
+            </a:r>
+            <a:endParaRPr lang="ko-KR" altLang="en-US" sz="1400" b="1" dirty="0">
+              <a:latin typeface="+mn-ea"/>
+              <a:ea typeface="+mn-ea"/>
+            </a:endParaRPr>
+          </a:p>
+        </p:txBody>
+      </p:sp>
+      <p:sp>
+        <p:nvSpPr>
+          <p:cNvPr id="223" name="TextBox 222">
+            <a:extLst>
+              <a:ext uri="{FF2B5EF4-FFF2-40B4-BE49-F238E27FC236}">
+                <a16:creationId xmlns:a16="http://schemas.microsoft.com/office/drawing/2014/main" id="{444B2D52-471C-4350-89FE-87C5A1EAD686}"/>
+              </a:ext>
+            </a:extLst>
+          </p:cNvPr>
+          <p:cNvSpPr txBox="1"/>
+          <p:nvPr/>
+        </p:nvSpPr>
+        <p:spPr bwMode="auto">
+          <a:xfrm>
+            <a:off x="11201421" y="11536856"/>
+            <a:ext cx="2140861" cy="1292662"/>
+          </a:xfrm>
+          <a:prstGeom prst="rect">
+            <a:avLst/>
+          </a:prstGeom>
+          <a:noFill/>
+        </p:spPr>
+        <p:txBody>
+          <a:bodyPr wrap="square">
+            <a:spAutoFit/>
+          </a:bodyPr>
+          <a:lstStyle/>
+          <a:p>
+            <a:pPr eaLnBrk="1" latinLnBrk="1" hangingPunct="1">
+              <a:defRPr/>
+            </a:pPr>
+            <a:r>
+              <a:rPr lang="en-US" altLang="ko-KR" b="1" dirty="0" smtClean="0">
+                <a:latin typeface="+mn-ea"/>
+              </a:rPr>
+              <a:t>Board/</a:t>
+            </a:r>
+            <a:r>
+              <a:rPr lang="en-US" altLang="ko-KR" b="1" dirty="0" err="1" smtClean="0">
+                <a:latin typeface="+mn-ea"/>
+              </a:rPr>
+              <a:t>modifyForm</a:t>
+            </a:r>
+            <a:r>
+              <a:rPr lang="en-US" altLang="ko-KR" b="1" dirty="0" smtClean="0">
+                <a:latin typeface="+mn-ea"/>
+                <a:ea typeface="+mn-ea"/>
+              </a:rPr>
+              <a:t>(</a:t>
+            </a:r>
+            <a:r>
+              <a:rPr lang="ko-KR" altLang="en-US" b="1" dirty="0" smtClean="0">
+                <a:latin typeface="+mn-ea"/>
+                <a:ea typeface="+mn-ea"/>
+              </a:rPr>
+              <a:t>포워드</a:t>
+            </a:r>
+            <a:r>
+              <a:rPr lang="en-US" altLang="ko-KR" b="1" dirty="0" smtClean="0">
+                <a:latin typeface="+mn-ea"/>
+                <a:ea typeface="+mn-ea"/>
+              </a:rPr>
+              <a:t>)</a:t>
+            </a:r>
+          </a:p>
+          <a:p>
+            <a:pPr eaLnBrk="1" latinLnBrk="1" hangingPunct="1">
+              <a:defRPr/>
+            </a:pPr>
+            <a:endParaRPr lang="en-US" altLang="ko-KR" sz="1400" b="1" dirty="0">
+              <a:latin typeface="+mn-ea"/>
+            </a:endParaRPr>
+          </a:p>
+          <a:p>
+            <a:pPr latinLnBrk="1">
+              <a:defRPr/>
+            </a:pPr>
+            <a:r>
+              <a:rPr lang="en-US" altLang="ko-KR" sz="1400" b="1" dirty="0">
+                <a:latin typeface="+mn-ea"/>
+              </a:rPr>
+              <a:t>Model(</a:t>
+            </a:r>
+            <a:r>
+              <a:rPr lang="en-US" altLang="ko-KR" sz="1400" b="1" dirty="0" err="1">
+                <a:latin typeface="+mn-ea"/>
+              </a:rPr>
+              <a:t>BoardVo</a:t>
+            </a:r>
+            <a:r>
+              <a:rPr lang="en-US" altLang="ko-KR" sz="1400" b="1" dirty="0">
+                <a:latin typeface="+mn-ea"/>
+              </a:rPr>
+              <a:t>}</a:t>
+            </a:r>
+            <a:endParaRPr lang="ko-KR" altLang="en-US" sz="1100" b="1" dirty="0">
+              <a:latin typeface="+mn-ea"/>
+            </a:endParaRPr>
+          </a:p>
+          <a:p>
+            <a:pPr eaLnBrk="1" latinLnBrk="1" hangingPunct="1">
+              <a:defRPr/>
+            </a:pPr>
+            <a:endParaRPr lang="ko-KR" altLang="en-US" sz="1400" b="1" dirty="0">
+              <a:latin typeface="+mn-ea"/>
+              <a:ea typeface="+mn-ea"/>
+            </a:endParaRPr>
+          </a:p>
+        </p:txBody>
+      </p:sp>
+      <p:sp>
+        <p:nvSpPr>
+          <p:cNvPr id="224" name="TextBox 223">
+            <a:extLst>
+              <a:ext uri="{FF2B5EF4-FFF2-40B4-BE49-F238E27FC236}">
+                <a16:creationId xmlns:a16="http://schemas.microsoft.com/office/drawing/2014/main" id="{444B2D52-471C-4350-89FE-87C5A1EAD686}"/>
+              </a:ext>
+            </a:extLst>
+          </p:cNvPr>
+          <p:cNvSpPr txBox="1"/>
+          <p:nvPr/>
+        </p:nvSpPr>
+        <p:spPr bwMode="auto">
+          <a:xfrm>
+            <a:off x="8617935" y="10225781"/>
+            <a:ext cx="2140861" cy="307777"/>
+          </a:xfrm>
+          <a:prstGeom prst="rect">
+            <a:avLst/>
+          </a:prstGeom>
+          <a:noFill/>
+        </p:spPr>
+        <p:txBody>
+          <a:bodyPr wrap="square">
+            <a:spAutoFit/>
+          </a:bodyPr>
+          <a:lstStyle/>
+          <a:p>
+            <a:pPr eaLnBrk="1" latinLnBrk="1" hangingPunct="1">
+              <a:defRPr/>
+            </a:pPr>
+            <a:r>
+              <a:rPr lang="en-US" altLang="ko-KR" sz="1400" b="1" dirty="0" smtClean="0">
+                <a:latin typeface="+mn-ea"/>
+                <a:ea typeface="+mn-ea"/>
+              </a:rPr>
+              <a:t>Parameter : </a:t>
+            </a:r>
+            <a:r>
+              <a:rPr lang="en-US" altLang="ko-KR" sz="1400" b="1" dirty="0" err="1" smtClean="0">
+                <a:latin typeface="+mn-ea"/>
+                <a:ea typeface="+mn-ea"/>
+              </a:rPr>
+              <a:t>int</a:t>
+            </a:r>
+            <a:r>
+              <a:rPr lang="en-US" altLang="ko-KR" sz="1400" b="1" dirty="0" smtClean="0">
+                <a:latin typeface="+mn-ea"/>
+                <a:ea typeface="+mn-ea"/>
+              </a:rPr>
+              <a:t> no</a:t>
+            </a:r>
+            <a:endParaRPr lang="ko-KR" altLang="en-US" sz="1400" b="1" dirty="0">
+              <a:latin typeface="+mn-ea"/>
+              <a:ea typeface="+mn-ea"/>
+            </a:endParaRPr>
+          </a:p>
+        </p:txBody>
+      </p:sp>
+      <p:sp>
+        <p:nvSpPr>
+          <p:cNvPr id="225" name="TextBox 224">
+            <a:extLst>
+              <a:ext uri="{FF2B5EF4-FFF2-40B4-BE49-F238E27FC236}">
+                <a16:creationId xmlns:a16="http://schemas.microsoft.com/office/drawing/2014/main" id="{177B3951-9596-4560-B838-A810A88B1ABE}"/>
+              </a:ext>
+            </a:extLst>
+          </p:cNvPr>
+          <p:cNvSpPr txBox="1"/>
+          <p:nvPr/>
+        </p:nvSpPr>
+        <p:spPr bwMode="auto">
+          <a:xfrm>
+            <a:off x="19241871" y="5468421"/>
+            <a:ext cx="1230128" cy="338554"/>
+          </a:xfrm>
+          <a:prstGeom prst="rect">
+            <a:avLst/>
+          </a:prstGeom>
+          <a:noFill/>
+        </p:spPr>
+        <p:txBody>
+          <a:bodyPr wrap="square">
+            <a:spAutoFit/>
+          </a:bodyPr>
+          <a:lstStyle/>
+          <a:p>
+            <a:pPr eaLnBrk="1" latinLnBrk="1" hangingPunct="1">
+              <a:defRPr/>
+            </a:pPr>
+            <a:r>
+              <a:rPr lang="en-US" altLang="ko-KR" sz="1600" b="1" dirty="0" err="1" smtClean="0">
+                <a:latin typeface="+mn-ea"/>
+              </a:rPr>
+              <a:t>BoardVo</a:t>
+            </a:r>
+            <a:endParaRPr lang="ko-KR" altLang="en-US" sz="1200" b="1" dirty="0">
+              <a:latin typeface="+mn-ea"/>
+              <a:ea typeface="+mn-ea"/>
             </a:endParaRPr>
           </a:p>
         </p:txBody>
